--- a/Performance_slides.pptx
+++ b/Performance_slides.pptx
@@ -7,10 +7,10 @@
     <p:sldMasterId id="2147483663" r:id="rId3"/>
   </p:sldMasterIdLst>
   <p:notesMasterIdLst>
-    <p:notesMasterId r:id="rId38"/>
+    <p:notesMasterId r:id="rId60"/>
   </p:notesMasterIdLst>
   <p:handoutMasterIdLst>
-    <p:handoutMasterId r:id="rId39"/>
+    <p:handoutMasterId r:id="rId61"/>
   </p:handoutMasterIdLst>
   <p:sldIdLst>
     <p:sldId id="256" r:id="rId4"/>
@@ -26,27 +26,49 @@
     <p:sldId id="290" r:id="rId14"/>
     <p:sldId id="291" r:id="rId15"/>
     <p:sldId id="292" r:id="rId16"/>
-    <p:sldId id="283" r:id="rId17"/>
-    <p:sldId id="279" r:id="rId18"/>
-    <p:sldId id="259" r:id="rId19"/>
-    <p:sldId id="260" r:id="rId20"/>
-    <p:sldId id="261" r:id="rId21"/>
-    <p:sldId id="262" r:id="rId22"/>
-    <p:sldId id="263" r:id="rId23"/>
-    <p:sldId id="264" r:id="rId24"/>
-    <p:sldId id="265" r:id="rId25"/>
-    <p:sldId id="266" r:id="rId26"/>
-    <p:sldId id="267" r:id="rId27"/>
-    <p:sldId id="276" r:id="rId28"/>
-    <p:sldId id="268" r:id="rId29"/>
-    <p:sldId id="269" r:id="rId30"/>
-    <p:sldId id="270" r:id="rId31"/>
-    <p:sldId id="271" r:id="rId32"/>
-    <p:sldId id="277" r:id="rId33"/>
-    <p:sldId id="272" r:id="rId34"/>
-    <p:sldId id="273" r:id="rId35"/>
-    <p:sldId id="274" r:id="rId36"/>
-    <p:sldId id="275" r:id="rId37"/>
+    <p:sldId id="293" r:id="rId17"/>
+    <p:sldId id="295" r:id="rId18"/>
+    <p:sldId id="294" r:id="rId19"/>
+    <p:sldId id="296" r:id="rId20"/>
+    <p:sldId id="297" r:id="rId21"/>
+    <p:sldId id="298" r:id="rId22"/>
+    <p:sldId id="299" r:id="rId23"/>
+    <p:sldId id="300" r:id="rId24"/>
+    <p:sldId id="301" r:id="rId25"/>
+    <p:sldId id="302" r:id="rId26"/>
+    <p:sldId id="303" r:id="rId27"/>
+    <p:sldId id="304" r:id="rId28"/>
+    <p:sldId id="305" r:id="rId29"/>
+    <p:sldId id="306" r:id="rId30"/>
+    <p:sldId id="307" r:id="rId31"/>
+    <p:sldId id="308" r:id="rId32"/>
+    <p:sldId id="309" r:id="rId33"/>
+    <p:sldId id="310" r:id="rId34"/>
+    <p:sldId id="312" r:id="rId35"/>
+    <p:sldId id="311" r:id="rId36"/>
+    <p:sldId id="313" r:id="rId37"/>
+    <p:sldId id="314" r:id="rId38"/>
+    <p:sldId id="315" r:id="rId39"/>
+    <p:sldId id="279" r:id="rId40"/>
+    <p:sldId id="259" r:id="rId41"/>
+    <p:sldId id="260" r:id="rId42"/>
+    <p:sldId id="261" r:id="rId43"/>
+    <p:sldId id="262" r:id="rId44"/>
+    <p:sldId id="263" r:id="rId45"/>
+    <p:sldId id="264" r:id="rId46"/>
+    <p:sldId id="265" r:id="rId47"/>
+    <p:sldId id="266" r:id="rId48"/>
+    <p:sldId id="267" r:id="rId49"/>
+    <p:sldId id="276" r:id="rId50"/>
+    <p:sldId id="268" r:id="rId51"/>
+    <p:sldId id="269" r:id="rId52"/>
+    <p:sldId id="270" r:id="rId53"/>
+    <p:sldId id="271" r:id="rId54"/>
+    <p:sldId id="277" r:id="rId55"/>
+    <p:sldId id="272" r:id="rId56"/>
+    <p:sldId id="273" r:id="rId57"/>
+    <p:sldId id="274" r:id="rId58"/>
+    <p:sldId id="275" r:id="rId59"/>
   </p:sldIdLst>
   <p:sldSz cx="9144000" cy="5143500" type="screen16x9"/>
   <p:notesSz cx="6858000" cy="9144000"/>
@@ -249,7 +271,7 @@
           <a:p>
             <a:fld id="{3FDC14FC-A894-4869-A797-1EC82735D106}" type="datetimeFigureOut">
               <a:rPr lang="en-US" smtClean="0"/>
-              <a:t>2/11/2019</a:t>
+              <a:t>2/25/2019</a:t>
             </a:fld>
             <a:endParaRPr lang="en-US"/>
           </a:p>
@@ -414,7 +436,7 @@
           <a:p>
             <a:fld id="{B4F99C05-63F9-4248-8E20-3ACD9DF9DE7F}" type="datetimeFigureOut">
               <a:rPr lang="en-US" smtClean="0"/>
-              <a:t>2/11/2019</a:t>
+              <a:t>2/25/2019</a:t>
             </a:fld>
             <a:endParaRPr lang="en-US"/>
           </a:p>
@@ -9534,7 +9556,7 @@
           </a:ln>
           <a:extLst>
             <a:ext uri="{C572A759-6A51-4108-AA02-DFA0A04FC94B}">
-              <ma14:wrappingTextBoxFlag xmlns:ma14="http://schemas.microsoft.com/office/mac/drawingml/2011/main" xmlns="" val="1"/>
+              <ma14:wrappingTextBoxFlag xmlns="" xmlns:ma14="http://schemas.microsoft.com/office/mac/drawingml/2011/main" val="1"/>
             </a:ext>
           </a:extLst>
         </p:spPr>
@@ -21371,42 +21393,9 @@
           <a:lstStyle/>
           <a:p>
             <a:r>
-              <a:rPr lang="en-US" dirty="0"/>
-              <a:t>Performance Practices</a:t>
-            </a:r>
-          </a:p>
-        </p:txBody>
-      </p:sp>
-      <p:sp>
-        <p:nvSpPr>
-          <p:cNvPr id="9" name="Text Placeholder 8"/>
-          <p:cNvSpPr>
-            <a:spLocks noGrp="1"/>
-          </p:cNvSpPr>
-          <p:nvPr>
-            <p:ph type="body" sz="quarter" idx="11"/>
-          </p:nvPr>
-        </p:nvSpPr>
-        <p:spPr>
-          <a:xfrm>
-            <a:off x="357188" y="1079500"/>
-            <a:ext cx="8429626" cy="342900"/>
-          </a:xfrm>
-        </p:spPr>
-        <p:txBody>
-          <a:bodyPr/>
-          <a:lstStyle/>
-          <a:p>
-            <a:r>
-              <a:rPr lang="en-US" dirty="0"/>
+              <a:rPr lang="en-US" b="1" dirty="0"/>
               <a:t>2. Avoiding N+1 requests</a:t>
             </a:r>
-          </a:p>
-          <a:p>
-            <a:endParaRPr lang="en-US" dirty="0"/>
-          </a:p>
-          <a:p>
-            <a:endParaRPr lang="en-US" dirty="0"/>
           </a:p>
         </p:txBody>
       </p:sp>
@@ -21458,7 +21447,7 @@
         </p:nvSpPr>
         <p:spPr>
           <a:xfrm>
-            <a:off x="357186" y="1422400"/>
+            <a:off x="357186" y="1044575"/>
             <a:ext cx="8429627" cy="3054350"/>
           </a:xfrm>
         </p:spPr>
@@ -21514,7 +21503,7 @@
         </p:blipFill>
         <p:spPr>
           <a:xfrm>
-            <a:off x="3784042" y="1731898"/>
+            <a:off x="3779492" y="1179129"/>
             <a:ext cx="4951539" cy="2785241"/>
           </a:xfrm>
           <a:prstGeom prst="rect">
@@ -21544,7 +21533,7 @@
         </p:blipFill>
         <p:spPr>
           <a:xfrm>
-            <a:off x="408419" y="2573337"/>
+            <a:off x="357186" y="2244586"/>
             <a:ext cx="2957081" cy="695267"/>
           </a:xfrm>
           <a:prstGeom prst="rect">
@@ -21566,7 +21555,7 @@
         </p:nvSpPr>
         <p:spPr>
           <a:xfrm>
-            <a:off x="3416733" y="2755187"/>
+            <a:off x="3361572" y="2387083"/>
             <a:ext cx="370614" cy="369332"/>
           </a:xfrm>
           <a:prstGeom prst="rect">
@@ -21600,7 +21589,7 @@
         </p:nvSpPr>
         <p:spPr>
           <a:xfrm>
-            <a:off x="4586500" y="4476750"/>
+            <a:off x="4643650" y="3964370"/>
             <a:ext cx="2342564" cy="300082"/>
           </a:xfrm>
           <a:prstGeom prst="rect">
@@ -21667,8 +21656,8 @@
           <a:lstStyle/>
           <a:p>
             <a:r>
-              <a:rPr lang="en-US" dirty="0"/>
-              <a:t>Performance Practices</a:t>
+              <a:rPr lang="en-US" b="1" dirty="0"/>
+              <a:t>2. Avoiding N+1 requests</a:t>
             </a:r>
           </a:p>
         </p:txBody>
@@ -21695,11 +21684,8 @@
           <a:p>
             <a:r>
               <a:rPr lang="en-US" dirty="0"/>
-              <a:t>2. Avoiding N+1 requests</a:t>
-            </a:r>
-          </a:p>
-          <a:p>
-            <a:endParaRPr lang="en-US" dirty="0"/>
+              <a:t>Solution:</a:t>
+            </a:r>
           </a:p>
           <a:p>
             <a:endParaRPr lang="en-US" dirty="0"/>
@@ -21738,52 +21724,6 @@
       </p:sp>
       <p:sp>
         <p:nvSpPr>
-          <p:cNvPr id="7" name="Content Placeholder 6">
-            <a:extLst>
-              <a:ext uri="{FF2B5EF4-FFF2-40B4-BE49-F238E27FC236}">
-                <a16:creationId xmlns:a16="http://schemas.microsoft.com/office/drawing/2014/main" id="{04FA93D3-540A-4888-86B7-52F1B594848D}"/>
-              </a:ext>
-            </a:extLst>
-          </p:cNvPr>
-          <p:cNvSpPr>
-            <a:spLocks noGrp="1"/>
-          </p:cNvSpPr>
-          <p:nvPr>
-            <p:ph sz="quarter" idx="10"/>
-          </p:nvPr>
-        </p:nvSpPr>
-        <p:spPr>
-          <a:xfrm>
-            <a:off x="357186" y="1422400"/>
-            <a:ext cx="8429627" cy="3054350"/>
-          </a:xfrm>
-        </p:spPr>
-        <p:txBody>
-          <a:bodyPr/>
-          <a:lstStyle/>
-          <a:p>
-            <a:pPr marL="0" indent="0">
-              <a:lnSpc>
-                <a:spcPct val="100000"/>
-              </a:lnSpc>
-              <a:buNone/>
-            </a:pPr>
-            <a:r>
-              <a:rPr lang="en-US" sz="2000" b="1" dirty="0"/>
-              <a:t>Solution:</a:t>
-            </a:r>
-            <a:br>
-              <a:rPr lang="en-US" dirty="0"/>
-            </a:br>
-            <a:br>
-              <a:rPr lang="en-US" dirty="0"/>
-            </a:br>
-            <a:endParaRPr lang="en-US" dirty="0"/>
-          </a:p>
-        </p:txBody>
-      </p:sp>
-      <p:sp>
-        <p:nvSpPr>
           <p:cNvPr id="11" name="TextBox 10">
             <a:extLst>
               <a:ext uri="{FF2B5EF4-FFF2-40B4-BE49-F238E27FC236}">
@@ -21796,7 +21736,7 @@
         </p:nvSpPr>
         <p:spPr>
           <a:xfrm>
-            <a:off x="3776401" y="4158311"/>
+            <a:off x="3301591" y="3919904"/>
             <a:ext cx="1110176" cy="300082"/>
           </a:xfrm>
           <a:prstGeom prst="rect">
@@ -21831,7 +21771,7 @@
         </p:nvSpPr>
         <p:spPr>
           <a:xfrm>
-            <a:off x="3856679" y="2902706"/>
+            <a:off x="3619274" y="2545409"/>
             <a:ext cx="474810" cy="523220"/>
           </a:xfrm>
           <a:prstGeom prst="rect">
@@ -21874,7 +21814,7 @@
         </p:blipFill>
         <p:spPr>
           <a:xfrm>
-            <a:off x="1903116" y="1758949"/>
+            <a:off x="1827854" y="1250950"/>
             <a:ext cx="4057650" cy="1190625"/>
           </a:xfrm>
           <a:prstGeom prst="rect">
@@ -21904,7 +21844,7 @@
         </p:blipFill>
         <p:spPr>
           <a:xfrm>
-            <a:off x="1903116" y="3435104"/>
+            <a:off x="1490366" y="3139136"/>
             <a:ext cx="5010150" cy="704850"/>
           </a:xfrm>
           <a:prstGeom prst="rect">
@@ -21958,8 +21898,8 @@
           <a:lstStyle/>
           <a:p>
             <a:r>
-              <a:rPr lang="en-US" dirty="0"/>
-              <a:t>Performance Practices</a:t>
+              <a:rPr lang="en-US" b="1" dirty="0"/>
+              <a:t>2. Avoiding N+1 requests</a:t>
             </a:r>
           </a:p>
         </p:txBody>
@@ -21986,14 +21926,8 @@
           <a:p>
             <a:r>
               <a:rPr lang="en-US" dirty="0"/>
-              <a:t>2. Avoiding N+1 requests</a:t>
-            </a:r>
-          </a:p>
-          <a:p>
-            <a:endParaRPr lang="en-US" dirty="0"/>
-          </a:p>
-          <a:p>
-            <a:endParaRPr lang="en-US" dirty="0"/>
+              <a:t>Result:</a:t>
+            </a:r>
           </a:p>
         </p:txBody>
       </p:sp>
@@ -22023,52 +21957,6 @@
               <a:pPr/>
               <a:t>12</a:t>
             </a:fld>
-            <a:endParaRPr lang="en-US" dirty="0"/>
-          </a:p>
-        </p:txBody>
-      </p:sp>
-      <p:sp>
-        <p:nvSpPr>
-          <p:cNvPr id="7" name="Content Placeholder 6">
-            <a:extLst>
-              <a:ext uri="{FF2B5EF4-FFF2-40B4-BE49-F238E27FC236}">
-                <a16:creationId xmlns:a16="http://schemas.microsoft.com/office/drawing/2014/main" id="{04FA93D3-540A-4888-86B7-52F1B594848D}"/>
-              </a:ext>
-            </a:extLst>
-          </p:cNvPr>
-          <p:cNvSpPr>
-            <a:spLocks noGrp="1"/>
-          </p:cNvSpPr>
-          <p:nvPr>
-            <p:ph sz="quarter" idx="10"/>
-          </p:nvPr>
-        </p:nvSpPr>
-        <p:spPr>
-          <a:xfrm>
-            <a:off x="357186" y="1422400"/>
-            <a:ext cx="8429627" cy="3054350"/>
-          </a:xfrm>
-        </p:spPr>
-        <p:txBody>
-          <a:bodyPr/>
-          <a:lstStyle/>
-          <a:p>
-            <a:pPr marL="0" indent="0">
-              <a:lnSpc>
-                <a:spcPct val="100000"/>
-              </a:lnSpc>
-              <a:buNone/>
-            </a:pPr>
-            <a:r>
-              <a:rPr lang="en-US" sz="2000" b="1" dirty="0"/>
-              <a:t>Result:</a:t>
-            </a:r>
-            <a:br>
-              <a:rPr lang="en-US" dirty="0"/>
-            </a:br>
-            <a:br>
-              <a:rPr lang="en-US" dirty="0"/>
-            </a:br>
             <a:endParaRPr lang="en-US" dirty="0"/>
           </a:p>
         </p:txBody>
@@ -22101,7 +21989,7 @@
         </p:blipFill>
         <p:spPr>
           <a:xfrm>
-            <a:off x="357185" y="1948182"/>
+            <a:off x="357185" y="1481581"/>
             <a:ext cx="3788561" cy="1733550"/>
           </a:xfrm>
           <a:prstGeom prst="rect">
@@ -22137,7 +22025,7 @@
         </p:blipFill>
         <p:spPr>
           <a:xfrm>
-            <a:off x="4659191" y="2414782"/>
+            <a:off x="4659190" y="2014967"/>
             <a:ext cx="4088987" cy="800349"/>
           </a:xfrm>
           <a:prstGeom prst="rect">
@@ -22159,7 +22047,7 @@
         </p:nvSpPr>
         <p:spPr>
           <a:xfrm>
-            <a:off x="4184380" y="2549398"/>
+            <a:off x="4184380" y="2182779"/>
             <a:ext cx="474810" cy="523220"/>
           </a:xfrm>
           <a:prstGeom prst="rect">
@@ -22208,7 +22096,7 @@
         </p:blipFill>
         <p:spPr>
           <a:xfrm>
-            <a:off x="357185" y="3842068"/>
+            <a:off x="357185" y="3466378"/>
             <a:ext cx="1466850" cy="228600"/>
           </a:xfrm>
           <a:prstGeom prst="rect">
@@ -22244,7 +22132,7 @@
         </p:blipFill>
         <p:spPr>
           <a:xfrm>
-            <a:off x="4659190" y="3837305"/>
+            <a:off x="4659190" y="3466378"/>
             <a:ext cx="1343025" cy="238125"/>
           </a:xfrm>
           <a:prstGeom prst="rect">
@@ -22298,8 +22186,8 @@
           <a:lstStyle/>
           <a:p>
             <a:r>
-              <a:rPr lang="en-US" dirty="0"/>
-              <a:t>Performance Practices</a:t>
+              <a:rPr lang="en-US" b="1" dirty="0"/>
+              <a:t>2. Avoiding N+1 requests</a:t>
             </a:r>
           </a:p>
         </p:txBody>
@@ -22324,16 +22212,15 @@
           <a:bodyPr/>
           <a:lstStyle/>
           <a:p>
-            <a:r>
-              <a:rPr lang="en-US" dirty="0"/>
-              <a:t>2. Avoiding N+1 requests</a:t>
-            </a:r>
-          </a:p>
-          <a:p>
-            <a:endParaRPr lang="en-US" dirty="0"/>
-          </a:p>
-          <a:p>
-            <a:endParaRPr lang="en-US" dirty="0"/>
+            <a:pPr>
+              <a:lnSpc>
+                <a:spcPct val="100000"/>
+              </a:lnSpc>
+            </a:pPr>
+            <a:r>
+              <a:rPr lang="en-US" dirty="0"/>
+              <a:t>How to not forget:</a:t>
+            </a:r>
           </a:p>
         </p:txBody>
       </p:sp>
@@ -22400,18 +22287,6 @@
               <a:buNone/>
             </a:pPr>
             <a:r>
-              <a:rPr lang="en-US" sz="2000" b="1" dirty="0"/>
-              <a:t>How to not forget:</a:t>
-            </a:r>
-          </a:p>
-          <a:p>
-            <a:pPr marL="0" indent="0">
-              <a:lnSpc>
-                <a:spcPct val="100000"/>
-              </a:lnSpc>
-              <a:buNone/>
-            </a:pPr>
-            <a:r>
               <a:rPr lang="en-US" dirty="0"/>
               <a:t>For ruby : </a:t>
             </a:r>
@@ -22503,6 +22378,24 @@
               <a:buNone/>
             </a:pPr>
             <a:endParaRPr lang="en-US" dirty="0"/>
+          </a:p>
+          <a:p>
+            <a:pPr marL="0" indent="0">
+              <a:lnSpc>
+                <a:spcPct val="100000"/>
+              </a:lnSpc>
+              <a:buNone/>
+            </a:pPr>
+            <a:endParaRPr lang="en-US" b="1" dirty="0"/>
+          </a:p>
+          <a:p>
+            <a:pPr marL="0" indent="0">
+              <a:lnSpc>
+                <a:spcPct val="100000"/>
+              </a:lnSpc>
+              <a:buNone/>
+            </a:pPr>
+            <a:endParaRPr lang="en-US" b="1" dirty="0"/>
           </a:p>
           <a:p>
             <a:pPr marL="0" indent="0">
@@ -22540,8 +22433,8 @@
         </p:blipFill>
         <p:spPr>
           <a:xfrm>
-            <a:off x="1263650" y="2172297"/>
-            <a:ext cx="4260850" cy="1990470"/>
+            <a:off x="1257300" y="1765300"/>
+            <a:ext cx="5137150" cy="2399836"/>
           </a:xfrm>
           <a:prstGeom prst="rect">
             <a:avLst/>
@@ -22593,45 +22486,10 @@
           <a:bodyPr/>
           <a:lstStyle/>
           <a:p>
-            <a:endParaRPr lang="en-US"/>
-          </a:p>
-        </p:txBody>
-      </p:sp>
-      <p:sp>
-        <p:nvSpPr>
-          <p:cNvPr id="4" name="Content Placeholder 3"/>
-          <p:cNvSpPr>
-            <a:spLocks noGrp="1"/>
-          </p:cNvSpPr>
-          <p:nvPr>
-            <p:ph sz="quarter" idx="10"/>
-          </p:nvPr>
-        </p:nvSpPr>
-        <p:spPr/>
-        <p:txBody>
-          <a:bodyPr/>
-          <a:lstStyle/>
-          <a:p>
-            <a:endParaRPr lang="en-US"/>
-          </a:p>
-        </p:txBody>
-      </p:sp>
-      <p:sp>
-        <p:nvSpPr>
-          <p:cNvPr id="9" name="Text Placeholder 8"/>
-          <p:cNvSpPr>
-            <a:spLocks noGrp="1"/>
-          </p:cNvSpPr>
-          <p:nvPr>
-            <p:ph type="body" sz="quarter" idx="11"/>
-          </p:nvPr>
-        </p:nvSpPr>
-        <p:spPr/>
-        <p:txBody>
-          <a:bodyPr/>
-          <a:lstStyle/>
-          <a:p>
-            <a:endParaRPr lang="en-US"/>
+            <a:r>
+              <a:rPr lang="en-US" b="1" dirty="0"/>
+              <a:t>Performance Practices</a:t>
+            </a:r>
           </a:p>
         </p:txBody>
       </p:sp>
@@ -22665,10 +22523,44 @@
           </a:p>
         </p:txBody>
       </p:sp>
+      <p:sp>
+        <p:nvSpPr>
+          <p:cNvPr id="11" name="Rectangle 10">
+            <a:extLst>
+              <a:ext uri="{FF2B5EF4-FFF2-40B4-BE49-F238E27FC236}">
+                <a16:creationId xmlns:a16="http://schemas.microsoft.com/office/drawing/2014/main" id="{8CD0A436-CB4F-46B8-B66D-033C2B2DD3AC}"/>
+              </a:ext>
+            </a:extLst>
+          </p:cNvPr>
+          <p:cNvSpPr/>
+          <p:nvPr/>
+        </p:nvSpPr>
+        <p:spPr>
+          <a:xfrm>
+            <a:off x="3498629" y="1740753"/>
+            <a:ext cx="2146742" cy="830997"/>
+          </a:xfrm>
+          <a:prstGeom prst="rect">
+            <a:avLst/>
+          </a:prstGeom>
+        </p:spPr>
+        <p:txBody>
+          <a:bodyPr wrap="none">
+            <a:spAutoFit/>
+          </a:bodyPr>
+          <a:lstStyle/>
+          <a:p>
+            <a:r>
+              <a:rPr lang="en-US" sz="4800" dirty="0"/>
+              <a:t>Caching</a:t>
+            </a:r>
+          </a:p>
+        </p:txBody>
+      </p:sp>
     </p:spTree>
     <p:extLst>
       <p:ext uri="{BB962C8B-B14F-4D97-AF65-F5344CB8AC3E}">
-        <p14:creationId xmlns:p14="http://schemas.microsoft.com/office/powerpoint/2010/main" val="2781243795"/>
+        <p14:creationId xmlns:p14="http://schemas.microsoft.com/office/powerpoint/2010/main" val="148008319"/>
       </p:ext>
     </p:extLst>
   </p:cSld>
@@ -22711,7 +22603,7 @@
           <a:lstStyle/>
           <a:p>
             <a:r>
-              <a:rPr lang="en-US" dirty="0"/>
+              <a:rPr lang="en-US" b="1" dirty="0"/>
               <a:t>Performance Practices</a:t>
             </a:r>
           </a:p>
@@ -22719,250 +22611,10 @@
       </p:sp>
       <p:sp>
         <p:nvSpPr>
-          <p:cNvPr id="4" name="Picture Placeholder 3"/>
-          <p:cNvSpPr>
-            <a:spLocks noGrp="1"/>
-          </p:cNvSpPr>
-          <p:nvPr>
-            <p:ph type="pic" sz="quarter" idx="11"/>
-          </p:nvPr>
-        </p:nvSpPr>
-        <p:spPr/>
-      </p:sp>
-      <p:sp>
-        <p:nvSpPr>
-          <p:cNvPr id="5" name="Text Placeholder 4"/>
-          <p:cNvSpPr>
-            <a:spLocks noGrp="1"/>
-          </p:cNvSpPr>
-          <p:nvPr>
-            <p:ph type="body" sz="quarter" idx="12"/>
-          </p:nvPr>
-        </p:nvSpPr>
-        <p:spPr/>
-        <p:txBody>
-          <a:bodyPr/>
-          <a:lstStyle/>
-          <a:p>
-            <a:endParaRPr lang="en-US"/>
-          </a:p>
-        </p:txBody>
-      </p:sp>
-      <p:sp>
-        <p:nvSpPr>
-          <p:cNvPr id="21" name="Text Placeholder 20"/>
-          <p:cNvSpPr>
-            <a:spLocks noGrp="1"/>
-          </p:cNvSpPr>
-          <p:nvPr>
-            <p:ph type="body" sz="quarter" idx="13"/>
-          </p:nvPr>
-        </p:nvSpPr>
-        <p:spPr/>
-        <p:txBody>
-          <a:bodyPr/>
-          <a:lstStyle/>
-          <a:p>
-            <a:endParaRPr lang="en-US" dirty="0"/>
-          </a:p>
-        </p:txBody>
-      </p:sp>
-      <p:sp>
-        <p:nvSpPr>
-          <p:cNvPr id="22" name="Text Placeholder 21"/>
-          <p:cNvSpPr>
-            <a:spLocks noGrp="1"/>
-          </p:cNvSpPr>
-          <p:nvPr>
-            <p:ph type="body" sz="quarter" idx="14"/>
-          </p:nvPr>
-        </p:nvSpPr>
-        <p:spPr/>
-        <p:txBody>
-          <a:bodyPr/>
-          <a:lstStyle/>
-          <a:p>
-            <a:endParaRPr lang="en-US"/>
-          </a:p>
-        </p:txBody>
-      </p:sp>
-      <p:sp>
-        <p:nvSpPr>
-          <p:cNvPr id="23" name="Text Placeholder 22"/>
-          <p:cNvSpPr>
-            <a:spLocks noGrp="1"/>
-          </p:cNvSpPr>
-          <p:nvPr>
-            <p:ph type="body" sz="quarter" idx="15"/>
-          </p:nvPr>
-        </p:nvSpPr>
-        <p:spPr/>
-        <p:txBody>
-          <a:bodyPr/>
-          <a:lstStyle/>
-          <a:p>
-            <a:endParaRPr lang="en-US"/>
-          </a:p>
-        </p:txBody>
-      </p:sp>
-      <p:sp>
-        <p:nvSpPr>
-          <p:cNvPr id="24" name="Text Placeholder 23"/>
-          <p:cNvSpPr>
-            <a:spLocks noGrp="1"/>
-          </p:cNvSpPr>
-          <p:nvPr>
-            <p:ph type="body" sz="quarter" idx="16"/>
-          </p:nvPr>
-        </p:nvSpPr>
-        <p:spPr/>
-        <p:txBody>
-          <a:bodyPr/>
-          <a:lstStyle/>
-          <a:p>
-            <a:endParaRPr lang="en-US"/>
-          </a:p>
-        </p:txBody>
-      </p:sp>
-      <p:sp>
-        <p:nvSpPr>
-          <p:cNvPr id="25" name="Text Placeholder 24"/>
-          <p:cNvSpPr>
-            <a:spLocks noGrp="1"/>
-          </p:cNvSpPr>
-          <p:nvPr>
-            <p:ph type="body" sz="quarter" idx="17"/>
-          </p:nvPr>
-        </p:nvSpPr>
-        <p:spPr/>
-        <p:txBody>
-          <a:bodyPr/>
-          <a:lstStyle/>
-          <a:p>
-            <a:endParaRPr lang="en-US"/>
-          </a:p>
-        </p:txBody>
-      </p:sp>
-      <p:sp>
-        <p:nvSpPr>
-          <p:cNvPr id="26" name="Text Placeholder 25"/>
-          <p:cNvSpPr>
-            <a:spLocks noGrp="1"/>
-          </p:cNvSpPr>
-          <p:nvPr>
-            <p:ph type="body" sz="quarter" idx="18"/>
-          </p:nvPr>
-        </p:nvSpPr>
-        <p:spPr/>
-        <p:txBody>
-          <a:bodyPr/>
-          <a:lstStyle/>
-          <a:p>
-            <a:endParaRPr lang="en-US"/>
-          </a:p>
-        </p:txBody>
-      </p:sp>
-      <p:sp>
-        <p:nvSpPr>
-          <p:cNvPr id="27" name="Text Placeholder 26"/>
-          <p:cNvSpPr>
-            <a:spLocks noGrp="1"/>
-          </p:cNvSpPr>
-          <p:nvPr>
-            <p:ph type="body" sz="quarter" idx="19"/>
-          </p:nvPr>
-        </p:nvSpPr>
-        <p:spPr/>
-        <p:txBody>
-          <a:bodyPr/>
-          <a:lstStyle/>
-          <a:p>
-            <a:endParaRPr lang="en-US"/>
-          </a:p>
-        </p:txBody>
-      </p:sp>
-      <p:sp>
-        <p:nvSpPr>
-          <p:cNvPr id="28" name="Text Placeholder 27"/>
-          <p:cNvSpPr>
-            <a:spLocks noGrp="1"/>
-          </p:cNvSpPr>
-          <p:nvPr>
-            <p:ph type="body" sz="quarter" idx="20"/>
-          </p:nvPr>
-        </p:nvSpPr>
-        <p:spPr/>
-        <p:txBody>
-          <a:bodyPr/>
-          <a:lstStyle/>
-          <a:p>
-            <a:endParaRPr lang="en-US"/>
-          </a:p>
-        </p:txBody>
-      </p:sp>
-      <p:sp>
-        <p:nvSpPr>
-          <p:cNvPr id="29" name="Text Placeholder 28"/>
-          <p:cNvSpPr>
-            <a:spLocks noGrp="1"/>
-          </p:cNvSpPr>
-          <p:nvPr>
-            <p:ph type="body" sz="quarter" idx="21"/>
-          </p:nvPr>
-        </p:nvSpPr>
-        <p:spPr/>
-        <p:txBody>
-          <a:bodyPr/>
-          <a:lstStyle/>
-          <a:p>
-            <a:endParaRPr lang="en-US"/>
-          </a:p>
-        </p:txBody>
-      </p:sp>
-      <p:sp>
-        <p:nvSpPr>
-          <p:cNvPr id="30" name="Text Placeholder 29"/>
-          <p:cNvSpPr>
-            <a:spLocks noGrp="1"/>
-          </p:cNvSpPr>
-          <p:nvPr>
-            <p:ph type="body" sz="quarter" idx="22"/>
-          </p:nvPr>
-        </p:nvSpPr>
-        <p:spPr/>
-        <p:txBody>
-          <a:bodyPr/>
-          <a:lstStyle/>
-          <a:p>
-            <a:endParaRPr lang="en-US"/>
-          </a:p>
-        </p:txBody>
-      </p:sp>
-      <p:sp>
-        <p:nvSpPr>
-          <p:cNvPr id="31" name="Text Placeholder 30"/>
-          <p:cNvSpPr>
-            <a:spLocks noGrp="1"/>
-          </p:cNvSpPr>
-          <p:nvPr>
-            <p:ph type="body" sz="quarter" idx="23"/>
-          </p:nvPr>
-        </p:nvSpPr>
-        <p:spPr/>
-        <p:txBody>
-          <a:bodyPr/>
-          <a:lstStyle/>
-          <a:p>
-            <a:endParaRPr lang="en-US"/>
-          </a:p>
-        </p:txBody>
-      </p:sp>
-      <p:sp>
-        <p:nvSpPr>
-          <p:cNvPr id="6" name="Slide Number Placeholder 5">
+          <p:cNvPr id="5" name="Slide Number Placeholder 4">
             <a:extLst>
               <a:ext uri="{FF2B5EF4-FFF2-40B4-BE49-F238E27FC236}">
-                <a16:creationId xmlns:a16="http://schemas.microsoft.com/office/drawing/2014/main" id="{EB11C89A-3E1B-FF47-B76F-3E8ED7756FCF}"/>
+                <a16:creationId xmlns:a16="http://schemas.microsoft.com/office/drawing/2014/main" id="{D695E08B-236F-5B4F-801C-4C75369E005C}"/>
               </a:ext>
             </a:extLst>
           </p:cNvPr>
@@ -22987,10 +22639,93 @@
           </a:p>
         </p:txBody>
       </p:sp>
+      <p:sp>
+        <p:nvSpPr>
+          <p:cNvPr id="11" name="Rectangle 10">
+            <a:extLst>
+              <a:ext uri="{FF2B5EF4-FFF2-40B4-BE49-F238E27FC236}">
+                <a16:creationId xmlns:a16="http://schemas.microsoft.com/office/drawing/2014/main" id="{8CD0A436-CB4F-46B8-B66D-033C2B2DD3AC}"/>
+              </a:ext>
+            </a:extLst>
+          </p:cNvPr>
+          <p:cNvSpPr/>
+          <p:nvPr/>
+        </p:nvSpPr>
+        <p:spPr>
+          <a:xfrm>
+            <a:off x="2821008" y="1740753"/>
+            <a:ext cx="3494996" cy="830997"/>
+          </a:xfrm>
+          <a:prstGeom prst="rect">
+            <a:avLst/>
+          </a:prstGeom>
+        </p:spPr>
+        <p:txBody>
+          <a:bodyPr wrap="none">
+            <a:spAutoFit/>
+          </a:bodyPr>
+          <a:lstStyle/>
+          <a:p>
+            <a:r>
+              <a:rPr lang="en-US" sz="4800" dirty="0" err="1"/>
+              <a:t>Memoization</a:t>
+            </a:r>
+            <a:endParaRPr lang="en-US" sz="4800" dirty="0"/>
+          </a:p>
+        </p:txBody>
+      </p:sp>
+      <p:sp>
+        <p:nvSpPr>
+          <p:cNvPr id="2" name="Rectangle 1">
+            <a:extLst>
+              <a:ext uri="{FF2B5EF4-FFF2-40B4-BE49-F238E27FC236}">
+                <a16:creationId xmlns:a16="http://schemas.microsoft.com/office/drawing/2014/main" id="{151F3C8C-ABF7-40FC-A707-61C3E6FF59A0}"/>
+              </a:ext>
+            </a:extLst>
+          </p:cNvPr>
+          <p:cNvSpPr/>
+          <p:nvPr/>
+        </p:nvSpPr>
+        <p:spPr>
+          <a:xfrm>
+            <a:off x="3522257" y="2571750"/>
+            <a:ext cx="2099486" cy="400110"/>
+          </a:xfrm>
+          <a:prstGeom prst="rect">
+            <a:avLst/>
+          </a:prstGeom>
+        </p:spPr>
+        <p:txBody>
+          <a:bodyPr wrap="none">
+            <a:spAutoFit/>
+          </a:bodyPr>
+          <a:lstStyle/>
+          <a:p>
+            <a:r>
+              <a:rPr lang="en-US" sz="2000" dirty="0"/>
+              <a:t>Or “god bless </a:t>
+            </a:r>
+            <a:r>
+              <a:rPr lang="en-US" sz="2000" dirty="0">
+                <a:solidFill>
+                  <a:schemeClr val="accent6">
+                    <a:lumMod val="75000"/>
+                  </a:schemeClr>
+                </a:solidFill>
+              </a:rPr>
+              <a:t>||=</a:t>
+            </a:r>
+            <a:r>
+              <a:rPr lang="en-US" sz="2000" dirty="0"/>
+              <a:t>“</a:t>
+            </a:r>
+          </a:p>
+        </p:txBody>
+      </p:sp>
     </p:spTree>
     <p:extLst>
       <p:ext uri="{BB962C8B-B14F-4D97-AF65-F5344CB8AC3E}">
-        <p14:creationId xmlns:p14="http://schemas.microsoft.com/office/powerpoint/2010/main" val="2076017499"/>
+        <p14:creationId xmlns:p14="http://schemas.microsoft.com/office/powerpoint/2010/main" val="2988180824"/>
       </p:ext>
     </p:extLst>
   </p:cSld>
@@ -23019,7 +22754,7 @@
       </p:grpSpPr>
       <p:sp>
         <p:nvSpPr>
-          <p:cNvPr id="7" name="Title 6"/>
+          <p:cNvPr id="3" name="Title 2"/>
           <p:cNvSpPr>
             <a:spLocks noGrp="1"/>
           </p:cNvSpPr>
@@ -23032,45 +22767,37 @@
           <a:bodyPr/>
           <a:lstStyle/>
           <a:p>
-            <a:endParaRPr lang="en-US" dirty="0"/>
-          </a:p>
-        </p:txBody>
-      </p:sp>
-      <p:sp>
-        <p:nvSpPr>
-          <p:cNvPr id="8" name="Content Placeholder 7"/>
+            <a:r>
+              <a:rPr lang="en-US" b="1" dirty="0"/>
+              <a:t>3.1 Memorization</a:t>
+            </a:r>
+          </a:p>
+        </p:txBody>
+      </p:sp>
+      <p:sp>
+        <p:nvSpPr>
+          <p:cNvPr id="9" name="Text Placeholder 8"/>
           <p:cNvSpPr>
             <a:spLocks noGrp="1"/>
           </p:cNvSpPr>
           <p:nvPr>
-            <p:ph sz="quarter" idx="10"/>
+            <p:ph type="body" sz="quarter" idx="11"/>
           </p:nvPr>
         </p:nvSpPr>
-        <p:spPr/>
+        <p:spPr>
+          <a:xfrm>
+            <a:off x="357188" y="1079500"/>
+            <a:ext cx="8429626" cy="342900"/>
+          </a:xfrm>
+        </p:spPr>
         <p:txBody>
           <a:bodyPr/>
           <a:lstStyle/>
           <a:p>
-            <a:endParaRPr lang="en-US"/>
-          </a:p>
-        </p:txBody>
-      </p:sp>
-      <p:sp>
-        <p:nvSpPr>
-          <p:cNvPr id="9" name="Content Placeholder 8"/>
-          <p:cNvSpPr>
-            <a:spLocks noGrp="1"/>
-          </p:cNvSpPr>
-          <p:nvPr>
-            <p:ph sz="quarter" idx="11"/>
-          </p:nvPr>
-        </p:nvSpPr>
-        <p:spPr/>
-        <p:txBody>
-          <a:bodyPr/>
-          <a:lstStyle/>
-          <a:p>
-            <a:endParaRPr lang="en-US"/>
+            <a:r>
+              <a:rPr lang="en-US" dirty="0"/>
+              <a:t>Problem:</a:t>
+            </a:r>
           </a:p>
         </p:txBody>
       </p:sp>
@@ -23079,7 +22806,7 @@
           <p:cNvPr id="5" name="Slide Number Placeholder 4">
             <a:extLst>
               <a:ext uri="{FF2B5EF4-FFF2-40B4-BE49-F238E27FC236}">
-                <a16:creationId xmlns:a16="http://schemas.microsoft.com/office/drawing/2014/main" id="{A0B887B2-5B81-1D4E-A26D-E8BF86D8C354}"/>
+                <a16:creationId xmlns:a16="http://schemas.microsoft.com/office/drawing/2014/main" id="{D695E08B-236F-5B4F-801C-4C75369E005C}"/>
               </a:ext>
             </a:extLst>
           </p:cNvPr>
@@ -23104,10 +22831,83 @@
           </a:p>
         </p:txBody>
       </p:sp>
+      <p:pic>
+        <p:nvPicPr>
+          <p:cNvPr id="4" name="Picture 3">
+            <a:extLst>
+              <a:ext uri="{FF2B5EF4-FFF2-40B4-BE49-F238E27FC236}">
+                <a16:creationId xmlns:a16="http://schemas.microsoft.com/office/drawing/2014/main" id="{BB1A529B-35C3-49BB-9FFC-DDB6899AAEE8}"/>
+              </a:ext>
+            </a:extLst>
+          </p:cNvPr>
+          <p:cNvPicPr>
+            <a:picLocks noChangeAspect="1"/>
+          </p:cNvPicPr>
+          <p:nvPr/>
+        </p:nvPicPr>
+        <p:blipFill>
+          <a:blip r:embed="rId2"/>
+          <a:stretch>
+            <a:fillRect/>
+          </a:stretch>
+        </p:blipFill>
+        <p:spPr>
+          <a:xfrm>
+            <a:off x="357186" y="1422400"/>
+            <a:ext cx="5314950" cy="1343025"/>
+          </a:xfrm>
+          <a:prstGeom prst="rect">
+            <a:avLst/>
+          </a:prstGeom>
+        </p:spPr>
+      </p:pic>
+      <p:sp>
+        <p:nvSpPr>
+          <p:cNvPr id="6" name="Rectangle 5">
+            <a:extLst>
+              <a:ext uri="{FF2B5EF4-FFF2-40B4-BE49-F238E27FC236}">
+                <a16:creationId xmlns:a16="http://schemas.microsoft.com/office/drawing/2014/main" id="{9ED56C33-EFD6-48F4-ACC8-74ED22349A0E}"/>
+              </a:ext>
+            </a:extLst>
+          </p:cNvPr>
+          <p:cNvSpPr/>
+          <p:nvPr/>
+        </p:nvSpPr>
+        <p:spPr>
+          <a:xfrm>
+            <a:off x="357186" y="3657473"/>
+            <a:ext cx="4887914" cy="300082"/>
+          </a:xfrm>
+          <a:prstGeom prst="rect">
+            <a:avLst/>
+          </a:prstGeom>
+        </p:spPr>
+        <p:txBody>
+          <a:bodyPr wrap="square">
+            <a:spAutoFit/>
+          </a:bodyPr>
+          <a:lstStyle/>
+          <a:p>
+            <a:r>
+              <a:rPr lang="en-US" dirty="0"/>
+              <a:t>(Yes, it's slow Ruby, but it will hang on every </a:t>
+            </a:r>
+            <a:r>
+              <a:rPr lang="en-US" dirty="0" err="1"/>
+              <a:t>lang</a:t>
+            </a:r>
+            <a:r>
+              <a:rPr lang="en-US" dirty="0"/>
+              <a:t> with big number)</a:t>
+            </a:r>
+            <a:endParaRPr lang="en-US" b="1" dirty="0"/>
+          </a:p>
+        </p:txBody>
+      </p:sp>
     </p:spTree>
     <p:extLst>
       <p:ext uri="{BB962C8B-B14F-4D97-AF65-F5344CB8AC3E}">
-        <p14:creationId xmlns:p14="http://schemas.microsoft.com/office/powerpoint/2010/main" val="1741000056"/>
+        <p14:creationId xmlns:p14="http://schemas.microsoft.com/office/powerpoint/2010/main" val="1349196702"/>
       </p:ext>
     </p:extLst>
   </p:cSld>
@@ -23149,26 +22949,10 @@
           <a:bodyPr/>
           <a:lstStyle/>
           <a:p>
-            <a:endParaRPr lang="en-US"/>
-          </a:p>
-        </p:txBody>
-      </p:sp>
-      <p:sp>
-        <p:nvSpPr>
-          <p:cNvPr id="4" name="Content Placeholder 3"/>
-          <p:cNvSpPr>
-            <a:spLocks noGrp="1"/>
-          </p:cNvSpPr>
-          <p:nvPr>
-            <p:ph sz="quarter" idx="10"/>
-          </p:nvPr>
-        </p:nvSpPr>
-        <p:spPr/>
-        <p:txBody>
-          <a:bodyPr/>
-          <a:lstStyle/>
-          <a:p>
-            <a:endParaRPr lang="en-US"/>
+            <a:r>
+              <a:rPr lang="en-US" b="1" dirty="0"/>
+              <a:t>3.1 Memorization</a:t>
+            </a:r>
           </a:p>
         </p:txBody>
       </p:sp>
@@ -23182,12 +22966,20 @@
             <p:ph type="body" sz="quarter" idx="11"/>
           </p:nvPr>
         </p:nvSpPr>
-        <p:spPr/>
+        <p:spPr>
+          <a:xfrm>
+            <a:off x="357188" y="1079500"/>
+            <a:ext cx="8429626" cy="342900"/>
+          </a:xfrm>
+        </p:spPr>
         <p:txBody>
           <a:bodyPr/>
           <a:lstStyle/>
           <a:p>
-            <a:endParaRPr lang="en-US"/>
+            <a:r>
+              <a:rPr lang="en-US" dirty="0"/>
+              <a:t>Solution:</a:t>
+            </a:r>
           </a:p>
         </p:txBody>
       </p:sp>
@@ -23221,10 +23013,40 @@
           </a:p>
         </p:txBody>
       </p:sp>
+      <p:pic>
+        <p:nvPicPr>
+          <p:cNvPr id="2" name="Picture 1">
+            <a:extLst>
+              <a:ext uri="{FF2B5EF4-FFF2-40B4-BE49-F238E27FC236}">
+                <a16:creationId xmlns:a16="http://schemas.microsoft.com/office/drawing/2014/main" id="{BC45BE22-0279-4E9B-A417-BB71D1AC80DE}"/>
+              </a:ext>
+            </a:extLst>
+          </p:cNvPr>
+          <p:cNvPicPr>
+            <a:picLocks noChangeAspect="1"/>
+          </p:cNvPicPr>
+          <p:nvPr/>
+        </p:nvPicPr>
+        <p:blipFill>
+          <a:blip r:embed="rId2"/>
+          <a:stretch>
+            <a:fillRect/>
+          </a:stretch>
+        </p:blipFill>
+        <p:spPr>
+          <a:xfrm>
+            <a:off x="357186" y="1422400"/>
+            <a:ext cx="4029075" cy="2514600"/>
+          </a:xfrm>
+          <a:prstGeom prst="rect">
+            <a:avLst/>
+          </a:prstGeom>
+        </p:spPr>
+      </p:pic>
     </p:spTree>
     <p:extLst>
       <p:ext uri="{BB962C8B-B14F-4D97-AF65-F5344CB8AC3E}">
-        <p14:creationId xmlns:p14="http://schemas.microsoft.com/office/powerpoint/2010/main" val="2383520111"/>
+        <p14:creationId xmlns:p14="http://schemas.microsoft.com/office/powerpoint/2010/main" val="2874606126"/>
       </p:ext>
     </p:extLst>
   </p:cSld>
@@ -23266,32 +23088,16 @@
           <a:bodyPr/>
           <a:lstStyle/>
           <a:p>
-            <a:endParaRPr lang="en-US"/>
-          </a:p>
-        </p:txBody>
-      </p:sp>
-      <p:sp>
-        <p:nvSpPr>
-          <p:cNvPr id="4" name="Content Placeholder 3"/>
-          <p:cNvSpPr>
-            <a:spLocks noGrp="1"/>
-          </p:cNvSpPr>
-          <p:nvPr>
-            <p:ph sz="quarter" idx="10"/>
-          </p:nvPr>
-        </p:nvSpPr>
-        <p:spPr/>
-        <p:txBody>
-          <a:bodyPr/>
-          <a:lstStyle/>
-          <a:p>
-            <a:endParaRPr lang="en-US"/>
-          </a:p>
-        </p:txBody>
-      </p:sp>
-      <p:sp>
-        <p:nvSpPr>
-          <p:cNvPr id="11" name="Text Placeholder 10"/>
+            <a:r>
+              <a:rPr lang="en-US" b="1" dirty="0"/>
+              <a:t>3.1 Memorization</a:t>
+            </a:r>
+          </a:p>
+        </p:txBody>
+      </p:sp>
+      <p:sp>
+        <p:nvSpPr>
+          <p:cNvPr id="9" name="Text Placeholder 8"/>
           <p:cNvSpPr>
             <a:spLocks noGrp="1"/>
           </p:cNvSpPr>
@@ -23299,50 +23105,20 @@
             <p:ph type="body" sz="quarter" idx="11"/>
           </p:nvPr>
         </p:nvSpPr>
-        <p:spPr/>
+        <p:spPr>
+          <a:xfrm>
+            <a:off x="357188" y="1079500"/>
+            <a:ext cx="8429626" cy="342900"/>
+          </a:xfrm>
+        </p:spPr>
         <p:txBody>
           <a:bodyPr/>
           <a:lstStyle/>
           <a:p>
-            <a:endParaRPr lang="en-US"/>
-          </a:p>
-        </p:txBody>
-      </p:sp>
-      <p:sp>
-        <p:nvSpPr>
-          <p:cNvPr id="12" name="Content Placeholder 11"/>
-          <p:cNvSpPr>
-            <a:spLocks noGrp="1"/>
-          </p:cNvSpPr>
-          <p:nvPr>
-            <p:ph sz="quarter" idx="12"/>
-          </p:nvPr>
-        </p:nvSpPr>
-        <p:spPr/>
-        <p:txBody>
-          <a:bodyPr/>
-          <a:lstStyle/>
-          <a:p>
-            <a:endParaRPr lang="en-US"/>
-          </a:p>
-        </p:txBody>
-      </p:sp>
-      <p:sp>
-        <p:nvSpPr>
-          <p:cNvPr id="13" name="Text Placeholder 12"/>
-          <p:cNvSpPr>
-            <a:spLocks noGrp="1"/>
-          </p:cNvSpPr>
-          <p:nvPr>
-            <p:ph type="body" sz="quarter" idx="13"/>
-          </p:nvPr>
-        </p:nvSpPr>
-        <p:spPr/>
-        <p:txBody>
-          <a:bodyPr/>
-          <a:lstStyle/>
-          <a:p>
-            <a:endParaRPr lang="en-US"/>
+            <a:r>
+              <a:rPr lang="en-US" dirty="0"/>
+              <a:t>results:</a:t>
+            </a:r>
           </a:p>
         </p:txBody>
       </p:sp>
@@ -23351,7 +23127,7 @@
           <p:cNvPr id="5" name="Slide Number Placeholder 4">
             <a:extLst>
               <a:ext uri="{FF2B5EF4-FFF2-40B4-BE49-F238E27FC236}">
-                <a16:creationId xmlns:a16="http://schemas.microsoft.com/office/drawing/2014/main" id="{E20845A9-188B-8049-BCF6-C7A00D112623}"/>
+                <a16:creationId xmlns:a16="http://schemas.microsoft.com/office/drawing/2014/main" id="{D695E08B-236F-5B4F-801C-4C75369E005C}"/>
               </a:ext>
             </a:extLst>
           </p:cNvPr>
@@ -23376,10 +23152,40 @@
           </a:p>
         </p:txBody>
       </p:sp>
+      <p:pic>
+        <p:nvPicPr>
+          <p:cNvPr id="4" name="Picture 3">
+            <a:extLst>
+              <a:ext uri="{FF2B5EF4-FFF2-40B4-BE49-F238E27FC236}">
+                <a16:creationId xmlns:a16="http://schemas.microsoft.com/office/drawing/2014/main" id="{4CED10DE-90C4-4A48-B932-9507BB724250}"/>
+              </a:ext>
+            </a:extLst>
+          </p:cNvPr>
+          <p:cNvPicPr>
+            <a:picLocks noChangeAspect="1"/>
+          </p:cNvPicPr>
+          <p:nvPr/>
+        </p:nvPicPr>
+        <p:blipFill>
+          <a:blip r:embed="rId2"/>
+          <a:stretch>
+            <a:fillRect/>
+          </a:stretch>
+        </p:blipFill>
+        <p:spPr>
+          <a:xfrm>
+            <a:off x="357186" y="1422400"/>
+            <a:ext cx="6496050" cy="2943225"/>
+          </a:xfrm>
+          <a:prstGeom prst="rect">
+            <a:avLst/>
+          </a:prstGeom>
+        </p:spPr>
+      </p:pic>
     </p:spTree>
     <p:extLst>
       <p:ext uri="{BB962C8B-B14F-4D97-AF65-F5344CB8AC3E}">
-        <p14:creationId xmlns:p14="http://schemas.microsoft.com/office/powerpoint/2010/main" val="45426372"/>
+        <p14:creationId xmlns:p14="http://schemas.microsoft.com/office/powerpoint/2010/main" val="794546759"/>
       </p:ext>
     </p:extLst>
   </p:cSld>
@@ -23421,47 +23227,19 @@
           <a:bodyPr/>
           <a:lstStyle/>
           <a:p>
-            <a:endParaRPr lang="en-US"/>
-          </a:p>
-        </p:txBody>
-      </p:sp>
-      <p:sp>
-        <p:nvSpPr>
-          <p:cNvPr id="4" name="Content Placeholder 3"/>
-          <p:cNvSpPr>
-            <a:spLocks noGrp="1"/>
-          </p:cNvSpPr>
-          <p:nvPr>
-            <p:ph sz="quarter" idx="10"/>
-          </p:nvPr>
-        </p:nvSpPr>
-        <p:spPr/>
-        <p:txBody>
-          <a:bodyPr/>
-          <a:lstStyle/>
-          <a:p>
-            <a:endParaRPr lang="en-US"/>
-          </a:p>
-        </p:txBody>
-      </p:sp>
-      <p:sp>
-        <p:nvSpPr>
-          <p:cNvPr id="5" name="Picture Placeholder 4"/>
-          <p:cNvSpPr>
-            <a:spLocks noGrp="1"/>
-          </p:cNvSpPr>
-          <p:nvPr>
-            <p:ph type="pic" sz="quarter" idx="11"/>
-          </p:nvPr>
-        </p:nvSpPr>
-        <p:spPr/>
-      </p:sp>
-      <p:sp>
-        <p:nvSpPr>
-          <p:cNvPr id="7" name="Slide Number Placeholder 6">
+            <a:r>
+              <a:rPr lang="en-US" b="1" dirty="0"/>
+              <a:t>3.2 Caching something for the whole request</a:t>
+            </a:r>
+          </a:p>
+        </p:txBody>
+      </p:sp>
+      <p:sp>
+        <p:nvSpPr>
+          <p:cNvPr id="5" name="Slide Number Placeholder 4">
             <a:extLst>
               <a:ext uri="{FF2B5EF4-FFF2-40B4-BE49-F238E27FC236}">
-                <a16:creationId xmlns:a16="http://schemas.microsoft.com/office/drawing/2014/main" id="{82727CB5-094D-B940-A7AF-F67F1ED37934}"/>
+                <a16:creationId xmlns:a16="http://schemas.microsoft.com/office/drawing/2014/main" id="{D695E08B-236F-5B4F-801C-4C75369E005C}"/>
               </a:ext>
             </a:extLst>
           </p:cNvPr>
@@ -23486,10 +23264,90 @@
           </a:p>
         </p:txBody>
       </p:sp>
+      <p:sp>
+        <p:nvSpPr>
+          <p:cNvPr id="2" name="Rectangle 1">
+            <a:extLst>
+              <a:ext uri="{FF2B5EF4-FFF2-40B4-BE49-F238E27FC236}">
+                <a16:creationId xmlns:a16="http://schemas.microsoft.com/office/drawing/2014/main" id="{BADBA000-5627-4BF1-8EC7-1643459FDA8A}"/>
+              </a:ext>
+            </a:extLst>
+          </p:cNvPr>
+          <p:cNvSpPr/>
+          <p:nvPr/>
+        </p:nvSpPr>
+        <p:spPr>
+          <a:xfrm>
+            <a:off x="360364" y="1100909"/>
+            <a:ext cx="4184094" cy="300082"/>
+          </a:xfrm>
+          <a:prstGeom prst="rect">
+            <a:avLst/>
+          </a:prstGeom>
+        </p:spPr>
+        <p:txBody>
+          <a:bodyPr wrap="none">
+            <a:spAutoFit/>
+          </a:bodyPr>
+          <a:lstStyle/>
+          <a:p>
+            <a:r>
+              <a:rPr lang="en-US" dirty="0">
+                <a:solidFill>
+                  <a:srgbClr val="24292E"/>
+                </a:solidFill>
+                <a:latin typeface="-apple-system"/>
+              </a:rPr>
+              <a:t>For ruby: </a:t>
+            </a:r>
+            <a:r>
+              <a:rPr lang="en-US" dirty="0">
+                <a:solidFill>
+                  <a:srgbClr val="0366D6"/>
+                </a:solidFill>
+                <a:latin typeface="-apple-system"/>
+                <a:hlinkClick r:id="rId2"/>
+              </a:rPr>
+              <a:t>https://github.com/steveklabnik/request_store</a:t>
+            </a:r>
+            <a:endParaRPr lang="en-US" dirty="0"/>
+          </a:p>
+        </p:txBody>
+      </p:sp>
+      <p:pic>
+        <p:nvPicPr>
+          <p:cNvPr id="6" name="Picture 5">
+            <a:extLst>
+              <a:ext uri="{FF2B5EF4-FFF2-40B4-BE49-F238E27FC236}">
+                <a16:creationId xmlns:a16="http://schemas.microsoft.com/office/drawing/2014/main" id="{F7056069-A418-4EA0-B49F-D43A58E4C3E5}"/>
+              </a:ext>
+            </a:extLst>
+          </p:cNvPr>
+          <p:cNvPicPr>
+            <a:picLocks noChangeAspect="1"/>
+          </p:cNvPicPr>
+          <p:nvPr/>
+        </p:nvPicPr>
+        <p:blipFill>
+          <a:blip r:embed="rId3"/>
+          <a:stretch>
+            <a:fillRect/>
+          </a:stretch>
+        </p:blipFill>
+        <p:spPr>
+          <a:xfrm>
+            <a:off x="360364" y="1746250"/>
+            <a:ext cx="3829050" cy="1371600"/>
+          </a:xfrm>
+          <a:prstGeom prst="rect">
+            <a:avLst/>
+          </a:prstGeom>
+        </p:spPr>
+      </p:pic>
     </p:spTree>
     <p:extLst>
       <p:ext uri="{BB962C8B-B14F-4D97-AF65-F5344CB8AC3E}">
-        <p14:creationId xmlns:p14="http://schemas.microsoft.com/office/powerpoint/2010/main" val="1758515591"/>
+        <p14:creationId xmlns:p14="http://schemas.microsoft.com/office/powerpoint/2010/main" val="2310756085"/>
       </p:ext>
     </p:extLst>
   </p:cSld>
@@ -23532,10 +23390,9 @@
           <a:lstStyle/>
           <a:p>
             <a:r>
-              <a:rPr lang="en-US" dirty="0"/>
+              <a:rPr lang="en-US" b="1" dirty="0"/>
               <a:t>Performance Practices</a:t>
             </a:r>
-            <a:endParaRPr lang="en-US" b="1" dirty="0"/>
           </a:p>
         </p:txBody>
       </p:sp>
@@ -23655,57 +23512,10 @@
           <a:bodyPr/>
           <a:lstStyle/>
           <a:p>
-            <a:endParaRPr lang="en-US"/>
-          </a:p>
-        </p:txBody>
-      </p:sp>
-      <p:sp>
-        <p:nvSpPr>
-          <p:cNvPr id="4" name="Content Placeholder 3"/>
-          <p:cNvSpPr>
-            <a:spLocks noGrp="1"/>
-          </p:cNvSpPr>
-          <p:nvPr>
-            <p:ph sz="quarter" idx="10"/>
-          </p:nvPr>
-        </p:nvSpPr>
-        <p:spPr/>
-        <p:txBody>
-          <a:bodyPr/>
-          <a:lstStyle/>
-          <a:p>
-            <a:endParaRPr lang="en-US"/>
-          </a:p>
-        </p:txBody>
-      </p:sp>
-      <p:sp>
-        <p:nvSpPr>
-          <p:cNvPr id="10" name="Picture Placeholder 9"/>
-          <p:cNvSpPr>
-            <a:spLocks noGrp="1"/>
-          </p:cNvSpPr>
-          <p:nvPr>
-            <p:ph type="pic" sz="quarter" idx="11"/>
-          </p:nvPr>
-        </p:nvSpPr>
-        <p:spPr/>
-      </p:sp>
-      <p:sp>
-        <p:nvSpPr>
-          <p:cNvPr id="11" name="Text Placeholder 10"/>
-          <p:cNvSpPr>
-            <a:spLocks noGrp="1"/>
-          </p:cNvSpPr>
-          <p:nvPr>
-            <p:ph type="body" sz="quarter" idx="12"/>
-          </p:nvPr>
-        </p:nvSpPr>
-        <p:spPr/>
-        <p:txBody>
-          <a:bodyPr/>
-          <a:lstStyle/>
-          <a:p>
-            <a:endParaRPr lang="en-US"/>
+            <a:r>
+              <a:rPr lang="en-US" b="1" dirty="0"/>
+              <a:t>Performance Practices</a:t>
+            </a:r>
           </a:p>
         </p:txBody>
       </p:sp>
@@ -23714,7 +23524,7 @@
           <p:cNvPr id="5" name="Slide Number Placeholder 4">
             <a:extLst>
               <a:ext uri="{FF2B5EF4-FFF2-40B4-BE49-F238E27FC236}">
-                <a16:creationId xmlns:a16="http://schemas.microsoft.com/office/drawing/2014/main" id="{67800160-BC63-054B-87DD-D877764D4BC8}"/>
+                <a16:creationId xmlns:a16="http://schemas.microsoft.com/office/drawing/2014/main" id="{D695E08B-236F-5B4F-801C-4C75369E005C}"/>
               </a:ext>
             </a:extLst>
           </p:cNvPr>
@@ -23739,10 +23549,78 @@
           </a:p>
         </p:txBody>
       </p:sp>
+      <p:sp>
+        <p:nvSpPr>
+          <p:cNvPr id="11" name="Rectangle 10">
+            <a:extLst>
+              <a:ext uri="{FF2B5EF4-FFF2-40B4-BE49-F238E27FC236}">
+                <a16:creationId xmlns:a16="http://schemas.microsoft.com/office/drawing/2014/main" id="{8CD0A436-CB4F-46B8-B66D-033C2B2DD3AC}"/>
+              </a:ext>
+            </a:extLst>
+          </p:cNvPr>
+          <p:cNvSpPr/>
+          <p:nvPr/>
+        </p:nvSpPr>
+        <p:spPr>
+          <a:xfrm>
+            <a:off x="3811823" y="1740753"/>
+            <a:ext cx="1520353" cy="830997"/>
+          </a:xfrm>
+          <a:prstGeom prst="rect">
+            <a:avLst/>
+          </a:prstGeom>
+        </p:spPr>
+        <p:txBody>
+          <a:bodyPr wrap="none">
+            <a:spAutoFit/>
+          </a:bodyPr>
+          <a:lstStyle/>
+          <a:p>
+            <a:r>
+              <a:rPr lang="en-US" sz="4800" dirty="0"/>
+              <a:t>Redis</a:t>
+            </a:r>
+          </a:p>
+        </p:txBody>
+      </p:sp>
+      <p:sp>
+        <p:nvSpPr>
+          <p:cNvPr id="2" name="Rectangle 1">
+            <a:extLst>
+              <a:ext uri="{FF2B5EF4-FFF2-40B4-BE49-F238E27FC236}">
+                <a16:creationId xmlns:a16="http://schemas.microsoft.com/office/drawing/2014/main" id="{151F3C8C-ABF7-40FC-A707-61C3E6FF59A0}"/>
+              </a:ext>
+            </a:extLst>
+          </p:cNvPr>
+          <p:cNvSpPr/>
+          <p:nvPr/>
+        </p:nvSpPr>
+        <p:spPr>
+          <a:xfrm>
+            <a:off x="3956510" y="2565400"/>
+            <a:ext cx="1230978" cy="400110"/>
+          </a:xfrm>
+          <a:prstGeom prst="rect">
+            <a:avLst/>
+          </a:prstGeom>
+        </p:spPr>
+        <p:txBody>
+          <a:bodyPr wrap="none">
+            <a:spAutoFit/>
+          </a:bodyPr>
+          <a:lstStyle/>
+          <a:p>
+            <a:r>
+              <a:rPr lang="en-US" sz="2000" dirty="0"/>
+              <a:t>(one love)</a:t>
+            </a:r>
+          </a:p>
+        </p:txBody>
+      </p:sp>
     </p:spTree>
     <p:extLst>
       <p:ext uri="{BB962C8B-B14F-4D97-AF65-F5344CB8AC3E}">
-        <p14:creationId xmlns:p14="http://schemas.microsoft.com/office/powerpoint/2010/main" val="3499599598"/>
+        <p14:creationId xmlns:p14="http://schemas.microsoft.com/office/powerpoint/2010/main" val="3115832877"/>
       </p:ext>
     </p:extLst>
   </p:cSld>
@@ -23784,256 +23662,19 @@
           <a:bodyPr/>
           <a:lstStyle/>
           <a:p>
-            <a:endParaRPr lang="en-US"/>
-          </a:p>
-        </p:txBody>
-      </p:sp>
-      <p:sp>
-        <p:nvSpPr>
-          <p:cNvPr id="4" name="Picture Placeholder 3"/>
-          <p:cNvSpPr>
-            <a:spLocks noGrp="1"/>
-          </p:cNvSpPr>
-          <p:nvPr>
-            <p:ph type="pic" sz="quarter" idx="11"/>
-          </p:nvPr>
-        </p:nvSpPr>
-        <p:spPr/>
-      </p:sp>
-      <p:sp>
-        <p:nvSpPr>
-          <p:cNvPr id="5" name="Text Placeholder 4"/>
-          <p:cNvSpPr>
-            <a:spLocks noGrp="1"/>
-          </p:cNvSpPr>
-          <p:nvPr>
-            <p:ph type="body" sz="quarter" idx="12"/>
-          </p:nvPr>
-        </p:nvSpPr>
-        <p:spPr/>
-        <p:txBody>
-          <a:bodyPr/>
-          <a:lstStyle/>
-          <a:p>
-            <a:endParaRPr lang="en-US"/>
-          </a:p>
-        </p:txBody>
-      </p:sp>
-      <p:sp>
-        <p:nvSpPr>
-          <p:cNvPr id="21" name="Text Placeholder 20"/>
-          <p:cNvSpPr>
-            <a:spLocks noGrp="1"/>
-          </p:cNvSpPr>
-          <p:nvPr>
-            <p:ph type="body" sz="quarter" idx="13"/>
-          </p:nvPr>
-        </p:nvSpPr>
-        <p:spPr/>
-        <p:txBody>
-          <a:bodyPr/>
-          <a:lstStyle/>
-          <a:p>
-            <a:endParaRPr lang="en-US"/>
-          </a:p>
-        </p:txBody>
-      </p:sp>
-      <p:sp>
-        <p:nvSpPr>
-          <p:cNvPr id="22" name="Text Placeholder 21"/>
-          <p:cNvSpPr>
-            <a:spLocks noGrp="1"/>
-          </p:cNvSpPr>
-          <p:nvPr>
-            <p:ph type="body" sz="quarter" idx="14"/>
-          </p:nvPr>
-        </p:nvSpPr>
-        <p:spPr/>
-        <p:txBody>
-          <a:bodyPr/>
-          <a:lstStyle/>
-          <a:p>
-            <a:endParaRPr lang="en-US"/>
-          </a:p>
-        </p:txBody>
-      </p:sp>
-      <p:sp>
-        <p:nvSpPr>
-          <p:cNvPr id="23" name="Text Placeholder 22"/>
-          <p:cNvSpPr>
-            <a:spLocks noGrp="1"/>
-          </p:cNvSpPr>
-          <p:nvPr>
-            <p:ph type="body" sz="quarter" idx="15"/>
-          </p:nvPr>
-        </p:nvSpPr>
-        <p:spPr/>
-        <p:txBody>
-          <a:bodyPr/>
-          <a:lstStyle/>
-          <a:p>
-            <a:endParaRPr lang="en-US"/>
-          </a:p>
-        </p:txBody>
-      </p:sp>
-      <p:sp>
-        <p:nvSpPr>
-          <p:cNvPr id="24" name="Text Placeholder 23"/>
-          <p:cNvSpPr>
-            <a:spLocks noGrp="1"/>
-          </p:cNvSpPr>
-          <p:nvPr>
-            <p:ph type="body" sz="quarter" idx="16"/>
-          </p:nvPr>
-        </p:nvSpPr>
-        <p:spPr/>
-        <p:txBody>
-          <a:bodyPr/>
-          <a:lstStyle/>
-          <a:p>
-            <a:endParaRPr lang="en-US"/>
-          </a:p>
-        </p:txBody>
-      </p:sp>
-      <p:sp>
-        <p:nvSpPr>
-          <p:cNvPr id="25" name="Text Placeholder 24"/>
-          <p:cNvSpPr>
-            <a:spLocks noGrp="1"/>
-          </p:cNvSpPr>
-          <p:nvPr>
-            <p:ph type="body" sz="quarter" idx="17"/>
-          </p:nvPr>
-        </p:nvSpPr>
-        <p:spPr/>
-        <p:txBody>
-          <a:bodyPr/>
-          <a:lstStyle/>
-          <a:p>
-            <a:endParaRPr lang="en-US"/>
-          </a:p>
-        </p:txBody>
-      </p:sp>
-      <p:sp>
-        <p:nvSpPr>
-          <p:cNvPr id="26" name="Text Placeholder 25"/>
-          <p:cNvSpPr>
-            <a:spLocks noGrp="1"/>
-          </p:cNvSpPr>
-          <p:nvPr>
-            <p:ph type="body" sz="quarter" idx="18"/>
-          </p:nvPr>
-        </p:nvSpPr>
-        <p:spPr/>
-        <p:txBody>
-          <a:bodyPr/>
-          <a:lstStyle/>
-          <a:p>
-            <a:endParaRPr lang="en-US"/>
-          </a:p>
-        </p:txBody>
-      </p:sp>
-      <p:sp>
-        <p:nvSpPr>
-          <p:cNvPr id="27" name="Text Placeholder 26"/>
-          <p:cNvSpPr>
-            <a:spLocks noGrp="1"/>
-          </p:cNvSpPr>
-          <p:nvPr>
-            <p:ph type="body" sz="quarter" idx="19"/>
-          </p:nvPr>
-        </p:nvSpPr>
-        <p:spPr/>
-        <p:txBody>
-          <a:bodyPr/>
-          <a:lstStyle/>
-          <a:p>
-            <a:endParaRPr lang="en-US"/>
-          </a:p>
-        </p:txBody>
-      </p:sp>
-      <p:sp>
-        <p:nvSpPr>
-          <p:cNvPr id="28" name="Text Placeholder 27"/>
-          <p:cNvSpPr>
-            <a:spLocks noGrp="1"/>
-          </p:cNvSpPr>
-          <p:nvPr>
-            <p:ph type="body" sz="quarter" idx="20"/>
-          </p:nvPr>
-        </p:nvSpPr>
-        <p:spPr/>
-        <p:txBody>
-          <a:bodyPr/>
-          <a:lstStyle/>
-          <a:p>
-            <a:endParaRPr lang="en-US"/>
-          </a:p>
-        </p:txBody>
-      </p:sp>
-      <p:sp>
-        <p:nvSpPr>
-          <p:cNvPr id="29" name="Text Placeholder 28"/>
-          <p:cNvSpPr>
-            <a:spLocks noGrp="1"/>
-          </p:cNvSpPr>
-          <p:nvPr>
-            <p:ph type="body" sz="quarter" idx="21"/>
-          </p:nvPr>
-        </p:nvSpPr>
-        <p:spPr/>
-        <p:txBody>
-          <a:bodyPr/>
-          <a:lstStyle/>
-          <a:p>
-            <a:endParaRPr lang="en-US"/>
-          </a:p>
-        </p:txBody>
-      </p:sp>
-      <p:sp>
-        <p:nvSpPr>
-          <p:cNvPr id="30" name="Text Placeholder 29"/>
-          <p:cNvSpPr>
-            <a:spLocks noGrp="1"/>
-          </p:cNvSpPr>
-          <p:nvPr>
-            <p:ph type="body" sz="quarter" idx="22"/>
-          </p:nvPr>
-        </p:nvSpPr>
-        <p:spPr/>
-        <p:txBody>
-          <a:bodyPr/>
-          <a:lstStyle/>
-          <a:p>
-            <a:endParaRPr lang="en-US"/>
-          </a:p>
-        </p:txBody>
-      </p:sp>
-      <p:sp>
-        <p:nvSpPr>
-          <p:cNvPr id="31" name="Text Placeholder 30"/>
-          <p:cNvSpPr>
-            <a:spLocks noGrp="1"/>
-          </p:cNvSpPr>
-          <p:nvPr>
-            <p:ph type="body" sz="quarter" idx="23"/>
-          </p:nvPr>
-        </p:nvSpPr>
-        <p:spPr/>
-        <p:txBody>
-          <a:bodyPr/>
-          <a:lstStyle/>
-          <a:p>
-            <a:endParaRPr lang="en-US"/>
-          </a:p>
-        </p:txBody>
-      </p:sp>
-      <p:sp>
-        <p:nvSpPr>
-          <p:cNvPr id="6" name="Slide Number Placeholder 5">
+            <a:r>
+              <a:rPr lang="en-US" b="1" dirty="0"/>
+              <a:t>3.3 Redis</a:t>
+            </a:r>
+          </a:p>
+        </p:txBody>
+      </p:sp>
+      <p:sp>
+        <p:nvSpPr>
+          <p:cNvPr id="5" name="Slide Number Placeholder 4">
             <a:extLst>
               <a:ext uri="{FF2B5EF4-FFF2-40B4-BE49-F238E27FC236}">
-                <a16:creationId xmlns:a16="http://schemas.microsoft.com/office/drawing/2014/main" id="{EB11C89A-3E1B-FF47-B76F-3E8ED7756FCF}"/>
+                <a16:creationId xmlns:a16="http://schemas.microsoft.com/office/drawing/2014/main" id="{D695E08B-236F-5B4F-801C-4C75369E005C}"/>
               </a:ext>
             </a:extLst>
           </p:cNvPr>
@@ -24058,10 +23699,40 @@
           </a:p>
         </p:txBody>
       </p:sp>
+      <p:pic>
+        <p:nvPicPr>
+          <p:cNvPr id="4" name="Picture 3">
+            <a:extLst>
+              <a:ext uri="{FF2B5EF4-FFF2-40B4-BE49-F238E27FC236}">
+                <a16:creationId xmlns:a16="http://schemas.microsoft.com/office/drawing/2014/main" id="{867663D5-FF1A-4418-91E3-7BD4EC84C9E6}"/>
+              </a:ext>
+            </a:extLst>
+          </p:cNvPr>
+          <p:cNvPicPr>
+            <a:picLocks noChangeAspect="1"/>
+          </p:cNvPicPr>
+          <p:nvPr/>
+        </p:nvPicPr>
+        <p:blipFill>
+          <a:blip r:embed="rId2"/>
+          <a:stretch>
+            <a:fillRect/>
+          </a:stretch>
+        </p:blipFill>
+        <p:spPr>
+          <a:xfrm>
+            <a:off x="360364" y="1217612"/>
+            <a:ext cx="7086600" cy="1590675"/>
+          </a:xfrm>
+          <a:prstGeom prst="rect">
+            <a:avLst/>
+          </a:prstGeom>
+        </p:spPr>
+      </p:pic>
     </p:spTree>
     <p:extLst>
       <p:ext uri="{BB962C8B-B14F-4D97-AF65-F5344CB8AC3E}">
-        <p14:creationId xmlns:p14="http://schemas.microsoft.com/office/powerpoint/2010/main" val="3568211985"/>
+        <p14:creationId xmlns:p14="http://schemas.microsoft.com/office/powerpoint/2010/main" val="321597105"/>
       </p:ext>
     </p:extLst>
   </p:cSld>
@@ -24090,12 +23761,12 @@
       </p:grpSpPr>
       <p:sp>
         <p:nvSpPr>
-          <p:cNvPr id="3" name="Content Placeholder 2"/>
+          <p:cNvPr id="3" name="Title 2"/>
           <p:cNvSpPr>
             <a:spLocks noGrp="1"/>
           </p:cNvSpPr>
           <p:nvPr>
-            <p:ph sz="quarter" idx="10"/>
+            <p:ph type="title"/>
           </p:nvPr>
         </p:nvSpPr>
         <p:spPr/>
@@ -24103,35 +23774,19 @@
           <a:bodyPr/>
           <a:lstStyle/>
           <a:p>
-            <a:endParaRPr lang="en-US"/>
-          </a:p>
-        </p:txBody>
-      </p:sp>
-      <p:sp>
-        <p:nvSpPr>
-          <p:cNvPr id="4" name="Text Placeholder 3"/>
-          <p:cNvSpPr>
-            <a:spLocks noGrp="1"/>
-          </p:cNvSpPr>
-          <p:nvPr>
-            <p:ph type="body" sz="quarter" idx="12"/>
-          </p:nvPr>
-        </p:nvSpPr>
-        <p:spPr/>
-        <p:txBody>
-          <a:bodyPr/>
-          <a:lstStyle/>
-          <a:p>
-            <a:endParaRPr lang="en-US"/>
-          </a:p>
-        </p:txBody>
-      </p:sp>
-      <p:sp>
-        <p:nvSpPr>
-          <p:cNvPr id="16" name="Slide Number Placeholder 15">
+            <a:r>
+              <a:rPr lang="en-US" b="1" dirty="0"/>
+              <a:t>Performance Practices</a:t>
+            </a:r>
+          </a:p>
+        </p:txBody>
+      </p:sp>
+      <p:sp>
+        <p:nvSpPr>
+          <p:cNvPr id="5" name="Slide Number Placeholder 4">
             <a:extLst>
               <a:ext uri="{FF2B5EF4-FFF2-40B4-BE49-F238E27FC236}">
-                <a16:creationId xmlns:a16="http://schemas.microsoft.com/office/drawing/2014/main" id="{4EC5A070-E99C-6143-B73A-CC95BE86F528}"/>
+                <a16:creationId xmlns:a16="http://schemas.microsoft.com/office/drawing/2014/main" id="{D695E08B-236F-5B4F-801C-4C75369E005C}"/>
               </a:ext>
             </a:extLst>
           </p:cNvPr>
@@ -24158,39 +23813,76 @@
       </p:sp>
       <p:sp>
         <p:nvSpPr>
-          <p:cNvPr id="6" name="Text Placeholder 5"/>
-          <p:cNvSpPr>
-            <a:spLocks noGrp="1"/>
-          </p:cNvSpPr>
-          <p:nvPr>
-            <p:ph type="body" sz="quarter" idx="15"/>
-          </p:nvPr>
-        </p:nvSpPr>
-        <p:spPr/>
-        <p:txBody>
-          <a:bodyPr/>
+          <p:cNvPr id="11" name="Rectangle 10">
+            <a:extLst>
+              <a:ext uri="{FF2B5EF4-FFF2-40B4-BE49-F238E27FC236}">
+                <a16:creationId xmlns:a16="http://schemas.microsoft.com/office/drawing/2014/main" id="{8CD0A436-CB4F-46B8-B66D-033C2B2DD3AC}"/>
+              </a:ext>
+            </a:extLst>
+          </p:cNvPr>
+          <p:cNvSpPr/>
+          <p:nvPr/>
+        </p:nvSpPr>
+        <p:spPr>
+          <a:xfrm>
+            <a:off x="2438240" y="1740753"/>
+            <a:ext cx="4267515" cy="830997"/>
+          </a:xfrm>
+          <a:prstGeom prst="rect">
+            <a:avLst/>
+          </a:prstGeom>
+        </p:spPr>
+        <p:txBody>
+          <a:bodyPr wrap="none">
+            <a:spAutoFit/>
+          </a:bodyPr>
           <a:lstStyle/>
           <a:p>
-            <a:endParaRPr lang="en-US"/>
-          </a:p>
-        </p:txBody>
-      </p:sp>
-      <p:sp>
-        <p:nvSpPr>
-          <p:cNvPr id="5" name="Picture Placeholder 4"/>
-          <p:cNvSpPr>
-            <a:spLocks noGrp="1"/>
-          </p:cNvSpPr>
-          <p:nvPr>
-            <p:ph type="pic" sz="quarter" idx="14"/>
-          </p:nvPr>
-        </p:nvSpPr>
-        <p:spPr/>
+            <a:r>
+              <a:rPr lang="en-US" sz="4800" dirty="0"/>
+              <a:t>Conditional GET</a:t>
+            </a:r>
+          </a:p>
+        </p:txBody>
+      </p:sp>
+      <p:sp>
+        <p:nvSpPr>
+          <p:cNvPr id="2" name="Rectangle 1">
+            <a:extLst>
+              <a:ext uri="{FF2B5EF4-FFF2-40B4-BE49-F238E27FC236}">
+                <a16:creationId xmlns:a16="http://schemas.microsoft.com/office/drawing/2014/main" id="{151F3C8C-ABF7-40FC-A707-61C3E6FF59A0}"/>
+              </a:ext>
+            </a:extLst>
+          </p:cNvPr>
+          <p:cNvSpPr/>
+          <p:nvPr/>
+        </p:nvSpPr>
+        <p:spPr>
+          <a:xfrm>
+            <a:off x="1268624" y="2578100"/>
+            <a:ext cx="6606745" cy="400110"/>
+          </a:xfrm>
+          <a:prstGeom prst="rect">
+            <a:avLst/>
+          </a:prstGeom>
+        </p:spPr>
+        <p:txBody>
+          <a:bodyPr wrap="none">
+            <a:spAutoFit/>
+          </a:bodyPr>
+          <a:lstStyle/>
+          <a:p>
+            <a:r>
+              <a:rPr lang="en-US" sz="2000" dirty="0"/>
+              <a:t>(when you're so lazy you don't even want to render response)</a:t>
+            </a:r>
+          </a:p>
+        </p:txBody>
       </p:sp>
     </p:spTree>
     <p:extLst>
       <p:ext uri="{BB962C8B-B14F-4D97-AF65-F5344CB8AC3E}">
-        <p14:creationId xmlns:p14="http://schemas.microsoft.com/office/powerpoint/2010/main" val="3023122545"/>
+        <p14:creationId xmlns:p14="http://schemas.microsoft.com/office/powerpoint/2010/main" val="3294709944"/>
       </p:ext>
     </p:extLst>
   </p:cSld>
@@ -24219,12 +23911,12 @@
       </p:grpSpPr>
       <p:sp>
         <p:nvSpPr>
-          <p:cNvPr id="3" name="Content Placeholder 2"/>
+          <p:cNvPr id="3" name="Title 2"/>
           <p:cNvSpPr>
             <a:spLocks noGrp="1"/>
           </p:cNvSpPr>
           <p:nvPr>
-            <p:ph sz="quarter" idx="12"/>
+            <p:ph type="title"/>
           </p:nvPr>
         </p:nvSpPr>
         <p:spPr/>
@@ -24232,66 +23924,19 @@
           <a:bodyPr/>
           <a:lstStyle/>
           <a:p>
-            <a:endParaRPr lang="en-US"/>
-          </a:p>
-        </p:txBody>
-      </p:sp>
-      <p:sp>
-        <p:nvSpPr>
-          <p:cNvPr id="5" name="Text Placeholder 4"/>
-          <p:cNvSpPr>
-            <a:spLocks noGrp="1"/>
-          </p:cNvSpPr>
-          <p:nvPr>
-            <p:ph type="body" sz="quarter" idx="13"/>
-          </p:nvPr>
-        </p:nvSpPr>
-        <p:spPr/>
-        <p:txBody>
-          <a:bodyPr/>
-          <a:lstStyle/>
-          <a:p>
-            <a:endParaRPr lang="en-US"/>
-          </a:p>
-        </p:txBody>
-      </p:sp>
-      <p:sp>
-        <p:nvSpPr>
-          <p:cNvPr id="6" name="Picture Placeholder 5"/>
-          <p:cNvSpPr>
-            <a:spLocks noGrp="1"/>
-          </p:cNvSpPr>
-          <p:nvPr>
-            <p:ph type="pic" sz="quarter" idx="14"/>
-          </p:nvPr>
-        </p:nvSpPr>
-        <p:spPr/>
-      </p:sp>
-      <p:sp>
-        <p:nvSpPr>
-          <p:cNvPr id="11" name="Text Placeholder 10"/>
-          <p:cNvSpPr>
-            <a:spLocks noGrp="1"/>
-          </p:cNvSpPr>
-          <p:nvPr>
-            <p:ph type="body" sz="quarter" idx="15"/>
-          </p:nvPr>
-        </p:nvSpPr>
-        <p:spPr/>
-        <p:txBody>
-          <a:bodyPr/>
-          <a:lstStyle/>
-          <a:p>
-            <a:endParaRPr lang="en-US"/>
-          </a:p>
-        </p:txBody>
-      </p:sp>
-      <p:sp>
-        <p:nvSpPr>
-          <p:cNvPr id="4" name="Slide Number Placeholder 3">
+            <a:r>
+              <a:rPr lang="en-US" b="1" dirty="0"/>
+              <a:t>3.3 Conditional GET</a:t>
+            </a:r>
+          </a:p>
+        </p:txBody>
+      </p:sp>
+      <p:sp>
+        <p:nvSpPr>
+          <p:cNvPr id="5" name="Slide Number Placeholder 4">
             <a:extLst>
               <a:ext uri="{FF2B5EF4-FFF2-40B4-BE49-F238E27FC236}">
-                <a16:creationId xmlns:a16="http://schemas.microsoft.com/office/drawing/2014/main" id="{CAD771C0-F829-7149-B81C-0B9C21F15936}"/>
+                <a16:creationId xmlns:a16="http://schemas.microsoft.com/office/drawing/2014/main" id="{D695E08B-236F-5B4F-801C-4C75369E005C}"/>
               </a:ext>
             </a:extLst>
           </p:cNvPr>
@@ -24316,10 +23961,110 @@
           </a:p>
         </p:txBody>
       </p:sp>
+      <p:sp>
+        <p:nvSpPr>
+          <p:cNvPr id="6" name="Rectangle 5">
+            <a:extLst>
+              <a:ext uri="{FF2B5EF4-FFF2-40B4-BE49-F238E27FC236}">
+                <a16:creationId xmlns:a16="http://schemas.microsoft.com/office/drawing/2014/main" id="{3E1FB315-F5BE-4AE4-ABFD-A801A52D9EBB}"/>
+              </a:ext>
+            </a:extLst>
+          </p:cNvPr>
+          <p:cNvSpPr/>
+          <p:nvPr/>
+        </p:nvSpPr>
+        <p:spPr>
+          <a:xfrm>
+            <a:off x="331514" y="808170"/>
+            <a:ext cx="3885359" cy="523220"/>
+          </a:xfrm>
+          <a:prstGeom prst="rect">
+            <a:avLst/>
+          </a:prstGeom>
+        </p:spPr>
+        <p:txBody>
+          <a:bodyPr wrap="none">
+            <a:spAutoFit/>
+          </a:bodyPr>
+          <a:lstStyle/>
+          <a:p>
+            <a:pPr marL="285750" indent="-285750">
+              <a:buFont typeface="Arial" panose="020B0604020202020204" pitchFamily="34" charset="0"/>
+              <a:buChar char="•"/>
+            </a:pPr>
+            <a:r>
+              <a:rPr lang="en-US" sz="1400" dirty="0"/>
+              <a:t>Uses HTTP </a:t>
+            </a:r>
+            <a:r>
+              <a:rPr lang="en-US" sz="1400" b="1" dirty="0" err="1"/>
+              <a:t>ETag</a:t>
+            </a:r>
+            <a:r>
+              <a:rPr lang="en-US" sz="1400" dirty="0"/>
+              <a:t> and </a:t>
+            </a:r>
+            <a:r>
+              <a:rPr lang="en-US" sz="1400" b="1" dirty="0"/>
+              <a:t>If-None-Match</a:t>
+            </a:r>
+            <a:r>
+              <a:rPr lang="en-US" sz="1400" dirty="0"/>
+              <a:t> headers</a:t>
+            </a:r>
+          </a:p>
+          <a:p>
+            <a:pPr marL="285750" indent="-285750">
+              <a:buFont typeface="Arial" panose="020B0604020202020204" pitchFamily="34" charset="0"/>
+              <a:buChar char="•"/>
+            </a:pPr>
+            <a:r>
+              <a:rPr lang="en-US" sz="1400" dirty="0"/>
+              <a:t>! Doesn't work together with previous example</a:t>
+            </a:r>
+          </a:p>
+        </p:txBody>
+      </p:sp>
+      <p:pic>
+        <p:nvPicPr>
+          <p:cNvPr id="11" name="Picture 10">
+            <a:extLst>
+              <a:ext uri="{FF2B5EF4-FFF2-40B4-BE49-F238E27FC236}">
+                <a16:creationId xmlns:a16="http://schemas.microsoft.com/office/drawing/2014/main" id="{AD23DDCE-62C6-462B-AABA-6366BEE591EF}"/>
+              </a:ext>
+            </a:extLst>
+          </p:cNvPr>
+          <p:cNvPicPr>
+            <a:picLocks noChangeAspect="1"/>
+          </p:cNvPicPr>
+          <p:nvPr/>
+        </p:nvPicPr>
+        <p:blipFill>
+          <a:blip r:embed="rId2">
+            <a:extLst>
+              <a:ext uri="{28A0092B-C50C-407E-A947-70E740481C1C}">
+                <a14:useLocalDpi xmlns:a14="http://schemas.microsoft.com/office/drawing/2010/main" val="0"/>
+              </a:ext>
+            </a:extLst>
+          </a:blip>
+          <a:stretch>
+            <a:fillRect/>
+          </a:stretch>
+        </p:blipFill>
+        <p:spPr>
+          <a:xfrm>
+            <a:off x="331514" y="1500187"/>
+            <a:ext cx="8096250" cy="2752725"/>
+          </a:xfrm>
+          <a:prstGeom prst="rect">
+            <a:avLst/>
+          </a:prstGeom>
+        </p:spPr>
+      </p:pic>
     </p:spTree>
     <p:extLst>
       <p:ext uri="{BB962C8B-B14F-4D97-AF65-F5344CB8AC3E}">
-        <p14:creationId xmlns:p14="http://schemas.microsoft.com/office/powerpoint/2010/main" val="972541921"/>
+        <p14:creationId xmlns:p14="http://schemas.microsoft.com/office/powerpoint/2010/main" val="3040377350"/>
       </p:ext>
     </p:extLst>
   </p:cSld>
@@ -24361,35 +24106,46 @@
           <a:bodyPr/>
           <a:lstStyle/>
           <a:p>
-            <a:endParaRPr lang="en-US"/>
-          </a:p>
-        </p:txBody>
-      </p:sp>
-      <p:sp>
-        <p:nvSpPr>
-          <p:cNvPr id="4" name="Content Placeholder 3"/>
+            <a:r>
+              <a:rPr lang="en-US" b="1" dirty="0"/>
+              <a:t>3.3 Conditional GET</a:t>
+            </a:r>
+          </a:p>
+        </p:txBody>
+      </p:sp>
+      <p:sp>
+        <p:nvSpPr>
+          <p:cNvPr id="9" name="Text Placeholder 8"/>
           <p:cNvSpPr>
             <a:spLocks noGrp="1"/>
           </p:cNvSpPr>
           <p:nvPr>
-            <p:ph sz="quarter" idx="10"/>
+            <p:ph type="body" sz="quarter" idx="11"/>
           </p:nvPr>
         </p:nvSpPr>
-        <p:spPr/>
+        <p:spPr>
+          <a:xfrm>
+            <a:off x="357188" y="1079500"/>
+            <a:ext cx="8429626" cy="342900"/>
+          </a:xfrm>
+        </p:spPr>
         <p:txBody>
           <a:bodyPr/>
           <a:lstStyle/>
           <a:p>
-            <a:endParaRPr lang="en-US"/>
-          </a:p>
-        </p:txBody>
-      </p:sp>
-      <p:sp>
-        <p:nvSpPr>
-          <p:cNvPr id="6" name="Slide Number Placeholder 5">
+            <a:r>
+              <a:rPr lang="en-US" dirty="0"/>
+              <a:t>Ruby solution:</a:t>
+            </a:r>
+          </a:p>
+        </p:txBody>
+      </p:sp>
+      <p:sp>
+        <p:nvSpPr>
+          <p:cNvPr id="5" name="Slide Number Placeholder 4">
             <a:extLst>
               <a:ext uri="{FF2B5EF4-FFF2-40B4-BE49-F238E27FC236}">
-                <a16:creationId xmlns:a16="http://schemas.microsoft.com/office/drawing/2014/main" id="{FCA44C15-9EEF-5141-AFEA-8C8C2A1AEB36}"/>
+                <a16:creationId xmlns:a16="http://schemas.microsoft.com/office/drawing/2014/main" id="{D695E08B-236F-5B4F-801C-4C75369E005C}"/>
               </a:ext>
             </a:extLst>
           </p:cNvPr>
@@ -24414,10 +24170,40 @@
           </a:p>
         </p:txBody>
       </p:sp>
+      <p:pic>
+        <p:nvPicPr>
+          <p:cNvPr id="6" name="Picture 5">
+            <a:extLst>
+              <a:ext uri="{FF2B5EF4-FFF2-40B4-BE49-F238E27FC236}">
+                <a16:creationId xmlns:a16="http://schemas.microsoft.com/office/drawing/2014/main" id="{A48DF4FB-B667-49F1-8E58-204B5FF35056}"/>
+              </a:ext>
+            </a:extLst>
+          </p:cNvPr>
+          <p:cNvPicPr>
+            <a:picLocks noChangeAspect="1"/>
+          </p:cNvPicPr>
+          <p:nvPr/>
+        </p:nvPicPr>
+        <p:blipFill>
+          <a:blip r:embed="rId2"/>
+          <a:stretch>
+            <a:fillRect/>
+          </a:stretch>
+        </p:blipFill>
+        <p:spPr>
+          <a:xfrm>
+            <a:off x="357186" y="1422400"/>
+            <a:ext cx="7527372" cy="3105150"/>
+          </a:xfrm>
+          <a:prstGeom prst="rect">
+            <a:avLst/>
+          </a:prstGeom>
+        </p:spPr>
+      </p:pic>
     </p:spTree>
     <p:extLst>
       <p:ext uri="{BB962C8B-B14F-4D97-AF65-F5344CB8AC3E}">
-        <p14:creationId xmlns:p14="http://schemas.microsoft.com/office/powerpoint/2010/main" val="3401797348"/>
+        <p14:creationId xmlns:p14="http://schemas.microsoft.com/office/powerpoint/2010/main" val="90927647"/>
       </p:ext>
     </p:extLst>
   </p:cSld>
@@ -24446,7 +24232,7 @@
       </p:grpSpPr>
       <p:sp>
         <p:nvSpPr>
-          <p:cNvPr id="6" name="Title 5"/>
+          <p:cNvPr id="3" name="Title 2"/>
           <p:cNvSpPr>
             <a:spLocks noGrp="1"/>
           </p:cNvSpPr>
@@ -24459,18 +24245,27 @@
           <a:bodyPr/>
           <a:lstStyle/>
           <a:p>
-            <a:endParaRPr lang="en-US"/>
-          </a:p>
-        </p:txBody>
-      </p:sp>
-      <p:sp>
-        <p:nvSpPr>
-          <p:cNvPr id="7" name="Text Placeholder 6"/>
+            <a:r>
+              <a:rPr lang="en-US" b="1" dirty="0"/>
+              <a:t>Performance Practices</a:t>
+            </a:r>
+          </a:p>
+        </p:txBody>
+      </p:sp>
+      <p:sp>
+        <p:nvSpPr>
+          <p:cNvPr id="5" name="Slide Number Placeholder 4">
+            <a:extLst>
+              <a:ext uri="{FF2B5EF4-FFF2-40B4-BE49-F238E27FC236}">
+                <a16:creationId xmlns:a16="http://schemas.microsoft.com/office/drawing/2014/main" id="{D695E08B-236F-5B4F-801C-4C75369E005C}"/>
+              </a:ext>
+            </a:extLst>
+          </p:cNvPr>
           <p:cNvSpPr>
             <a:spLocks noGrp="1"/>
           </p:cNvSpPr>
           <p:nvPr>
-            <p:ph type="body" sz="quarter" idx="11"/>
+            <p:ph type="sldNum" sz="quarter" idx="4"/>
           </p:nvPr>
         </p:nvSpPr>
         <p:spPr/>
@@ -24478,45 +24273,123 @@
           <a:bodyPr/>
           <a:lstStyle/>
           <a:p>
-            <a:endParaRPr lang="en-US"/>
-          </a:p>
-        </p:txBody>
-      </p:sp>
-      <p:sp>
-        <p:nvSpPr>
-          <p:cNvPr id="8" name="Picture Placeholder 7"/>
-          <p:cNvSpPr>
-            <a:spLocks noGrp="1"/>
-          </p:cNvSpPr>
-          <p:nvPr>
-            <p:ph type="pic" sz="quarter" idx="12"/>
-          </p:nvPr>
-        </p:nvSpPr>
-        <p:spPr/>
-      </p:sp>
-      <p:sp>
-        <p:nvSpPr>
-          <p:cNvPr id="9" name="Text Placeholder 8"/>
-          <p:cNvSpPr>
-            <a:spLocks noGrp="1"/>
-          </p:cNvSpPr>
-          <p:nvPr>
-            <p:ph type="body" sz="quarter" idx="13"/>
-          </p:nvPr>
-        </p:nvSpPr>
-        <p:spPr/>
-        <p:txBody>
-          <a:bodyPr/>
+            <a:fld id="{3A707DD9-E92B-45E8-BE0A-E6B2EDF345EB}" type="slidenum">
+              <a:rPr lang="en-US" smtClean="0"/>
+              <a:pPr/>
+              <a:t>25</a:t>
+            </a:fld>
+            <a:endParaRPr lang="en-US" dirty="0"/>
+          </a:p>
+        </p:txBody>
+      </p:sp>
+      <p:sp>
+        <p:nvSpPr>
+          <p:cNvPr id="11" name="Rectangle 10">
+            <a:extLst>
+              <a:ext uri="{FF2B5EF4-FFF2-40B4-BE49-F238E27FC236}">
+                <a16:creationId xmlns:a16="http://schemas.microsoft.com/office/drawing/2014/main" id="{8CD0A436-CB4F-46B8-B66D-033C2B2DD3AC}"/>
+              </a:ext>
+            </a:extLst>
+          </p:cNvPr>
+          <p:cNvSpPr/>
+          <p:nvPr/>
+        </p:nvSpPr>
+        <p:spPr>
+          <a:xfrm>
+            <a:off x="530365" y="997803"/>
+            <a:ext cx="8184869" cy="830997"/>
+          </a:xfrm>
+          <a:prstGeom prst="rect">
+            <a:avLst/>
+          </a:prstGeom>
+        </p:spPr>
+        <p:txBody>
+          <a:bodyPr wrap="none">
+            <a:spAutoFit/>
+          </a:bodyPr>
           <a:lstStyle/>
           <a:p>
-            <a:endParaRPr lang="en-US"/>
-          </a:p>
-        </p:txBody>
-      </p:sp>
+            <a:r>
+              <a:rPr lang="en-US" sz="4800" dirty="0"/>
+              <a:t>Keep in mind the whole picture</a:t>
+            </a:r>
+          </a:p>
+        </p:txBody>
+      </p:sp>
+      <p:sp>
+        <p:nvSpPr>
+          <p:cNvPr id="2" name="Rectangle 1">
+            <a:extLst>
+              <a:ext uri="{FF2B5EF4-FFF2-40B4-BE49-F238E27FC236}">
+                <a16:creationId xmlns:a16="http://schemas.microsoft.com/office/drawing/2014/main" id="{151F3C8C-ABF7-40FC-A707-61C3E6FF59A0}"/>
+              </a:ext>
+            </a:extLst>
+          </p:cNvPr>
+          <p:cNvSpPr/>
+          <p:nvPr/>
+        </p:nvSpPr>
+        <p:spPr>
+          <a:xfrm>
+            <a:off x="2767788" y="1822512"/>
+            <a:ext cx="3608424" cy="400110"/>
+          </a:xfrm>
+          <a:prstGeom prst="rect">
+            <a:avLst/>
+          </a:prstGeom>
+        </p:spPr>
+        <p:txBody>
+          <a:bodyPr wrap="none">
+            <a:spAutoFit/>
+          </a:bodyPr>
+          <a:lstStyle/>
+          <a:p>
+            <a:r>
+              <a:rPr lang="en-US" sz="2000" b="1" dirty="0"/>
+              <a:t>(Avoiding stupid logic problems)</a:t>
+            </a:r>
+          </a:p>
+        </p:txBody>
+      </p:sp>
+      <p:pic>
+        <p:nvPicPr>
+          <p:cNvPr id="10" name="Picture 9">
+            <a:extLst>
+              <a:ext uri="{FF2B5EF4-FFF2-40B4-BE49-F238E27FC236}">
+                <a16:creationId xmlns:a16="http://schemas.microsoft.com/office/drawing/2014/main" id="{11952877-C408-48AD-84EB-BAE84068486B}"/>
+              </a:ext>
+            </a:extLst>
+          </p:cNvPr>
+          <p:cNvPicPr>
+            <a:picLocks noChangeAspect="1"/>
+          </p:cNvPicPr>
+          <p:nvPr/>
+        </p:nvPicPr>
+        <p:blipFill>
+          <a:blip r:embed="rId2" cstate="print">
+            <a:extLst>
+              <a:ext uri="{28A0092B-C50C-407E-A947-70E740481C1C}">
+                <a14:useLocalDpi xmlns:a14="http://schemas.microsoft.com/office/drawing/2010/main" val="0"/>
+              </a:ext>
+            </a:extLst>
+          </a:blip>
+          <a:stretch>
+            <a:fillRect/>
+          </a:stretch>
+        </p:blipFill>
+        <p:spPr>
+          <a:xfrm>
+            <a:off x="2889249" y="2419425"/>
+            <a:ext cx="3365501" cy="1790552"/>
+          </a:xfrm>
+          <a:prstGeom prst="rect">
+            <a:avLst/>
+          </a:prstGeom>
+        </p:spPr>
+      </p:pic>
     </p:spTree>
     <p:extLst>
       <p:ext uri="{BB962C8B-B14F-4D97-AF65-F5344CB8AC3E}">
-        <p14:creationId xmlns:p14="http://schemas.microsoft.com/office/powerpoint/2010/main" val="2625936162"/>
+        <p14:creationId xmlns:p14="http://schemas.microsoft.com/office/powerpoint/2010/main" val="1315045149"/>
       </p:ext>
     </p:extLst>
   </p:cSld>
@@ -24545,12 +24418,12 @@
       </p:grpSpPr>
       <p:sp>
         <p:nvSpPr>
-          <p:cNvPr id="7" name="Content Placeholder 6"/>
+          <p:cNvPr id="3" name="Title 2"/>
           <p:cNvSpPr>
             <a:spLocks noGrp="1"/>
           </p:cNvSpPr>
           <p:nvPr>
-            <p:ph sz="quarter" idx="16"/>
+            <p:ph type="title"/>
           </p:nvPr>
         </p:nvSpPr>
         <p:spPr/>
@@ -24558,13 +24431,16 @@
           <a:bodyPr/>
           <a:lstStyle/>
           <a:p>
-            <a:endParaRPr lang="en-US"/>
-          </a:p>
-        </p:txBody>
-      </p:sp>
-      <p:sp>
-        <p:nvSpPr>
-          <p:cNvPr id="5" name="Text Placeholder 4"/>
+            <a:r>
+              <a:rPr lang="en-US" b="1" dirty="0"/>
+              <a:t>4. Logic problems</a:t>
+            </a:r>
+          </a:p>
+        </p:txBody>
+      </p:sp>
+      <p:sp>
+        <p:nvSpPr>
+          <p:cNvPr id="9" name="Text Placeholder 8"/>
           <p:cNvSpPr>
             <a:spLocks noGrp="1"/>
           </p:cNvSpPr>
@@ -24572,59 +24448,29 @@
             <p:ph type="body" sz="quarter" idx="11"/>
           </p:nvPr>
         </p:nvSpPr>
-        <p:spPr/>
+        <p:spPr>
+          <a:xfrm>
+            <a:off x="357188" y="1079500"/>
+            <a:ext cx="8429626" cy="342900"/>
+          </a:xfrm>
+        </p:spPr>
         <p:txBody>
           <a:bodyPr/>
           <a:lstStyle/>
           <a:p>
-            <a:endParaRPr lang="en-US"/>
-          </a:p>
-        </p:txBody>
-      </p:sp>
-      <p:sp>
-        <p:nvSpPr>
-          <p:cNvPr id="3" name="Text Placeholder 2"/>
-          <p:cNvSpPr>
-            <a:spLocks noGrp="1"/>
-          </p:cNvSpPr>
-          <p:nvPr>
-            <p:ph type="body" sz="quarter" idx="10"/>
-          </p:nvPr>
-        </p:nvSpPr>
-        <p:spPr/>
-        <p:txBody>
-          <a:bodyPr/>
-          <a:lstStyle/>
-          <a:p>
-            <a:endParaRPr lang="en-US"/>
-          </a:p>
-        </p:txBody>
-      </p:sp>
-      <p:sp>
-        <p:nvSpPr>
-          <p:cNvPr id="6" name="Text Placeholder 5"/>
-          <p:cNvSpPr>
-            <a:spLocks noGrp="1"/>
-          </p:cNvSpPr>
-          <p:nvPr>
-            <p:ph type="body" sz="quarter" idx="12"/>
-          </p:nvPr>
-        </p:nvSpPr>
-        <p:spPr/>
-        <p:txBody>
-          <a:bodyPr/>
-          <a:lstStyle/>
-          <a:p>
-            <a:endParaRPr lang="en-US"/>
-          </a:p>
-        </p:txBody>
-      </p:sp>
-      <p:sp>
-        <p:nvSpPr>
-          <p:cNvPr id="4" name="Slide Number Placeholder 3">
+            <a:r>
+              <a:rPr lang="en-US" dirty="0"/>
+              <a:t>Example:</a:t>
+            </a:r>
+          </a:p>
+        </p:txBody>
+      </p:sp>
+      <p:sp>
+        <p:nvSpPr>
+          <p:cNvPr id="5" name="Slide Number Placeholder 4">
             <a:extLst>
               <a:ext uri="{FF2B5EF4-FFF2-40B4-BE49-F238E27FC236}">
-                <a16:creationId xmlns:a16="http://schemas.microsoft.com/office/drawing/2014/main" id="{5CAD3D4B-614D-8845-BDC7-BFBDEFC5BEC3}"/>
+                <a16:creationId xmlns:a16="http://schemas.microsoft.com/office/drawing/2014/main" id="{D695E08B-236F-5B4F-801C-4C75369E005C}"/>
               </a:ext>
             </a:extLst>
           </p:cNvPr>
@@ -24651,46 +24497,91 @@
       </p:sp>
       <p:sp>
         <p:nvSpPr>
-          <p:cNvPr id="8" name="Content Placeholder 7"/>
+          <p:cNvPr id="6" name="Content Placeholder 6">
+            <a:extLst>
+              <a:ext uri="{FF2B5EF4-FFF2-40B4-BE49-F238E27FC236}">
+                <a16:creationId xmlns:a16="http://schemas.microsoft.com/office/drawing/2014/main" id="{221A378C-5D07-42A2-BC87-FA6EEB28EA60}"/>
+              </a:ext>
+            </a:extLst>
+          </p:cNvPr>
           <p:cNvSpPr>
             <a:spLocks noGrp="1"/>
           </p:cNvSpPr>
           <p:nvPr>
-            <p:ph sz="quarter" idx="17"/>
+            <p:ph sz="quarter" idx="10"/>
           </p:nvPr>
         </p:nvSpPr>
-        <p:spPr/>
+        <p:spPr>
+          <a:xfrm>
+            <a:off x="357186" y="1597344"/>
+            <a:ext cx="8429627" cy="3054350"/>
+          </a:xfrm>
+        </p:spPr>
         <p:txBody>
           <a:bodyPr/>
           <a:lstStyle/>
           <a:p>
-            <a:endParaRPr lang="en-US"/>
-          </a:p>
-        </p:txBody>
-      </p:sp>
-      <p:sp>
-        <p:nvSpPr>
-          <p:cNvPr id="9" name="Content Placeholder 8"/>
-          <p:cNvSpPr>
-            <a:spLocks noGrp="1"/>
-          </p:cNvSpPr>
-          <p:nvPr>
-            <p:ph sz="quarter" idx="18"/>
-          </p:nvPr>
-        </p:nvSpPr>
-        <p:spPr/>
-        <p:txBody>
-          <a:bodyPr/>
-          <a:lstStyle/>
-          <a:p>
-            <a:endParaRPr lang="en-US"/>
+            <a:r>
+              <a:rPr lang="en-US" sz="2000" b="1" dirty="0"/>
+              <a:t>service1</a:t>
+            </a:r>
+            <a:r>
+              <a:rPr lang="en-US" sz="2000" dirty="0"/>
+              <a:t> receives up to 50k transfers and should process them</a:t>
+            </a:r>
+          </a:p>
+          <a:p>
+            <a:pPr>
+              <a:lnSpc>
+                <a:spcPct val="100000"/>
+              </a:lnSpc>
+            </a:pPr>
+            <a:r>
+              <a:rPr lang="en-US" sz="2000" dirty="0"/>
+              <a:t>system should validate that any of the transfers has amount less than some limit, if not - render "At least one transfer exceeds your allowed limit"</a:t>
+            </a:r>
+          </a:p>
+          <a:p>
+            <a:r>
+              <a:rPr lang="en-US" sz="2000" dirty="0"/>
+              <a:t>such validation endpoint is on </a:t>
+            </a:r>
+            <a:r>
+              <a:rPr lang="en-US" sz="2000" b="1" dirty="0"/>
+              <a:t>service2</a:t>
+            </a:r>
+            <a:r>
+              <a:rPr lang="en-US" sz="2000" dirty="0"/>
+              <a:t>, accepts ONE value</a:t>
+            </a:r>
+          </a:p>
+          <a:p>
+            <a:pPr marL="0" indent="0">
+              <a:buNone/>
+            </a:pPr>
+            <a:endParaRPr lang="en-US" sz="2000" dirty="0"/>
+          </a:p>
+          <a:p>
+            <a:pPr marL="0" indent="0">
+              <a:buNone/>
+            </a:pPr>
+            <a:endParaRPr lang="en-US" sz="2000" dirty="0"/>
+          </a:p>
+          <a:p>
+            <a:pPr marL="0" indent="0">
+              <a:buNone/>
+            </a:pPr>
+            <a:r>
+              <a:rPr lang="en-US" sz="2400" b="1" dirty="0"/>
+              <a:t>How to implement?</a:t>
+            </a:r>
           </a:p>
         </p:txBody>
       </p:sp>
     </p:spTree>
     <p:extLst>
       <p:ext uri="{BB962C8B-B14F-4D97-AF65-F5344CB8AC3E}">
-        <p14:creationId xmlns:p14="http://schemas.microsoft.com/office/powerpoint/2010/main" val="1366484841"/>
+        <p14:creationId xmlns:p14="http://schemas.microsoft.com/office/powerpoint/2010/main" val="3299445191"/>
       </p:ext>
     </p:extLst>
   </p:cSld>
@@ -24719,18 +24610,12 @@
       </p:grpSpPr>
       <p:sp>
         <p:nvSpPr>
-          <p:cNvPr id="9" name="Text Placeholder 8">
-            <a:extLst>
-              <a:ext uri="{FF2B5EF4-FFF2-40B4-BE49-F238E27FC236}">
-                <a16:creationId xmlns:a16="http://schemas.microsoft.com/office/drawing/2014/main" id="{BEE242FE-397E-B24B-9BF6-C1D241790A8C}"/>
-              </a:ext>
-            </a:extLst>
-          </p:cNvPr>
+          <p:cNvPr id="3" name="Title 2"/>
           <p:cNvSpPr>
             <a:spLocks noGrp="1"/>
           </p:cNvSpPr>
           <p:nvPr>
-            <p:ph type="body" sz="quarter" idx="10"/>
+            <p:ph type="title"/>
           </p:nvPr>
         </p:nvSpPr>
         <p:spPr/>
@@ -24738,16 +24623,19 @@
           <a:bodyPr/>
           <a:lstStyle/>
           <a:p>
-            <a:endParaRPr lang="en-US"/>
-          </a:p>
-        </p:txBody>
-      </p:sp>
-      <p:sp>
-        <p:nvSpPr>
-          <p:cNvPr id="6" name="Slide Number Placeholder 5">
+            <a:r>
+              <a:rPr lang="en-US" b="1" dirty="0"/>
+              <a:t>Performance Practices</a:t>
+            </a:r>
+          </a:p>
+        </p:txBody>
+      </p:sp>
+      <p:sp>
+        <p:nvSpPr>
+          <p:cNvPr id="5" name="Slide Number Placeholder 4">
             <a:extLst>
               <a:ext uri="{FF2B5EF4-FFF2-40B4-BE49-F238E27FC236}">
-                <a16:creationId xmlns:a16="http://schemas.microsoft.com/office/drawing/2014/main" id="{F6F5CD8A-D8EB-5F48-A66F-EC4909EEBF89}"/>
+                <a16:creationId xmlns:a16="http://schemas.microsoft.com/office/drawing/2014/main" id="{D695E08B-236F-5B4F-801C-4C75369E005C}"/>
               </a:ext>
             </a:extLst>
           </p:cNvPr>
@@ -24772,10 +24660,80 @@
           </a:p>
         </p:txBody>
       </p:sp>
+      <p:sp>
+        <p:nvSpPr>
+          <p:cNvPr id="11" name="Rectangle 10">
+            <a:extLst>
+              <a:ext uri="{FF2B5EF4-FFF2-40B4-BE49-F238E27FC236}">
+                <a16:creationId xmlns:a16="http://schemas.microsoft.com/office/drawing/2014/main" id="{8CD0A436-CB4F-46B8-B66D-033C2B2DD3AC}"/>
+              </a:ext>
+            </a:extLst>
+          </p:cNvPr>
+          <p:cNvSpPr/>
+          <p:nvPr/>
+        </p:nvSpPr>
+        <p:spPr>
+          <a:xfrm>
+            <a:off x="2351488" y="1135552"/>
+            <a:ext cx="4441024" cy="830997"/>
+          </a:xfrm>
+          <a:prstGeom prst="rect">
+            <a:avLst/>
+          </a:prstGeom>
+        </p:spPr>
+        <p:txBody>
+          <a:bodyPr wrap="none">
+            <a:spAutoFit/>
+          </a:bodyPr>
+          <a:lstStyle/>
+          <a:p>
+            <a:r>
+              <a:rPr lang="en-US" sz="4800" dirty="0"/>
+              <a:t>Preliminary work</a:t>
+            </a:r>
+          </a:p>
+        </p:txBody>
+      </p:sp>
+      <p:pic>
+        <p:nvPicPr>
+          <p:cNvPr id="7" name="Picture 6">
+            <a:extLst>
+              <a:ext uri="{FF2B5EF4-FFF2-40B4-BE49-F238E27FC236}">
+                <a16:creationId xmlns:a16="http://schemas.microsoft.com/office/drawing/2014/main" id="{CD6CF398-D3A2-4FD9-BCF8-0E21C142196A}"/>
+              </a:ext>
+            </a:extLst>
+          </p:cNvPr>
+          <p:cNvPicPr>
+            <a:picLocks noChangeAspect="1"/>
+          </p:cNvPicPr>
+          <p:nvPr/>
+        </p:nvPicPr>
+        <p:blipFill>
+          <a:blip r:embed="rId2" cstate="print">
+            <a:extLst>
+              <a:ext uri="{28A0092B-C50C-407E-A947-70E740481C1C}">
+                <a14:useLocalDpi xmlns:a14="http://schemas.microsoft.com/office/drawing/2010/main" val="0"/>
+              </a:ext>
+            </a:extLst>
+          </a:blip>
+          <a:stretch>
+            <a:fillRect/>
+          </a:stretch>
+        </p:blipFill>
+        <p:spPr>
+          <a:xfrm>
+            <a:off x="3588758" y="1966549"/>
+            <a:ext cx="1966484" cy="1966484"/>
+          </a:xfrm>
+          <a:prstGeom prst="rect">
+            <a:avLst/>
+          </a:prstGeom>
+        </p:spPr>
+      </p:pic>
     </p:spTree>
     <p:extLst>
       <p:ext uri="{BB962C8B-B14F-4D97-AF65-F5344CB8AC3E}">
-        <p14:creationId xmlns:p14="http://schemas.microsoft.com/office/powerpoint/2010/main" val="3390816649"/>
+        <p14:creationId xmlns:p14="http://schemas.microsoft.com/office/powerpoint/2010/main" val="1370338175"/>
       </p:ext>
     </p:extLst>
   </p:cSld>
@@ -24804,13 +24762,7 @@
       </p:grpSpPr>
       <p:sp>
         <p:nvSpPr>
-          <p:cNvPr id="4" name="Title 3">
-            <a:extLst>
-              <a:ext uri="{FF2B5EF4-FFF2-40B4-BE49-F238E27FC236}">
-                <a16:creationId xmlns:a16="http://schemas.microsoft.com/office/drawing/2014/main" id="{70275389-5E44-E748-BC5C-0BA447743FAF}"/>
-              </a:ext>
-            </a:extLst>
-          </p:cNvPr>
+          <p:cNvPr id="3" name="Title 2"/>
           <p:cNvSpPr>
             <a:spLocks noGrp="1"/>
           </p:cNvSpPr>
@@ -24823,16 +24775,19 @@
           <a:bodyPr/>
           <a:lstStyle/>
           <a:p>
-            <a:endParaRPr lang="en-US"/>
-          </a:p>
-        </p:txBody>
-      </p:sp>
-      <p:sp>
-        <p:nvSpPr>
-          <p:cNvPr id="3" name="Slide Number Placeholder 2">
+            <a:r>
+              <a:rPr lang="en-US" b="1" dirty="0"/>
+              <a:t>5. Preliminary work</a:t>
+            </a:r>
+          </a:p>
+        </p:txBody>
+      </p:sp>
+      <p:sp>
+        <p:nvSpPr>
+          <p:cNvPr id="5" name="Slide Number Placeholder 4">
             <a:extLst>
               <a:ext uri="{FF2B5EF4-FFF2-40B4-BE49-F238E27FC236}">
-                <a16:creationId xmlns:a16="http://schemas.microsoft.com/office/drawing/2014/main" id="{E3D0DB79-90AF-F04D-8589-25CCBFBF8B96}"/>
+                <a16:creationId xmlns:a16="http://schemas.microsoft.com/office/drawing/2014/main" id="{D695E08B-236F-5B4F-801C-4C75369E005C}"/>
               </a:ext>
             </a:extLst>
           </p:cNvPr>
@@ -24857,10 +24812,59 @@
           </a:p>
         </p:txBody>
       </p:sp>
+      <p:sp>
+        <p:nvSpPr>
+          <p:cNvPr id="6" name="Content Placeholder 6">
+            <a:extLst>
+              <a:ext uri="{FF2B5EF4-FFF2-40B4-BE49-F238E27FC236}">
+                <a16:creationId xmlns:a16="http://schemas.microsoft.com/office/drawing/2014/main" id="{221A378C-5D07-42A2-BC87-FA6EEB28EA60}"/>
+              </a:ext>
+            </a:extLst>
+          </p:cNvPr>
+          <p:cNvSpPr>
+            <a:spLocks noGrp="1"/>
+          </p:cNvSpPr>
+          <p:nvPr>
+            <p:ph sz="quarter" idx="10"/>
+          </p:nvPr>
+        </p:nvSpPr>
+        <p:spPr>
+          <a:xfrm>
+            <a:off x="357186" y="1016000"/>
+            <a:ext cx="8429627" cy="3635694"/>
+          </a:xfrm>
+        </p:spPr>
+        <p:txBody>
+          <a:bodyPr/>
+          <a:lstStyle/>
+          <a:p>
+            <a:pPr>
+              <a:lnSpc>
+                <a:spcPct val="100000"/>
+              </a:lnSpc>
+            </a:pPr>
+            <a:r>
+              <a:rPr lang="en-US" sz="2400" dirty="0"/>
+              <a:t>Save to database (aggregating some data)</a:t>
+            </a:r>
+          </a:p>
+          <a:p>
+            <a:pPr>
+              <a:lnSpc>
+                <a:spcPct val="100000"/>
+              </a:lnSpc>
+            </a:pPr>
+            <a:r>
+              <a:rPr lang="en-US" sz="2400" dirty="0"/>
+              <a:t>Save to cache (pre-filling)</a:t>
+            </a:r>
+          </a:p>
+        </p:txBody>
+      </p:sp>
     </p:spTree>
     <p:extLst>
       <p:ext uri="{BB962C8B-B14F-4D97-AF65-F5344CB8AC3E}">
-        <p14:creationId xmlns:p14="http://schemas.microsoft.com/office/powerpoint/2010/main" val="1017595494"/>
+        <p14:creationId xmlns:p14="http://schemas.microsoft.com/office/powerpoint/2010/main" val="1528091070"/>
       </p:ext>
     </p:extLst>
   </p:cSld>
@@ -24889,10 +24893,32 @@
       </p:grpSpPr>
       <p:sp>
         <p:nvSpPr>
-          <p:cNvPr id="3" name="Slide Number Placeholder 2">
+          <p:cNvPr id="3" name="Title 2"/>
+          <p:cNvSpPr>
+            <a:spLocks noGrp="1"/>
+          </p:cNvSpPr>
+          <p:nvPr>
+            <p:ph type="title"/>
+          </p:nvPr>
+        </p:nvSpPr>
+        <p:spPr/>
+        <p:txBody>
+          <a:bodyPr/>
+          <a:lstStyle/>
+          <a:p>
+            <a:r>
+              <a:rPr lang="en-US" b="1" dirty="0"/>
+              <a:t>Performance Practices</a:t>
+            </a:r>
+          </a:p>
+        </p:txBody>
+      </p:sp>
+      <p:sp>
+        <p:nvSpPr>
+          <p:cNvPr id="5" name="Slide Number Placeholder 4">
             <a:extLst>
               <a:ext uri="{FF2B5EF4-FFF2-40B4-BE49-F238E27FC236}">
-                <a16:creationId xmlns:a16="http://schemas.microsoft.com/office/drawing/2014/main" id="{396EA3AA-6BA8-1E40-8C5F-C94BB7D22261}"/>
+                <a16:creationId xmlns:a16="http://schemas.microsoft.com/office/drawing/2014/main" id="{D695E08B-236F-5B4F-801C-4C75369E005C}"/>
               </a:ext>
             </a:extLst>
           </p:cNvPr>
@@ -24917,10 +24943,84 @@
           </a:p>
         </p:txBody>
       </p:sp>
+      <p:sp>
+        <p:nvSpPr>
+          <p:cNvPr id="11" name="Rectangle 10">
+            <a:extLst>
+              <a:ext uri="{FF2B5EF4-FFF2-40B4-BE49-F238E27FC236}">
+                <a16:creationId xmlns:a16="http://schemas.microsoft.com/office/drawing/2014/main" id="{8CD0A436-CB4F-46B8-B66D-033C2B2DD3AC}"/>
+              </a:ext>
+            </a:extLst>
+          </p:cNvPr>
+          <p:cNvSpPr/>
+          <p:nvPr/>
+        </p:nvSpPr>
+        <p:spPr>
+          <a:xfrm>
+            <a:off x="1654534" y="1108835"/>
+            <a:ext cx="5834931" cy="1569660"/>
+          </a:xfrm>
+          <a:prstGeom prst="rect">
+            <a:avLst/>
+          </a:prstGeom>
+        </p:spPr>
+        <p:txBody>
+          <a:bodyPr wrap="none">
+            <a:spAutoFit/>
+          </a:bodyPr>
+          <a:lstStyle/>
+          <a:p>
+            <a:r>
+              <a:rPr lang="en-US" sz="4800" dirty="0"/>
+              <a:t>Dealing with Too long </a:t>
+            </a:r>
+          </a:p>
+          <a:p>
+            <a:r>
+              <a:rPr lang="en-US" sz="4800" dirty="0"/>
+              <a:t>requests to Database</a:t>
+            </a:r>
+          </a:p>
+        </p:txBody>
+      </p:sp>
+      <p:sp>
+        <p:nvSpPr>
+          <p:cNvPr id="2" name="Rectangle 1">
+            <a:extLst>
+              <a:ext uri="{FF2B5EF4-FFF2-40B4-BE49-F238E27FC236}">
+                <a16:creationId xmlns:a16="http://schemas.microsoft.com/office/drawing/2014/main" id="{151F3C8C-ABF7-40FC-A707-61C3E6FF59A0}"/>
+              </a:ext>
+            </a:extLst>
+          </p:cNvPr>
+          <p:cNvSpPr/>
+          <p:nvPr/>
+        </p:nvSpPr>
+        <p:spPr>
+          <a:xfrm>
+            <a:off x="3304601" y="2678495"/>
+            <a:ext cx="2534796" cy="400110"/>
+          </a:xfrm>
+          <a:prstGeom prst="rect">
+            <a:avLst/>
+          </a:prstGeom>
+        </p:spPr>
+        <p:txBody>
+          <a:bodyPr wrap="none">
+            <a:spAutoFit/>
+          </a:bodyPr>
+          <a:lstStyle/>
+          <a:p>
+            <a:r>
+              <a:rPr lang="en-US" sz="2000" b="1" dirty="0"/>
+              <a:t>(e.g. Use index, Luke!)</a:t>
+            </a:r>
+          </a:p>
+        </p:txBody>
+      </p:sp>
     </p:spTree>
     <p:extLst>
       <p:ext uri="{BB962C8B-B14F-4D97-AF65-F5344CB8AC3E}">
-        <p14:creationId xmlns:p14="http://schemas.microsoft.com/office/powerpoint/2010/main" val="246373354"/>
+        <p14:creationId xmlns:p14="http://schemas.microsoft.com/office/powerpoint/2010/main" val="606667443"/>
       </p:ext>
     </p:extLst>
   </p:cSld>
@@ -24963,10 +25063,9 @@
           <a:lstStyle/>
           <a:p>
             <a:r>
-              <a:rPr lang="en-US" dirty="0"/>
+              <a:rPr lang="en-US" b="1" dirty="0"/>
               <a:t>Performance Practices</a:t>
             </a:r>
-            <a:endParaRPr lang="en-US" b="1" dirty="0"/>
           </a:p>
         </p:txBody>
       </p:sp>
@@ -25066,13 +25165,7 @@
       </p:grpSpPr>
       <p:sp>
         <p:nvSpPr>
-          <p:cNvPr id="3" name="Title 2">
-            <a:extLst>
-              <a:ext uri="{FF2B5EF4-FFF2-40B4-BE49-F238E27FC236}">
-                <a16:creationId xmlns:a16="http://schemas.microsoft.com/office/drawing/2014/main" id="{B69D9CFC-E5C1-3A4E-BCB7-3E1CA8BCBCF4}"/>
-              </a:ext>
-            </a:extLst>
-          </p:cNvPr>
+          <p:cNvPr id="3" name="Title 2"/>
           <p:cNvSpPr>
             <a:spLocks noGrp="1"/>
           </p:cNvSpPr>
@@ -25085,16 +25178,19 @@
           <a:bodyPr/>
           <a:lstStyle/>
           <a:p>
-            <a:endParaRPr lang="en-US"/>
-          </a:p>
-        </p:txBody>
-      </p:sp>
-      <p:sp>
-        <p:nvSpPr>
-          <p:cNvPr id="2" name="Slide Number Placeholder 1">
+            <a:r>
+              <a:rPr lang="en-US" b="1" dirty="0"/>
+              <a:t>6. Dealing with Too long requests to DB</a:t>
+            </a:r>
+          </a:p>
+        </p:txBody>
+      </p:sp>
+      <p:sp>
+        <p:nvSpPr>
+          <p:cNvPr id="5" name="Slide Number Placeholder 4">
             <a:extLst>
               <a:ext uri="{FF2B5EF4-FFF2-40B4-BE49-F238E27FC236}">
-                <a16:creationId xmlns:a16="http://schemas.microsoft.com/office/drawing/2014/main" id="{11B382BE-028B-964F-9027-6A1A9DA2E6E7}"/>
+                <a16:creationId xmlns:a16="http://schemas.microsoft.com/office/drawing/2014/main" id="{D695E08B-236F-5B4F-801C-4C75369E005C}"/>
               </a:ext>
             </a:extLst>
           </p:cNvPr>
@@ -25121,53 +25217,10 @@
       </p:sp>
       <p:sp>
         <p:nvSpPr>
-          <p:cNvPr id="5" name="Picture Placeholder 4">
+          <p:cNvPr id="6" name="Content Placeholder 6">
             <a:extLst>
               <a:ext uri="{FF2B5EF4-FFF2-40B4-BE49-F238E27FC236}">
-                <a16:creationId xmlns:a16="http://schemas.microsoft.com/office/drawing/2014/main" id="{192CE039-5644-C647-B0F3-EEB85B25B94D}"/>
-              </a:ext>
-            </a:extLst>
-          </p:cNvPr>
-          <p:cNvSpPr>
-            <a:spLocks noGrp="1"/>
-          </p:cNvSpPr>
-          <p:nvPr>
-            <p:ph type="pic" sz="quarter" idx="11"/>
-          </p:nvPr>
-        </p:nvSpPr>
-        <p:spPr/>
-      </p:sp>
-      <p:sp>
-        <p:nvSpPr>
-          <p:cNvPr id="6" name="Text Placeholder 5">
-            <a:extLst>
-              <a:ext uri="{FF2B5EF4-FFF2-40B4-BE49-F238E27FC236}">
-                <a16:creationId xmlns:a16="http://schemas.microsoft.com/office/drawing/2014/main" id="{FFFE38C7-DF72-A64C-B9B6-DAE753CDED79}"/>
-              </a:ext>
-            </a:extLst>
-          </p:cNvPr>
-          <p:cNvSpPr>
-            <a:spLocks noGrp="1"/>
-          </p:cNvSpPr>
-          <p:nvPr>
-            <p:ph type="body" sz="quarter" idx="12"/>
-          </p:nvPr>
-        </p:nvSpPr>
-        <p:spPr/>
-        <p:txBody>
-          <a:bodyPr/>
-          <a:lstStyle/>
-          <a:p>
-            <a:endParaRPr lang="en-US"/>
-          </a:p>
-        </p:txBody>
-      </p:sp>
-      <p:sp>
-        <p:nvSpPr>
-          <p:cNvPr id="4" name="Content Placeholder 3">
-            <a:extLst>
-              <a:ext uri="{FF2B5EF4-FFF2-40B4-BE49-F238E27FC236}">
-                <a16:creationId xmlns:a16="http://schemas.microsoft.com/office/drawing/2014/main" id="{01301C25-ACB8-2C40-9D88-31F5DECAB2AB}"/>
+                <a16:creationId xmlns:a16="http://schemas.microsoft.com/office/drawing/2014/main" id="{221A378C-5D07-42A2-BC87-FA6EEB28EA60}"/>
               </a:ext>
             </a:extLst>
           </p:cNvPr>
@@ -25178,44 +25231,118 @@
             <p:ph sz="quarter" idx="10"/>
           </p:nvPr>
         </p:nvSpPr>
-        <p:spPr/>
+        <p:spPr>
+          <a:xfrm>
+            <a:off x="357186" y="1016000"/>
+            <a:ext cx="8429627" cy="3635694"/>
+          </a:xfrm>
+        </p:spPr>
         <p:txBody>
           <a:bodyPr/>
           <a:lstStyle/>
           <a:p>
-            <a:endParaRPr lang="en-US"/>
-          </a:p>
-        </p:txBody>
-      </p:sp>
-      <p:sp>
-        <p:nvSpPr>
-          <p:cNvPr id="7" name="Text Placeholder 6">
-            <a:extLst>
-              <a:ext uri="{FF2B5EF4-FFF2-40B4-BE49-F238E27FC236}">
-                <a16:creationId xmlns:a16="http://schemas.microsoft.com/office/drawing/2014/main" id="{E3B41482-A6D3-DC4F-A416-B9BFB23215D3}"/>
-              </a:ext>
-            </a:extLst>
-          </p:cNvPr>
-          <p:cNvSpPr>
-            <a:spLocks noGrp="1"/>
-          </p:cNvSpPr>
-          <p:nvPr>
-            <p:ph type="body" sz="quarter" idx="13"/>
-          </p:nvPr>
-        </p:nvSpPr>
-        <p:spPr/>
-        <p:txBody>
-          <a:bodyPr/>
-          <a:lstStyle/>
-          <a:p>
-            <a:endParaRPr lang="en-US"/>
+            <a:pPr marL="0" indent="0">
+              <a:lnSpc>
+                <a:spcPct val="100000"/>
+              </a:lnSpc>
+              <a:buNone/>
+            </a:pPr>
+            <a:r>
+              <a:rPr lang="en-US" sz="2000" b="1" dirty="0"/>
+              <a:t>EXPLAIN ANALYZE </a:t>
+            </a:r>
+            <a:r>
+              <a:rPr lang="en-US" sz="2000" dirty="0"/>
+              <a:t>- your best friend</a:t>
+            </a:r>
+          </a:p>
+          <a:p>
+            <a:r>
+              <a:rPr lang="en-US" dirty="0"/>
+              <a:t>Understand difference between INDEX FULL SCAN / INDEX UNIQUE SCAN / TABLE SCAN etc.</a:t>
+            </a:r>
+          </a:p>
+          <a:p>
+            <a:pPr>
+              <a:lnSpc>
+                <a:spcPct val="100000"/>
+              </a:lnSpc>
+            </a:pPr>
+            <a:r>
+              <a:rPr lang="en-US" dirty="0"/>
+              <a:t>Understand what index types does your DB support (not only B-tree exist, for example indexes for geo data (</a:t>
+            </a:r>
+            <a:r>
+              <a:rPr lang="en-US" dirty="0" err="1"/>
+              <a:t>lat</a:t>
+            </a:r>
+            <a:r>
+              <a:rPr lang="en-US" dirty="0"/>
+              <a:t>/long))</a:t>
+            </a:r>
+            <a:endParaRPr lang="en-US" sz="2400" dirty="0"/>
+          </a:p>
+          <a:p>
+            <a:pPr>
+              <a:lnSpc>
+                <a:spcPct val="100000"/>
+              </a:lnSpc>
+            </a:pPr>
+            <a:r>
+              <a:rPr lang="en-US" dirty="0"/>
+              <a:t>Check indexes on all heavy queries fields used in </a:t>
+            </a:r>
+            <a:r>
+              <a:rPr lang="en-US" dirty="0">
+                <a:highlight>
+                  <a:srgbClr val="C0C0C0"/>
+                </a:highlight>
+              </a:rPr>
+              <a:t>WHERE</a:t>
+            </a:r>
+            <a:r>
+              <a:rPr lang="en-US" dirty="0"/>
+              <a:t>, </a:t>
+            </a:r>
+            <a:r>
+              <a:rPr lang="en-US" dirty="0">
+                <a:highlight>
+                  <a:srgbClr val="C0C0C0"/>
+                </a:highlight>
+              </a:rPr>
+              <a:t>ON</a:t>
+            </a:r>
+            <a:r>
+              <a:rPr lang="en-US" dirty="0"/>
+              <a:t>, </a:t>
+            </a:r>
+            <a:r>
+              <a:rPr lang="en-US" dirty="0">
+                <a:highlight>
+                  <a:srgbClr val="C0C0C0"/>
+                </a:highlight>
+              </a:rPr>
+              <a:t>GROUP BY</a:t>
+            </a:r>
+            <a:r>
+              <a:rPr lang="en-US" dirty="0"/>
+              <a:t>, </a:t>
+            </a:r>
+            <a:r>
+              <a:rPr lang="en-US" dirty="0">
+                <a:highlight>
+                  <a:srgbClr val="C0C0C0"/>
+                </a:highlight>
+              </a:rPr>
+              <a:t>ORDER BY</a:t>
+            </a:r>
           </a:p>
         </p:txBody>
       </p:sp>
     </p:spTree>
     <p:extLst>
       <p:ext uri="{BB962C8B-B14F-4D97-AF65-F5344CB8AC3E}">
-        <p14:creationId xmlns:p14="http://schemas.microsoft.com/office/powerpoint/2010/main" val="1620209984"/>
+        <p14:creationId xmlns:p14="http://schemas.microsoft.com/office/powerpoint/2010/main" val="726870574"/>
       </p:ext>
     </p:extLst>
   </p:cSld>
@@ -25244,7 +25371,7 @@
       </p:grpSpPr>
       <p:sp>
         <p:nvSpPr>
-          <p:cNvPr id="4" name="Title 3"/>
+          <p:cNvPr id="3" name="Title 2"/>
           <p:cNvSpPr>
             <a:spLocks noGrp="1"/>
           </p:cNvSpPr>
@@ -25257,16 +25384,19 @@
           <a:bodyPr/>
           <a:lstStyle/>
           <a:p>
-            <a:endParaRPr lang="en-US"/>
-          </a:p>
-        </p:txBody>
-      </p:sp>
-      <p:sp>
-        <p:nvSpPr>
-          <p:cNvPr id="2" name="Slide Number Placeholder 1">
+            <a:r>
+              <a:rPr lang="en-US" b="1" dirty="0"/>
+              <a:t>Performance Practices</a:t>
+            </a:r>
+          </a:p>
+        </p:txBody>
+      </p:sp>
+      <p:sp>
+        <p:nvSpPr>
+          <p:cNvPr id="5" name="Slide Number Placeholder 4">
             <a:extLst>
               <a:ext uri="{FF2B5EF4-FFF2-40B4-BE49-F238E27FC236}">
-                <a16:creationId xmlns:a16="http://schemas.microsoft.com/office/drawing/2014/main" id="{BD2203D6-46B2-544A-AEDD-86624A2E7DA7}"/>
+                <a16:creationId xmlns:a16="http://schemas.microsoft.com/office/drawing/2014/main" id="{D695E08B-236F-5B4F-801C-4C75369E005C}"/>
               </a:ext>
             </a:extLst>
           </p:cNvPr>
@@ -25274,18 +25404,10 @@
             <a:spLocks noGrp="1"/>
           </p:cNvSpPr>
           <p:nvPr>
-            <p:ph type="sldNum" sz="quarter" idx="4294967295"/>
+            <p:ph type="sldNum" sz="quarter" idx="4"/>
           </p:nvPr>
         </p:nvSpPr>
-        <p:spPr>
-          <a:xfrm>
-            <a:off x="7770813" y="4826000"/>
-            <a:ext cx="1373187" cy="317500"/>
-          </a:xfrm>
-          <a:prstGeom prst="rect">
-            <a:avLst/>
-          </a:prstGeom>
-        </p:spPr>
+        <p:spPr/>
         <p:txBody>
           <a:bodyPr/>
           <a:lstStyle/>
@@ -25299,10 +25421,44 @@
           </a:p>
         </p:txBody>
       </p:sp>
+      <p:sp>
+        <p:nvSpPr>
+          <p:cNvPr id="11" name="Rectangle 10">
+            <a:extLst>
+              <a:ext uri="{FF2B5EF4-FFF2-40B4-BE49-F238E27FC236}">
+                <a16:creationId xmlns:a16="http://schemas.microsoft.com/office/drawing/2014/main" id="{8CD0A436-CB4F-46B8-B66D-033C2B2DD3AC}"/>
+              </a:ext>
+            </a:extLst>
+          </p:cNvPr>
+          <p:cNvSpPr/>
+          <p:nvPr/>
+        </p:nvSpPr>
+        <p:spPr>
+          <a:xfrm>
+            <a:off x="2974255" y="1740753"/>
+            <a:ext cx="3360600" cy="830997"/>
+          </a:xfrm>
+          <a:prstGeom prst="rect">
+            <a:avLst/>
+          </a:prstGeom>
+        </p:spPr>
+        <p:txBody>
+          <a:bodyPr wrap="none">
+            <a:spAutoFit/>
+          </a:bodyPr>
+          <a:lstStyle/>
+          <a:p>
+            <a:r>
+              <a:rPr lang="en-US" sz="4800" dirty="0"/>
+              <a:t>General tips:</a:t>
+            </a:r>
+          </a:p>
+        </p:txBody>
+      </p:sp>
     </p:spTree>
     <p:extLst>
       <p:ext uri="{BB962C8B-B14F-4D97-AF65-F5344CB8AC3E}">
-        <p14:creationId xmlns:p14="http://schemas.microsoft.com/office/powerpoint/2010/main" val="1440452983"/>
+        <p14:creationId xmlns:p14="http://schemas.microsoft.com/office/powerpoint/2010/main" val="2054365642"/>
       </p:ext>
     </p:extLst>
   </p:cSld>
@@ -25344,14 +25500,81 @@
           <a:bodyPr/>
           <a:lstStyle/>
           <a:p>
-            <a:endParaRPr lang="en-US"/>
+            <a:r>
+              <a:rPr lang="en-US" b="1" dirty="0"/>
+              <a:t>7. General tips</a:t>
+            </a:r>
+          </a:p>
+        </p:txBody>
+      </p:sp>
+      <p:sp>
+        <p:nvSpPr>
+          <p:cNvPr id="5" name="Slide Number Placeholder 4">
+            <a:extLst>
+              <a:ext uri="{FF2B5EF4-FFF2-40B4-BE49-F238E27FC236}">
+                <a16:creationId xmlns:a16="http://schemas.microsoft.com/office/drawing/2014/main" id="{D695E08B-236F-5B4F-801C-4C75369E005C}"/>
+              </a:ext>
+            </a:extLst>
+          </p:cNvPr>
+          <p:cNvSpPr>
+            <a:spLocks noGrp="1"/>
+          </p:cNvSpPr>
+          <p:nvPr>
+            <p:ph type="sldNum" sz="quarter" idx="4"/>
+          </p:nvPr>
+        </p:nvSpPr>
+        <p:spPr/>
+        <p:txBody>
+          <a:bodyPr/>
+          <a:lstStyle/>
+          <a:p>
+            <a:fld id="{3A707DD9-E92B-45E8-BE0A-E6B2EDF345EB}" type="slidenum">
+              <a:rPr lang="en-US" smtClean="0"/>
+              <a:pPr/>
+              <a:t>32</a:t>
+            </a:fld>
+            <a:endParaRPr lang="en-US" dirty="0"/>
+          </a:p>
+        </p:txBody>
+      </p:sp>
+      <p:sp>
+        <p:nvSpPr>
+          <p:cNvPr id="11" name="Rectangle 10">
+            <a:extLst>
+              <a:ext uri="{FF2B5EF4-FFF2-40B4-BE49-F238E27FC236}">
+                <a16:creationId xmlns:a16="http://schemas.microsoft.com/office/drawing/2014/main" id="{8CD0A436-CB4F-46B8-B66D-033C2B2DD3AC}"/>
+              </a:ext>
+            </a:extLst>
+          </p:cNvPr>
+          <p:cNvSpPr/>
+          <p:nvPr/>
+        </p:nvSpPr>
+        <p:spPr>
+          <a:xfrm>
+            <a:off x="2471008" y="1740753"/>
+            <a:ext cx="4201984" cy="830997"/>
+          </a:xfrm>
+          <a:prstGeom prst="rect">
+            <a:avLst/>
+          </a:prstGeom>
+        </p:spPr>
+        <p:txBody>
+          <a:bodyPr wrap="none">
+            <a:spAutoFit/>
+          </a:bodyPr>
+          <a:lstStyle/>
+          <a:p>
+            <a:r>
+              <a:rPr lang="en-US" sz="4800" dirty="0"/>
+              <a:t>Amount of data</a:t>
+            </a:r>
           </a:p>
         </p:txBody>
       </p:sp>
     </p:spTree>
     <p:extLst>
       <p:ext uri="{BB962C8B-B14F-4D97-AF65-F5344CB8AC3E}">
-        <p14:creationId xmlns:p14="http://schemas.microsoft.com/office/powerpoint/2010/main" val="3773324485"/>
+        <p14:creationId xmlns:p14="http://schemas.microsoft.com/office/powerpoint/2010/main" val="3677690675"/>
       </p:ext>
     </p:extLst>
   </p:cSld>
@@ -25380,7 +25603,7 @@
       </p:grpSpPr>
       <p:sp>
         <p:nvSpPr>
-          <p:cNvPr id="2" name="Title 1"/>
+          <p:cNvPr id="3" name="Title 2"/>
           <p:cNvSpPr>
             <a:spLocks noGrp="1"/>
           </p:cNvSpPr>
@@ -25393,14 +25616,112 @@
           <a:bodyPr/>
           <a:lstStyle/>
           <a:p>
-            <a:endParaRPr lang="en-US"/>
+            <a:r>
+              <a:rPr lang="en-US" b="1" dirty="0"/>
+              <a:t>7.1 Amount of data</a:t>
+            </a:r>
+          </a:p>
+        </p:txBody>
+      </p:sp>
+      <p:sp>
+        <p:nvSpPr>
+          <p:cNvPr id="5" name="Slide Number Placeholder 4">
+            <a:extLst>
+              <a:ext uri="{FF2B5EF4-FFF2-40B4-BE49-F238E27FC236}">
+                <a16:creationId xmlns:a16="http://schemas.microsoft.com/office/drawing/2014/main" id="{D695E08B-236F-5B4F-801C-4C75369E005C}"/>
+              </a:ext>
+            </a:extLst>
+          </p:cNvPr>
+          <p:cNvSpPr>
+            <a:spLocks noGrp="1"/>
+          </p:cNvSpPr>
+          <p:nvPr>
+            <p:ph type="sldNum" sz="quarter" idx="4"/>
+          </p:nvPr>
+        </p:nvSpPr>
+        <p:spPr/>
+        <p:txBody>
+          <a:bodyPr/>
+          <a:lstStyle/>
+          <a:p>
+            <a:fld id="{3A707DD9-E92B-45E8-BE0A-E6B2EDF345EB}" type="slidenum">
+              <a:rPr lang="en-US" smtClean="0"/>
+              <a:pPr/>
+              <a:t>33</a:t>
+            </a:fld>
+            <a:endParaRPr lang="en-US" dirty="0"/>
+          </a:p>
+        </p:txBody>
+      </p:sp>
+      <p:sp>
+        <p:nvSpPr>
+          <p:cNvPr id="6" name="Content Placeholder 6">
+            <a:extLst>
+              <a:ext uri="{FF2B5EF4-FFF2-40B4-BE49-F238E27FC236}">
+                <a16:creationId xmlns:a16="http://schemas.microsoft.com/office/drawing/2014/main" id="{221A378C-5D07-42A2-BC87-FA6EEB28EA60}"/>
+              </a:ext>
+            </a:extLst>
+          </p:cNvPr>
+          <p:cNvSpPr>
+            <a:spLocks noGrp="1"/>
+          </p:cNvSpPr>
+          <p:nvPr>
+            <p:ph sz="quarter" idx="10"/>
+          </p:nvPr>
+        </p:nvSpPr>
+        <p:spPr>
+          <a:xfrm>
+            <a:off x="357186" y="1016000"/>
+            <a:ext cx="8429627" cy="3635694"/>
+          </a:xfrm>
+        </p:spPr>
+        <p:txBody>
+          <a:bodyPr/>
+          <a:lstStyle/>
+          <a:p>
+            <a:pPr marL="0" indent="0">
+              <a:lnSpc>
+                <a:spcPct val="100000"/>
+              </a:lnSpc>
+              <a:buNone/>
+            </a:pPr>
+            <a:r>
+              <a:rPr lang="en-US" sz="2000" dirty="0"/>
+              <a:t>Always test with the amount of data compared to how much you'll have on prod</a:t>
+            </a:r>
+          </a:p>
+          <a:p>
+            <a:pPr marL="0" indent="0">
+              <a:lnSpc>
+                <a:spcPct val="100000"/>
+              </a:lnSpc>
+              <a:buNone/>
+            </a:pPr>
+            <a:endParaRPr lang="en-US" sz="2000" dirty="0"/>
+          </a:p>
+          <a:p>
+            <a:r>
+              <a:rPr lang="en-US" sz="2000" dirty="0"/>
+              <a:t>Fill DB with scripts generating fake data</a:t>
+            </a:r>
+          </a:p>
+          <a:p>
+            <a:pPr>
+              <a:lnSpc>
+                <a:spcPct val="100000"/>
+              </a:lnSpc>
+            </a:pPr>
+            <a:r>
+              <a:rPr lang="en-US" sz="2000" dirty="0"/>
+              <a:t>Upload big files</a:t>
+            </a:r>
           </a:p>
         </p:txBody>
       </p:sp>
     </p:spTree>
     <p:extLst>
       <p:ext uri="{BB962C8B-B14F-4D97-AF65-F5344CB8AC3E}">
-        <p14:creationId xmlns:p14="http://schemas.microsoft.com/office/powerpoint/2010/main" val="3161395204"/>
+        <p14:creationId xmlns:p14="http://schemas.microsoft.com/office/powerpoint/2010/main" val="3955573308"/>
       </p:ext>
     </p:extLst>
   </p:cSld>
@@ -25429,7 +25750,7 @@
       </p:grpSpPr>
       <p:sp>
         <p:nvSpPr>
-          <p:cNvPr id="2" name="Title 1"/>
+          <p:cNvPr id="3" name="Title 2"/>
           <p:cNvSpPr>
             <a:spLocks noGrp="1"/>
           </p:cNvSpPr>
@@ -25442,14 +25763,971 @@
           <a:bodyPr/>
           <a:lstStyle/>
           <a:p>
-            <a:endParaRPr lang="en-US"/>
+            <a:r>
+              <a:rPr lang="en-US" b="1" dirty="0"/>
+              <a:t>7. General tips</a:t>
+            </a:r>
+          </a:p>
+        </p:txBody>
+      </p:sp>
+      <p:sp>
+        <p:nvSpPr>
+          <p:cNvPr id="5" name="Slide Number Placeholder 4">
+            <a:extLst>
+              <a:ext uri="{FF2B5EF4-FFF2-40B4-BE49-F238E27FC236}">
+                <a16:creationId xmlns:a16="http://schemas.microsoft.com/office/drawing/2014/main" id="{D695E08B-236F-5B4F-801C-4C75369E005C}"/>
+              </a:ext>
+            </a:extLst>
+          </p:cNvPr>
+          <p:cNvSpPr>
+            <a:spLocks noGrp="1"/>
+          </p:cNvSpPr>
+          <p:nvPr>
+            <p:ph type="sldNum" sz="quarter" idx="4"/>
+          </p:nvPr>
+        </p:nvSpPr>
+        <p:spPr/>
+        <p:txBody>
+          <a:bodyPr/>
+          <a:lstStyle/>
+          <a:p>
+            <a:fld id="{3A707DD9-E92B-45E8-BE0A-E6B2EDF345EB}" type="slidenum">
+              <a:rPr lang="en-US" smtClean="0"/>
+              <a:pPr/>
+              <a:t>34</a:t>
+            </a:fld>
+            <a:endParaRPr lang="en-US" dirty="0"/>
+          </a:p>
+        </p:txBody>
+      </p:sp>
+      <p:sp>
+        <p:nvSpPr>
+          <p:cNvPr id="11" name="Rectangle 10">
+            <a:extLst>
+              <a:ext uri="{FF2B5EF4-FFF2-40B4-BE49-F238E27FC236}">
+                <a16:creationId xmlns:a16="http://schemas.microsoft.com/office/drawing/2014/main" id="{8CD0A436-CB4F-46B8-B66D-033C2B2DD3AC}"/>
+              </a:ext>
+            </a:extLst>
+          </p:cNvPr>
+          <p:cNvSpPr/>
+          <p:nvPr/>
+        </p:nvSpPr>
+        <p:spPr>
+          <a:xfrm>
+            <a:off x="3443486" y="1740753"/>
+            <a:ext cx="2257028" cy="830997"/>
+          </a:xfrm>
+          <a:prstGeom prst="rect">
+            <a:avLst/>
+          </a:prstGeom>
+        </p:spPr>
+        <p:txBody>
+          <a:bodyPr wrap="none">
+            <a:spAutoFit/>
+          </a:bodyPr>
+          <a:lstStyle/>
+          <a:p>
+            <a:r>
+              <a:rPr lang="en-US" sz="4800" dirty="0"/>
+              <a:t>Profiling</a:t>
+            </a:r>
           </a:p>
         </p:txBody>
       </p:sp>
     </p:spTree>
     <p:extLst>
       <p:ext uri="{BB962C8B-B14F-4D97-AF65-F5344CB8AC3E}">
-        <p14:creationId xmlns:p14="http://schemas.microsoft.com/office/powerpoint/2010/main" val="1087199906"/>
+        <p14:creationId xmlns:p14="http://schemas.microsoft.com/office/powerpoint/2010/main" val="3410730249"/>
+      </p:ext>
+    </p:extLst>
+  </p:cSld>
+  <p:clrMapOvr>
+    <a:masterClrMapping/>
+  </p:clrMapOvr>
+</p:sld>
+</file>
+
+<file path=ppt/slides/slide35.xml><?xml version="1.0" encoding="utf-8"?>
+<p:sld xmlns:a="http://schemas.openxmlformats.org/drawingml/2006/main" xmlns:r="http://schemas.openxmlformats.org/officeDocument/2006/relationships" xmlns:p="http://schemas.openxmlformats.org/presentationml/2006/main">
+  <p:cSld>
+    <p:spTree>
+      <p:nvGrpSpPr>
+        <p:cNvPr id="1" name=""/>
+        <p:cNvGrpSpPr/>
+        <p:nvPr/>
+      </p:nvGrpSpPr>
+      <p:grpSpPr>
+        <a:xfrm>
+          <a:off x="0" y="0"/>
+          <a:ext cx="0" cy="0"/>
+          <a:chOff x="0" y="0"/>
+          <a:chExt cx="0" cy="0"/>
+        </a:xfrm>
+      </p:grpSpPr>
+      <p:sp>
+        <p:nvSpPr>
+          <p:cNvPr id="3" name="Title 2"/>
+          <p:cNvSpPr>
+            <a:spLocks noGrp="1"/>
+          </p:cNvSpPr>
+          <p:nvPr>
+            <p:ph type="title"/>
+          </p:nvPr>
+        </p:nvSpPr>
+        <p:spPr/>
+        <p:txBody>
+          <a:bodyPr/>
+          <a:lstStyle/>
+          <a:p>
+            <a:r>
+              <a:rPr lang="en-US" b="1" dirty="0"/>
+              <a:t>7.2 Profiling and optimization</a:t>
+            </a:r>
+          </a:p>
+        </p:txBody>
+      </p:sp>
+      <p:sp>
+        <p:nvSpPr>
+          <p:cNvPr id="5" name="Slide Number Placeholder 4">
+            <a:extLst>
+              <a:ext uri="{FF2B5EF4-FFF2-40B4-BE49-F238E27FC236}">
+                <a16:creationId xmlns:a16="http://schemas.microsoft.com/office/drawing/2014/main" id="{D695E08B-236F-5B4F-801C-4C75369E005C}"/>
+              </a:ext>
+            </a:extLst>
+          </p:cNvPr>
+          <p:cNvSpPr>
+            <a:spLocks noGrp="1"/>
+          </p:cNvSpPr>
+          <p:nvPr>
+            <p:ph type="sldNum" sz="quarter" idx="4"/>
+          </p:nvPr>
+        </p:nvSpPr>
+        <p:spPr/>
+        <p:txBody>
+          <a:bodyPr/>
+          <a:lstStyle/>
+          <a:p>
+            <a:fld id="{3A707DD9-E92B-45E8-BE0A-E6B2EDF345EB}" type="slidenum">
+              <a:rPr lang="en-US" smtClean="0"/>
+              <a:pPr/>
+              <a:t>35</a:t>
+            </a:fld>
+            <a:endParaRPr lang="en-US" dirty="0"/>
+          </a:p>
+        </p:txBody>
+      </p:sp>
+      <p:sp>
+        <p:nvSpPr>
+          <p:cNvPr id="6" name="Content Placeholder 6">
+            <a:extLst>
+              <a:ext uri="{FF2B5EF4-FFF2-40B4-BE49-F238E27FC236}">
+                <a16:creationId xmlns:a16="http://schemas.microsoft.com/office/drawing/2014/main" id="{221A378C-5D07-42A2-BC87-FA6EEB28EA60}"/>
+              </a:ext>
+            </a:extLst>
+          </p:cNvPr>
+          <p:cNvSpPr>
+            <a:spLocks noGrp="1"/>
+          </p:cNvSpPr>
+          <p:nvPr>
+            <p:ph sz="quarter" idx="10"/>
+          </p:nvPr>
+        </p:nvSpPr>
+        <p:spPr>
+          <a:xfrm>
+            <a:off x="357186" y="1016000"/>
+            <a:ext cx="8429627" cy="3635694"/>
+          </a:xfrm>
+        </p:spPr>
+        <p:txBody>
+          <a:bodyPr/>
+          <a:lstStyle/>
+          <a:p>
+            <a:pPr marL="0" indent="0">
+              <a:lnSpc>
+                <a:spcPct val="100000"/>
+              </a:lnSpc>
+              <a:buNone/>
+            </a:pPr>
+            <a:r>
+              <a:rPr lang="en-US" sz="2000" dirty="0"/>
+              <a:t>You MUST do profiling before doing optimization, to be sure you're not just wasting time, unless you're sure in advance it's 100% required in this particular place (comes with years of work experience)</a:t>
+            </a:r>
+          </a:p>
+          <a:p>
+            <a:pPr marL="0" indent="0">
+              <a:lnSpc>
+                <a:spcPct val="100000"/>
+              </a:lnSpc>
+              <a:buNone/>
+            </a:pPr>
+            <a:endParaRPr lang="en-US" sz="2000" dirty="0"/>
+          </a:p>
+          <a:p>
+            <a:pPr marL="0" indent="0">
+              <a:lnSpc>
+                <a:spcPct val="100000"/>
+              </a:lnSpc>
+              <a:buNone/>
+            </a:pPr>
+            <a:r>
+              <a:rPr lang="en-US" sz="2000" dirty="0"/>
+              <a:t>Profiling:</a:t>
+            </a:r>
+          </a:p>
+          <a:p>
+            <a:pPr>
+              <a:lnSpc>
+                <a:spcPct val="100000"/>
+              </a:lnSpc>
+            </a:pPr>
+            <a:r>
+              <a:rPr lang="en-US" sz="2000" dirty="0"/>
+              <a:t>Datadog/</a:t>
+            </a:r>
+            <a:r>
+              <a:rPr lang="en-US" sz="2000" dirty="0" err="1"/>
+              <a:t>newRelic</a:t>
+            </a:r>
+            <a:r>
+              <a:rPr lang="en-US" sz="2000" dirty="0"/>
+              <a:t> (good for production, costly)</a:t>
+            </a:r>
+          </a:p>
+          <a:p>
+            <a:pPr>
+              <a:lnSpc>
+                <a:spcPct val="100000"/>
+              </a:lnSpc>
+            </a:pPr>
+            <a:r>
+              <a:rPr lang="en-US" sz="2000" dirty="0"/>
+              <a:t>   something like </a:t>
+            </a:r>
+            <a:r>
+              <a:rPr lang="en-US" sz="2000" dirty="0" err="1"/>
+              <a:t>Flamegraph</a:t>
+            </a:r>
+            <a:r>
+              <a:rPr lang="en-US" sz="2000" dirty="0"/>
+              <a:t> (good for local debugging, open-source)</a:t>
+            </a:r>
+          </a:p>
+        </p:txBody>
+      </p:sp>
+      <p:pic>
+        <p:nvPicPr>
+          <p:cNvPr id="4" name="Picture 3">
+            <a:extLst>
+              <a:ext uri="{FF2B5EF4-FFF2-40B4-BE49-F238E27FC236}">
+                <a16:creationId xmlns:a16="http://schemas.microsoft.com/office/drawing/2014/main" id="{18BCF1FC-DBB7-43A2-88EB-A7EAA1220017}"/>
+              </a:ext>
+            </a:extLst>
+          </p:cNvPr>
+          <p:cNvPicPr>
+            <a:picLocks noChangeAspect="1"/>
+          </p:cNvPicPr>
+          <p:nvPr/>
+        </p:nvPicPr>
+        <p:blipFill>
+          <a:blip r:embed="rId2" cstate="print">
+            <a:extLst>
+              <a:ext uri="{28A0092B-C50C-407E-A947-70E740481C1C}">
+                <a14:useLocalDpi xmlns:a14="http://schemas.microsoft.com/office/drawing/2010/main" val="0"/>
+              </a:ext>
+            </a:extLst>
+          </a:blip>
+          <a:stretch>
+            <a:fillRect/>
+          </a:stretch>
+        </p:blipFill>
+        <p:spPr>
+          <a:xfrm>
+            <a:off x="492125" y="3175000"/>
+            <a:ext cx="148167" cy="228600"/>
+          </a:xfrm>
+          <a:prstGeom prst="rect">
+            <a:avLst/>
+          </a:prstGeom>
+        </p:spPr>
+      </p:pic>
+    </p:spTree>
+    <p:extLst>
+      <p:ext uri="{BB962C8B-B14F-4D97-AF65-F5344CB8AC3E}">
+        <p14:creationId xmlns:p14="http://schemas.microsoft.com/office/powerpoint/2010/main" val="1457062766"/>
+      </p:ext>
+    </p:extLst>
+  </p:cSld>
+  <p:clrMapOvr>
+    <a:masterClrMapping/>
+  </p:clrMapOvr>
+</p:sld>
+</file>
+
+<file path=ppt/slides/slide36.xml><?xml version="1.0" encoding="utf-8"?>
+<p:sld xmlns:a="http://schemas.openxmlformats.org/drawingml/2006/main" xmlns:r="http://schemas.openxmlformats.org/officeDocument/2006/relationships" xmlns:p="http://schemas.openxmlformats.org/presentationml/2006/main">
+  <p:cSld>
+    <p:spTree>
+      <p:nvGrpSpPr>
+        <p:cNvPr id="1" name=""/>
+        <p:cNvGrpSpPr/>
+        <p:nvPr/>
+      </p:nvGrpSpPr>
+      <p:grpSpPr>
+        <a:xfrm>
+          <a:off x="0" y="0"/>
+          <a:ext cx="0" cy="0"/>
+          <a:chOff x="0" y="0"/>
+          <a:chExt cx="0" cy="0"/>
+        </a:xfrm>
+      </p:grpSpPr>
+      <p:sp>
+        <p:nvSpPr>
+          <p:cNvPr id="3" name="Title 2"/>
+          <p:cNvSpPr>
+            <a:spLocks noGrp="1"/>
+          </p:cNvSpPr>
+          <p:nvPr>
+            <p:ph type="title"/>
+          </p:nvPr>
+        </p:nvSpPr>
+        <p:spPr/>
+        <p:txBody>
+          <a:bodyPr/>
+          <a:lstStyle/>
+          <a:p>
+            <a:r>
+              <a:rPr lang="en-US" b="1" dirty="0"/>
+              <a:t>Performance practices</a:t>
+            </a:r>
+          </a:p>
+        </p:txBody>
+      </p:sp>
+      <p:sp>
+        <p:nvSpPr>
+          <p:cNvPr id="5" name="Slide Number Placeholder 4">
+            <a:extLst>
+              <a:ext uri="{FF2B5EF4-FFF2-40B4-BE49-F238E27FC236}">
+                <a16:creationId xmlns:a16="http://schemas.microsoft.com/office/drawing/2014/main" id="{D695E08B-236F-5B4F-801C-4C75369E005C}"/>
+              </a:ext>
+            </a:extLst>
+          </p:cNvPr>
+          <p:cNvSpPr>
+            <a:spLocks noGrp="1"/>
+          </p:cNvSpPr>
+          <p:nvPr>
+            <p:ph type="sldNum" sz="quarter" idx="4"/>
+          </p:nvPr>
+        </p:nvSpPr>
+        <p:spPr/>
+        <p:txBody>
+          <a:bodyPr/>
+          <a:lstStyle/>
+          <a:p>
+            <a:fld id="{3A707DD9-E92B-45E8-BE0A-E6B2EDF345EB}" type="slidenum">
+              <a:rPr lang="en-US" smtClean="0"/>
+              <a:pPr/>
+              <a:t>36</a:t>
+            </a:fld>
+            <a:endParaRPr lang="en-US" dirty="0"/>
+          </a:p>
+        </p:txBody>
+      </p:sp>
+      <p:pic>
+        <p:nvPicPr>
+          <p:cNvPr id="4" name="Picture 3">
+            <a:extLst>
+              <a:ext uri="{FF2B5EF4-FFF2-40B4-BE49-F238E27FC236}">
+                <a16:creationId xmlns:a16="http://schemas.microsoft.com/office/drawing/2014/main" id="{2D3CD327-D942-46D2-9D27-EFF928F44C0F}"/>
+              </a:ext>
+            </a:extLst>
+          </p:cNvPr>
+          <p:cNvPicPr>
+            <a:picLocks noChangeAspect="1"/>
+          </p:cNvPicPr>
+          <p:nvPr/>
+        </p:nvPicPr>
+        <p:blipFill>
+          <a:blip r:embed="rId2">
+            <a:extLst>
+              <a:ext uri="{28A0092B-C50C-407E-A947-70E740481C1C}">
+                <a14:useLocalDpi xmlns:a14="http://schemas.microsoft.com/office/drawing/2010/main" val="0"/>
+              </a:ext>
+            </a:extLst>
+          </a:blip>
+          <a:stretch>
+            <a:fillRect/>
+          </a:stretch>
+        </p:blipFill>
+        <p:spPr>
+          <a:xfrm>
+            <a:off x="2471737" y="990600"/>
+            <a:ext cx="4200525" cy="3162300"/>
+          </a:xfrm>
+          <a:prstGeom prst="rect">
+            <a:avLst/>
+          </a:prstGeom>
+        </p:spPr>
+      </p:pic>
+    </p:spTree>
+    <p:extLst>
+      <p:ext uri="{BB962C8B-B14F-4D97-AF65-F5344CB8AC3E}">
+        <p14:creationId xmlns:p14="http://schemas.microsoft.com/office/powerpoint/2010/main" val="4035250310"/>
+      </p:ext>
+    </p:extLst>
+  </p:cSld>
+  <p:clrMapOvr>
+    <a:masterClrMapping/>
+  </p:clrMapOvr>
+</p:sld>
+</file>
+
+<file path=ppt/slides/slide37.xml><?xml version="1.0" encoding="utf-8"?>
+<p:sld xmlns:a="http://schemas.openxmlformats.org/drawingml/2006/main" xmlns:r="http://schemas.openxmlformats.org/officeDocument/2006/relationships" xmlns:p="http://schemas.openxmlformats.org/presentationml/2006/main">
+  <p:cSld>
+    <p:spTree>
+      <p:nvGrpSpPr>
+        <p:cNvPr id="1" name=""/>
+        <p:cNvGrpSpPr/>
+        <p:nvPr/>
+      </p:nvGrpSpPr>
+      <p:grpSpPr>
+        <a:xfrm>
+          <a:off x="0" y="0"/>
+          <a:ext cx="0" cy="0"/>
+          <a:chOff x="0" y="0"/>
+          <a:chExt cx="0" cy="0"/>
+        </a:xfrm>
+      </p:grpSpPr>
+      <p:sp>
+        <p:nvSpPr>
+          <p:cNvPr id="3" name="Title 2"/>
+          <p:cNvSpPr>
+            <a:spLocks noGrp="1"/>
+          </p:cNvSpPr>
+          <p:nvPr>
+            <p:ph type="title"/>
+          </p:nvPr>
+        </p:nvSpPr>
+        <p:spPr/>
+        <p:txBody>
+          <a:bodyPr/>
+          <a:lstStyle/>
+          <a:p>
+            <a:r>
+              <a:rPr lang="en-US" dirty="0"/>
+              <a:t>Performance Practices</a:t>
+            </a:r>
+          </a:p>
+        </p:txBody>
+      </p:sp>
+      <p:sp>
+        <p:nvSpPr>
+          <p:cNvPr id="4" name="Picture Placeholder 3"/>
+          <p:cNvSpPr>
+            <a:spLocks noGrp="1"/>
+          </p:cNvSpPr>
+          <p:nvPr>
+            <p:ph type="pic" sz="quarter" idx="11"/>
+          </p:nvPr>
+        </p:nvSpPr>
+        <p:spPr/>
+      </p:sp>
+      <p:sp>
+        <p:nvSpPr>
+          <p:cNvPr id="5" name="Text Placeholder 4"/>
+          <p:cNvSpPr>
+            <a:spLocks noGrp="1"/>
+          </p:cNvSpPr>
+          <p:nvPr>
+            <p:ph type="body" sz="quarter" idx="12"/>
+          </p:nvPr>
+        </p:nvSpPr>
+        <p:spPr/>
+        <p:txBody>
+          <a:bodyPr/>
+          <a:lstStyle/>
+          <a:p>
+            <a:endParaRPr lang="en-US"/>
+          </a:p>
+        </p:txBody>
+      </p:sp>
+      <p:sp>
+        <p:nvSpPr>
+          <p:cNvPr id="21" name="Text Placeholder 20"/>
+          <p:cNvSpPr>
+            <a:spLocks noGrp="1"/>
+          </p:cNvSpPr>
+          <p:nvPr>
+            <p:ph type="body" sz="quarter" idx="13"/>
+          </p:nvPr>
+        </p:nvSpPr>
+        <p:spPr/>
+        <p:txBody>
+          <a:bodyPr/>
+          <a:lstStyle/>
+          <a:p>
+            <a:endParaRPr lang="en-US" dirty="0"/>
+          </a:p>
+        </p:txBody>
+      </p:sp>
+      <p:sp>
+        <p:nvSpPr>
+          <p:cNvPr id="22" name="Text Placeholder 21"/>
+          <p:cNvSpPr>
+            <a:spLocks noGrp="1"/>
+          </p:cNvSpPr>
+          <p:nvPr>
+            <p:ph type="body" sz="quarter" idx="14"/>
+          </p:nvPr>
+        </p:nvSpPr>
+        <p:spPr/>
+        <p:txBody>
+          <a:bodyPr/>
+          <a:lstStyle/>
+          <a:p>
+            <a:endParaRPr lang="en-US"/>
+          </a:p>
+        </p:txBody>
+      </p:sp>
+      <p:sp>
+        <p:nvSpPr>
+          <p:cNvPr id="23" name="Text Placeholder 22"/>
+          <p:cNvSpPr>
+            <a:spLocks noGrp="1"/>
+          </p:cNvSpPr>
+          <p:nvPr>
+            <p:ph type="body" sz="quarter" idx="15"/>
+          </p:nvPr>
+        </p:nvSpPr>
+        <p:spPr/>
+        <p:txBody>
+          <a:bodyPr/>
+          <a:lstStyle/>
+          <a:p>
+            <a:endParaRPr lang="en-US"/>
+          </a:p>
+        </p:txBody>
+      </p:sp>
+      <p:sp>
+        <p:nvSpPr>
+          <p:cNvPr id="24" name="Text Placeholder 23"/>
+          <p:cNvSpPr>
+            <a:spLocks noGrp="1"/>
+          </p:cNvSpPr>
+          <p:nvPr>
+            <p:ph type="body" sz="quarter" idx="16"/>
+          </p:nvPr>
+        </p:nvSpPr>
+        <p:spPr/>
+        <p:txBody>
+          <a:bodyPr/>
+          <a:lstStyle/>
+          <a:p>
+            <a:endParaRPr lang="en-US"/>
+          </a:p>
+        </p:txBody>
+      </p:sp>
+      <p:sp>
+        <p:nvSpPr>
+          <p:cNvPr id="25" name="Text Placeholder 24"/>
+          <p:cNvSpPr>
+            <a:spLocks noGrp="1"/>
+          </p:cNvSpPr>
+          <p:nvPr>
+            <p:ph type="body" sz="quarter" idx="17"/>
+          </p:nvPr>
+        </p:nvSpPr>
+        <p:spPr/>
+        <p:txBody>
+          <a:bodyPr/>
+          <a:lstStyle/>
+          <a:p>
+            <a:endParaRPr lang="en-US"/>
+          </a:p>
+        </p:txBody>
+      </p:sp>
+      <p:sp>
+        <p:nvSpPr>
+          <p:cNvPr id="26" name="Text Placeholder 25"/>
+          <p:cNvSpPr>
+            <a:spLocks noGrp="1"/>
+          </p:cNvSpPr>
+          <p:nvPr>
+            <p:ph type="body" sz="quarter" idx="18"/>
+          </p:nvPr>
+        </p:nvSpPr>
+        <p:spPr/>
+        <p:txBody>
+          <a:bodyPr/>
+          <a:lstStyle/>
+          <a:p>
+            <a:endParaRPr lang="en-US"/>
+          </a:p>
+        </p:txBody>
+      </p:sp>
+      <p:sp>
+        <p:nvSpPr>
+          <p:cNvPr id="27" name="Text Placeholder 26"/>
+          <p:cNvSpPr>
+            <a:spLocks noGrp="1"/>
+          </p:cNvSpPr>
+          <p:nvPr>
+            <p:ph type="body" sz="quarter" idx="19"/>
+          </p:nvPr>
+        </p:nvSpPr>
+        <p:spPr/>
+        <p:txBody>
+          <a:bodyPr/>
+          <a:lstStyle/>
+          <a:p>
+            <a:endParaRPr lang="en-US"/>
+          </a:p>
+        </p:txBody>
+      </p:sp>
+      <p:sp>
+        <p:nvSpPr>
+          <p:cNvPr id="28" name="Text Placeholder 27"/>
+          <p:cNvSpPr>
+            <a:spLocks noGrp="1"/>
+          </p:cNvSpPr>
+          <p:nvPr>
+            <p:ph type="body" sz="quarter" idx="20"/>
+          </p:nvPr>
+        </p:nvSpPr>
+        <p:spPr/>
+        <p:txBody>
+          <a:bodyPr/>
+          <a:lstStyle/>
+          <a:p>
+            <a:endParaRPr lang="en-US"/>
+          </a:p>
+        </p:txBody>
+      </p:sp>
+      <p:sp>
+        <p:nvSpPr>
+          <p:cNvPr id="29" name="Text Placeholder 28"/>
+          <p:cNvSpPr>
+            <a:spLocks noGrp="1"/>
+          </p:cNvSpPr>
+          <p:nvPr>
+            <p:ph type="body" sz="quarter" idx="21"/>
+          </p:nvPr>
+        </p:nvSpPr>
+        <p:spPr/>
+        <p:txBody>
+          <a:bodyPr/>
+          <a:lstStyle/>
+          <a:p>
+            <a:endParaRPr lang="en-US"/>
+          </a:p>
+        </p:txBody>
+      </p:sp>
+      <p:sp>
+        <p:nvSpPr>
+          <p:cNvPr id="30" name="Text Placeholder 29"/>
+          <p:cNvSpPr>
+            <a:spLocks noGrp="1"/>
+          </p:cNvSpPr>
+          <p:nvPr>
+            <p:ph type="body" sz="quarter" idx="22"/>
+          </p:nvPr>
+        </p:nvSpPr>
+        <p:spPr/>
+        <p:txBody>
+          <a:bodyPr/>
+          <a:lstStyle/>
+          <a:p>
+            <a:endParaRPr lang="en-US"/>
+          </a:p>
+        </p:txBody>
+      </p:sp>
+      <p:sp>
+        <p:nvSpPr>
+          <p:cNvPr id="31" name="Text Placeholder 30"/>
+          <p:cNvSpPr>
+            <a:spLocks noGrp="1"/>
+          </p:cNvSpPr>
+          <p:nvPr>
+            <p:ph type="body" sz="quarter" idx="23"/>
+          </p:nvPr>
+        </p:nvSpPr>
+        <p:spPr/>
+        <p:txBody>
+          <a:bodyPr/>
+          <a:lstStyle/>
+          <a:p>
+            <a:endParaRPr lang="en-US"/>
+          </a:p>
+        </p:txBody>
+      </p:sp>
+      <p:sp>
+        <p:nvSpPr>
+          <p:cNvPr id="6" name="Slide Number Placeholder 5">
+            <a:extLst>
+              <a:ext uri="{FF2B5EF4-FFF2-40B4-BE49-F238E27FC236}">
+                <a16:creationId xmlns:a16="http://schemas.microsoft.com/office/drawing/2014/main" id="{EB11C89A-3E1B-FF47-B76F-3E8ED7756FCF}"/>
+              </a:ext>
+            </a:extLst>
+          </p:cNvPr>
+          <p:cNvSpPr>
+            <a:spLocks noGrp="1"/>
+          </p:cNvSpPr>
+          <p:nvPr>
+            <p:ph type="sldNum" sz="quarter" idx="4"/>
+          </p:nvPr>
+        </p:nvSpPr>
+        <p:spPr/>
+        <p:txBody>
+          <a:bodyPr/>
+          <a:lstStyle/>
+          <a:p>
+            <a:fld id="{3A707DD9-E92B-45E8-BE0A-E6B2EDF345EB}" type="slidenum">
+              <a:rPr lang="en-US" smtClean="0"/>
+              <a:pPr/>
+              <a:t>37</a:t>
+            </a:fld>
+            <a:endParaRPr lang="en-US" dirty="0"/>
+          </a:p>
+        </p:txBody>
+      </p:sp>
+    </p:spTree>
+    <p:extLst>
+      <p:ext uri="{BB962C8B-B14F-4D97-AF65-F5344CB8AC3E}">
+        <p14:creationId xmlns:p14="http://schemas.microsoft.com/office/powerpoint/2010/main" val="2076017499"/>
+      </p:ext>
+    </p:extLst>
+  </p:cSld>
+  <p:clrMapOvr>
+    <a:masterClrMapping/>
+  </p:clrMapOvr>
+</p:sld>
+</file>
+
+<file path=ppt/slides/slide38.xml><?xml version="1.0" encoding="utf-8"?>
+<p:sld xmlns:a="http://schemas.openxmlformats.org/drawingml/2006/main" xmlns:r="http://schemas.openxmlformats.org/officeDocument/2006/relationships" xmlns:p="http://schemas.openxmlformats.org/presentationml/2006/main">
+  <p:cSld>
+    <p:spTree>
+      <p:nvGrpSpPr>
+        <p:cNvPr id="1" name=""/>
+        <p:cNvGrpSpPr/>
+        <p:nvPr/>
+      </p:nvGrpSpPr>
+      <p:grpSpPr>
+        <a:xfrm>
+          <a:off x="0" y="0"/>
+          <a:ext cx="0" cy="0"/>
+          <a:chOff x="0" y="0"/>
+          <a:chExt cx="0" cy="0"/>
+        </a:xfrm>
+      </p:grpSpPr>
+      <p:sp>
+        <p:nvSpPr>
+          <p:cNvPr id="7" name="Title 6"/>
+          <p:cNvSpPr>
+            <a:spLocks noGrp="1"/>
+          </p:cNvSpPr>
+          <p:nvPr>
+            <p:ph type="title"/>
+          </p:nvPr>
+        </p:nvSpPr>
+        <p:spPr/>
+        <p:txBody>
+          <a:bodyPr/>
+          <a:lstStyle/>
+          <a:p>
+            <a:endParaRPr lang="en-US" dirty="0"/>
+          </a:p>
+        </p:txBody>
+      </p:sp>
+      <p:sp>
+        <p:nvSpPr>
+          <p:cNvPr id="8" name="Content Placeholder 7"/>
+          <p:cNvSpPr>
+            <a:spLocks noGrp="1"/>
+          </p:cNvSpPr>
+          <p:nvPr>
+            <p:ph sz="quarter" idx="10"/>
+          </p:nvPr>
+        </p:nvSpPr>
+        <p:spPr/>
+        <p:txBody>
+          <a:bodyPr/>
+          <a:lstStyle/>
+          <a:p>
+            <a:endParaRPr lang="en-US"/>
+          </a:p>
+        </p:txBody>
+      </p:sp>
+      <p:sp>
+        <p:nvSpPr>
+          <p:cNvPr id="9" name="Content Placeholder 8"/>
+          <p:cNvSpPr>
+            <a:spLocks noGrp="1"/>
+          </p:cNvSpPr>
+          <p:nvPr>
+            <p:ph sz="quarter" idx="11"/>
+          </p:nvPr>
+        </p:nvSpPr>
+        <p:spPr/>
+        <p:txBody>
+          <a:bodyPr/>
+          <a:lstStyle/>
+          <a:p>
+            <a:endParaRPr lang="en-US"/>
+          </a:p>
+        </p:txBody>
+      </p:sp>
+      <p:sp>
+        <p:nvSpPr>
+          <p:cNvPr id="5" name="Slide Number Placeholder 4">
+            <a:extLst>
+              <a:ext uri="{FF2B5EF4-FFF2-40B4-BE49-F238E27FC236}">
+                <a16:creationId xmlns:a16="http://schemas.microsoft.com/office/drawing/2014/main" id="{A0B887B2-5B81-1D4E-A26D-E8BF86D8C354}"/>
+              </a:ext>
+            </a:extLst>
+          </p:cNvPr>
+          <p:cNvSpPr>
+            <a:spLocks noGrp="1"/>
+          </p:cNvSpPr>
+          <p:nvPr>
+            <p:ph type="sldNum" sz="quarter" idx="4"/>
+          </p:nvPr>
+        </p:nvSpPr>
+        <p:spPr/>
+        <p:txBody>
+          <a:bodyPr/>
+          <a:lstStyle/>
+          <a:p>
+            <a:fld id="{3A707DD9-E92B-45E8-BE0A-E6B2EDF345EB}" type="slidenum">
+              <a:rPr lang="en-US" smtClean="0"/>
+              <a:pPr/>
+              <a:t>38</a:t>
+            </a:fld>
+            <a:endParaRPr lang="en-US" dirty="0"/>
+          </a:p>
+        </p:txBody>
+      </p:sp>
+    </p:spTree>
+    <p:extLst>
+      <p:ext uri="{BB962C8B-B14F-4D97-AF65-F5344CB8AC3E}">
+        <p14:creationId xmlns:p14="http://schemas.microsoft.com/office/powerpoint/2010/main" val="1741000056"/>
+      </p:ext>
+    </p:extLst>
+  </p:cSld>
+  <p:clrMapOvr>
+    <a:masterClrMapping/>
+  </p:clrMapOvr>
+</p:sld>
+</file>
+
+<file path=ppt/slides/slide39.xml><?xml version="1.0" encoding="utf-8"?>
+<p:sld xmlns:a="http://schemas.openxmlformats.org/drawingml/2006/main" xmlns:r="http://schemas.openxmlformats.org/officeDocument/2006/relationships" xmlns:p="http://schemas.openxmlformats.org/presentationml/2006/main">
+  <p:cSld>
+    <p:spTree>
+      <p:nvGrpSpPr>
+        <p:cNvPr id="1" name=""/>
+        <p:cNvGrpSpPr/>
+        <p:nvPr/>
+      </p:nvGrpSpPr>
+      <p:grpSpPr>
+        <a:xfrm>
+          <a:off x="0" y="0"/>
+          <a:ext cx="0" cy="0"/>
+          <a:chOff x="0" y="0"/>
+          <a:chExt cx="0" cy="0"/>
+        </a:xfrm>
+      </p:grpSpPr>
+      <p:sp>
+        <p:nvSpPr>
+          <p:cNvPr id="3" name="Title 2"/>
+          <p:cNvSpPr>
+            <a:spLocks noGrp="1"/>
+          </p:cNvSpPr>
+          <p:nvPr>
+            <p:ph type="title"/>
+          </p:nvPr>
+        </p:nvSpPr>
+        <p:spPr/>
+        <p:txBody>
+          <a:bodyPr/>
+          <a:lstStyle/>
+          <a:p>
+            <a:endParaRPr lang="en-US"/>
+          </a:p>
+        </p:txBody>
+      </p:sp>
+      <p:sp>
+        <p:nvSpPr>
+          <p:cNvPr id="4" name="Content Placeholder 3"/>
+          <p:cNvSpPr>
+            <a:spLocks noGrp="1"/>
+          </p:cNvSpPr>
+          <p:nvPr>
+            <p:ph sz="quarter" idx="10"/>
+          </p:nvPr>
+        </p:nvSpPr>
+        <p:spPr/>
+        <p:txBody>
+          <a:bodyPr/>
+          <a:lstStyle/>
+          <a:p>
+            <a:endParaRPr lang="en-US"/>
+          </a:p>
+        </p:txBody>
+      </p:sp>
+      <p:sp>
+        <p:nvSpPr>
+          <p:cNvPr id="9" name="Text Placeholder 8"/>
+          <p:cNvSpPr>
+            <a:spLocks noGrp="1"/>
+          </p:cNvSpPr>
+          <p:nvPr>
+            <p:ph type="body" sz="quarter" idx="11"/>
+          </p:nvPr>
+        </p:nvSpPr>
+        <p:spPr/>
+        <p:txBody>
+          <a:bodyPr/>
+          <a:lstStyle/>
+          <a:p>
+            <a:endParaRPr lang="en-US"/>
+          </a:p>
+        </p:txBody>
+      </p:sp>
+      <p:sp>
+        <p:nvSpPr>
+          <p:cNvPr id="5" name="Slide Number Placeholder 4">
+            <a:extLst>
+              <a:ext uri="{FF2B5EF4-FFF2-40B4-BE49-F238E27FC236}">
+                <a16:creationId xmlns:a16="http://schemas.microsoft.com/office/drawing/2014/main" id="{D695E08B-236F-5B4F-801C-4C75369E005C}"/>
+              </a:ext>
+            </a:extLst>
+          </p:cNvPr>
+          <p:cNvSpPr>
+            <a:spLocks noGrp="1"/>
+          </p:cNvSpPr>
+          <p:nvPr>
+            <p:ph type="sldNum" sz="quarter" idx="4"/>
+          </p:nvPr>
+        </p:nvSpPr>
+        <p:spPr/>
+        <p:txBody>
+          <a:bodyPr/>
+          <a:lstStyle/>
+          <a:p>
+            <a:fld id="{3A707DD9-E92B-45E8-BE0A-E6B2EDF345EB}" type="slidenum">
+              <a:rPr lang="en-US" smtClean="0"/>
+              <a:pPr/>
+              <a:t>39</a:t>
+            </a:fld>
+            <a:endParaRPr lang="en-US" dirty="0"/>
+          </a:p>
+        </p:txBody>
+      </p:sp>
+    </p:spTree>
+    <p:extLst>
+      <p:ext uri="{BB962C8B-B14F-4D97-AF65-F5344CB8AC3E}">
+        <p14:creationId xmlns:p14="http://schemas.microsoft.com/office/powerpoint/2010/main" val="2383520111"/>
       </p:ext>
     </p:extLst>
   </p:cSld>
@@ -25492,8 +26770,8 @@
           <a:lstStyle/>
           <a:p>
             <a:r>
-              <a:rPr lang="en-US" dirty="0"/>
-              <a:t>Performance Practices</a:t>
+              <a:rPr lang="en-US" b="1" dirty="0"/>
+              <a:t>Agenda</a:t>
             </a:r>
           </a:p>
         </p:txBody>
@@ -25510,8 +26788,8 @@
         </p:nvSpPr>
         <p:spPr>
           <a:xfrm>
-            <a:off x="357186" y="1285747"/>
-            <a:ext cx="8429627" cy="3540891"/>
+            <a:off x="357186" y="787401"/>
+            <a:ext cx="8429627" cy="4039238"/>
           </a:xfrm>
         </p:spPr>
         <p:txBody>
@@ -25651,33 +26929,6 @@
           </a:p>
           <a:p>
             <a:endParaRPr lang="en-US" dirty="0"/>
-          </a:p>
-        </p:txBody>
-      </p:sp>
-      <p:sp>
-        <p:nvSpPr>
-          <p:cNvPr id="9" name="Text Placeholder 8"/>
-          <p:cNvSpPr>
-            <a:spLocks noGrp="1"/>
-          </p:cNvSpPr>
-          <p:nvPr>
-            <p:ph type="body" sz="quarter" idx="11"/>
-          </p:nvPr>
-        </p:nvSpPr>
-        <p:spPr>
-          <a:xfrm>
-            <a:off x="357188" y="942847"/>
-            <a:ext cx="8429626" cy="342900"/>
-          </a:xfrm>
-        </p:spPr>
-        <p:txBody>
-          <a:bodyPr/>
-          <a:lstStyle/>
-          <a:p>
-            <a:r>
-              <a:rPr lang="en-US" sz="1800" dirty="0"/>
-              <a:t>Agenda</a:t>
-            </a:r>
           </a:p>
         </p:txBody>
       </p:sp>
@@ -25715,6 +26966,1433 @@
     <p:extLst>
       <p:ext uri="{BB962C8B-B14F-4D97-AF65-F5344CB8AC3E}">
         <p14:creationId xmlns:p14="http://schemas.microsoft.com/office/powerpoint/2010/main" val="1114590599"/>
+      </p:ext>
+    </p:extLst>
+  </p:cSld>
+  <p:clrMapOvr>
+    <a:masterClrMapping/>
+  </p:clrMapOvr>
+</p:sld>
+</file>
+
+<file path=ppt/slides/slide40.xml><?xml version="1.0" encoding="utf-8"?>
+<p:sld xmlns:a="http://schemas.openxmlformats.org/drawingml/2006/main" xmlns:r="http://schemas.openxmlformats.org/officeDocument/2006/relationships" xmlns:p="http://schemas.openxmlformats.org/presentationml/2006/main">
+  <p:cSld>
+    <p:spTree>
+      <p:nvGrpSpPr>
+        <p:cNvPr id="1" name=""/>
+        <p:cNvGrpSpPr/>
+        <p:nvPr/>
+      </p:nvGrpSpPr>
+      <p:grpSpPr>
+        <a:xfrm>
+          <a:off x="0" y="0"/>
+          <a:ext cx="0" cy="0"/>
+          <a:chOff x="0" y="0"/>
+          <a:chExt cx="0" cy="0"/>
+        </a:xfrm>
+      </p:grpSpPr>
+      <p:sp>
+        <p:nvSpPr>
+          <p:cNvPr id="3" name="Title 2"/>
+          <p:cNvSpPr>
+            <a:spLocks noGrp="1"/>
+          </p:cNvSpPr>
+          <p:nvPr>
+            <p:ph type="title"/>
+          </p:nvPr>
+        </p:nvSpPr>
+        <p:spPr/>
+        <p:txBody>
+          <a:bodyPr/>
+          <a:lstStyle/>
+          <a:p>
+            <a:endParaRPr lang="en-US"/>
+          </a:p>
+        </p:txBody>
+      </p:sp>
+      <p:sp>
+        <p:nvSpPr>
+          <p:cNvPr id="4" name="Content Placeholder 3"/>
+          <p:cNvSpPr>
+            <a:spLocks noGrp="1"/>
+          </p:cNvSpPr>
+          <p:nvPr>
+            <p:ph sz="quarter" idx="10"/>
+          </p:nvPr>
+        </p:nvSpPr>
+        <p:spPr/>
+        <p:txBody>
+          <a:bodyPr/>
+          <a:lstStyle/>
+          <a:p>
+            <a:endParaRPr lang="en-US"/>
+          </a:p>
+        </p:txBody>
+      </p:sp>
+      <p:sp>
+        <p:nvSpPr>
+          <p:cNvPr id="11" name="Text Placeholder 10"/>
+          <p:cNvSpPr>
+            <a:spLocks noGrp="1"/>
+          </p:cNvSpPr>
+          <p:nvPr>
+            <p:ph type="body" sz="quarter" idx="11"/>
+          </p:nvPr>
+        </p:nvSpPr>
+        <p:spPr/>
+        <p:txBody>
+          <a:bodyPr/>
+          <a:lstStyle/>
+          <a:p>
+            <a:endParaRPr lang="en-US"/>
+          </a:p>
+        </p:txBody>
+      </p:sp>
+      <p:sp>
+        <p:nvSpPr>
+          <p:cNvPr id="12" name="Content Placeholder 11"/>
+          <p:cNvSpPr>
+            <a:spLocks noGrp="1"/>
+          </p:cNvSpPr>
+          <p:nvPr>
+            <p:ph sz="quarter" idx="12"/>
+          </p:nvPr>
+        </p:nvSpPr>
+        <p:spPr/>
+        <p:txBody>
+          <a:bodyPr/>
+          <a:lstStyle/>
+          <a:p>
+            <a:endParaRPr lang="en-US"/>
+          </a:p>
+        </p:txBody>
+      </p:sp>
+      <p:sp>
+        <p:nvSpPr>
+          <p:cNvPr id="13" name="Text Placeholder 12"/>
+          <p:cNvSpPr>
+            <a:spLocks noGrp="1"/>
+          </p:cNvSpPr>
+          <p:nvPr>
+            <p:ph type="body" sz="quarter" idx="13"/>
+          </p:nvPr>
+        </p:nvSpPr>
+        <p:spPr/>
+        <p:txBody>
+          <a:bodyPr/>
+          <a:lstStyle/>
+          <a:p>
+            <a:endParaRPr lang="en-US"/>
+          </a:p>
+        </p:txBody>
+      </p:sp>
+      <p:sp>
+        <p:nvSpPr>
+          <p:cNvPr id="5" name="Slide Number Placeholder 4">
+            <a:extLst>
+              <a:ext uri="{FF2B5EF4-FFF2-40B4-BE49-F238E27FC236}">
+                <a16:creationId xmlns:a16="http://schemas.microsoft.com/office/drawing/2014/main" id="{E20845A9-188B-8049-BCF6-C7A00D112623}"/>
+              </a:ext>
+            </a:extLst>
+          </p:cNvPr>
+          <p:cNvSpPr>
+            <a:spLocks noGrp="1"/>
+          </p:cNvSpPr>
+          <p:nvPr>
+            <p:ph type="sldNum" sz="quarter" idx="4"/>
+          </p:nvPr>
+        </p:nvSpPr>
+        <p:spPr/>
+        <p:txBody>
+          <a:bodyPr/>
+          <a:lstStyle/>
+          <a:p>
+            <a:fld id="{3A707DD9-E92B-45E8-BE0A-E6B2EDF345EB}" type="slidenum">
+              <a:rPr lang="en-US" smtClean="0"/>
+              <a:pPr/>
+              <a:t>40</a:t>
+            </a:fld>
+            <a:endParaRPr lang="en-US" dirty="0"/>
+          </a:p>
+        </p:txBody>
+      </p:sp>
+    </p:spTree>
+    <p:extLst>
+      <p:ext uri="{BB962C8B-B14F-4D97-AF65-F5344CB8AC3E}">
+        <p14:creationId xmlns:p14="http://schemas.microsoft.com/office/powerpoint/2010/main" val="45426372"/>
+      </p:ext>
+    </p:extLst>
+  </p:cSld>
+  <p:clrMapOvr>
+    <a:masterClrMapping/>
+  </p:clrMapOvr>
+</p:sld>
+</file>
+
+<file path=ppt/slides/slide41.xml><?xml version="1.0" encoding="utf-8"?>
+<p:sld xmlns:a="http://schemas.openxmlformats.org/drawingml/2006/main" xmlns:r="http://schemas.openxmlformats.org/officeDocument/2006/relationships" xmlns:p="http://schemas.openxmlformats.org/presentationml/2006/main">
+  <p:cSld>
+    <p:spTree>
+      <p:nvGrpSpPr>
+        <p:cNvPr id="1" name=""/>
+        <p:cNvGrpSpPr/>
+        <p:nvPr/>
+      </p:nvGrpSpPr>
+      <p:grpSpPr>
+        <a:xfrm>
+          <a:off x="0" y="0"/>
+          <a:ext cx="0" cy="0"/>
+          <a:chOff x="0" y="0"/>
+          <a:chExt cx="0" cy="0"/>
+        </a:xfrm>
+      </p:grpSpPr>
+      <p:sp>
+        <p:nvSpPr>
+          <p:cNvPr id="3" name="Title 2"/>
+          <p:cNvSpPr>
+            <a:spLocks noGrp="1"/>
+          </p:cNvSpPr>
+          <p:nvPr>
+            <p:ph type="title"/>
+          </p:nvPr>
+        </p:nvSpPr>
+        <p:spPr/>
+        <p:txBody>
+          <a:bodyPr/>
+          <a:lstStyle/>
+          <a:p>
+            <a:endParaRPr lang="en-US"/>
+          </a:p>
+        </p:txBody>
+      </p:sp>
+      <p:sp>
+        <p:nvSpPr>
+          <p:cNvPr id="4" name="Content Placeholder 3"/>
+          <p:cNvSpPr>
+            <a:spLocks noGrp="1"/>
+          </p:cNvSpPr>
+          <p:nvPr>
+            <p:ph sz="quarter" idx="10"/>
+          </p:nvPr>
+        </p:nvSpPr>
+        <p:spPr/>
+        <p:txBody>
+          <a:bodyPr/>
+          <a:lstStyle/>
+          <a:p>
+            <a:endParaRPr lang="en-US"/>
+          </a:p>
+        </p:txBody>
+      </p:sp>
+      <p:sp>
+        <p:nvSpPr>
+          <p:cNvPr id="5" name="Picture Placeholder 4"/>
+          <p:cNvSpPr>
+            <a:spLocks noGrp="1"/>
+          </p:cNvSpPr>
+          <p:nvPr>
+            <p:ph type="pic" sz="quarter" idx="11"/>
+          </p:nvPr>
+        </p:nvSpPr>
+        <p:spPr/>
+      </p:sp>
+      <p:sp>
+        <p:nvSpPr>
+          <p:cNvPr id="7" name="Slide Number Placeholder 6">
+            <a:extLst>
+              <a:ext uri="{FF2B5EF4-FFF2-40B4-BE49-F238E27FC236}">
+                <a16:creationId xmlns:a16="http://schemas.microsoft.com/office/drawing/2014/main" id="{82727CB5-094D-B940-A7AF-F67F1ED37934}"/>
+              </a:ext>
+            </a:extLst>
+          </p:cNvPr>
+          <p:cNvSpPr>
+            <a:spLocks noGrp="1"/>
+          </p:cNvSpPr>
+          <p:nvPr>
+            <p:ph type="sldNum" sz="quarter" idx="4"/>
+          </p:nvPr>
+        </p:nvSpPr>
+        <p:spPr/>
+        <p:txBody>
+          <a:bodyPr/>
+          <a:lstStyle/>
+          <a:p>
+            <a:fld id="{3A707DD9-E92B-45E8-BE0A-E6B2EDF345EB}" type="slidenum">
+              <a:rPr lang="en-US" smtClean="0"/>
+              <a:pPr/>
+              <a:t>41</a:t>
+            </a:fld>
+            <a:endParaRPr lang="en-US" dirty="0"/>
+          </a:p>
+        </p:txBody>
+      </p:sp>
+    </p:spTree>
+    <p:extLst>
+      <p:ext uri="{BB962C8B-B14F-4D97-AF65-F5344CB8AC3E}">
+        <p14:creationId xmlns:p14="http://schemas.microsoft.com/office/powerpoint/2010/main" val="1758515591"/>
+      </p:ext>
+    </p:extLst>
+  </p:cSld>
+  <p:clrMapOvr>
+    <a:masterClrMapping/>
+  </p:clrMapOvr>
+</p:sld>
+</file>
+
+<file path=ppt/slides/slide42.xml><?xml version="1.0" encoding="utf-8"?>
+<p:sld xmlns:a="http://schemas.openxmlformats.org/drawingml/2006/main" xmlns:r="http://schemas.openxmlformats.org/officeDocument/2006/relationships" xmlns:p="http://schemas.openxmlformats.org/presentationml/2006/main">
+  <p:cSld>
+    <p:spTree>
+      <p:nvGrpSpPr>
+        <p:cNvPr id="1" name=""/>
+        <p:cNvGrpSpPr/>
+        <p:nvPr/>
+      </p:nvGrpSpPr>
+      <p:grpSpPr>
+        <a:xfrm>
+          <a:off x="0" y="0"/>
+          <a:ext cx="0" cy="0"/>
+          <a:chOff x="0" y="0"/>
+          <a:chExt cx="0" cy="0"/>
+        </a:xfrm>
+      </p:grpSpPr>
+      <p:sp>
+        <p:nvSpPr>
+          <p:cNvPr id="3" name="Title 2"/>
+          <p:cNvSpPr>
+            <a:spLocks noGrp="1"/>
+          </p:cNvSpPr>
+          <p:nvPr>
+            <p:ph type="title"/>
+          </p:nvPr>
+        </p:nvSpPr>
+        <p:spPr/>
+        <p:txBody>
+          <a:bodyPr/>
+          <a:lstStyle/>
+          <a:p>
+            <a:endParaRPr lang="en-US"/>
+          </a:p>
+        </p:txBody>
+      </p:sp>
+      <p:sp>
+        <p:nvSpPr>
+          <p:cNvPr id="4" name="Content Placeholder 3"/>
+          <p:cNvSpPr>
+            <a:spLocks noGrp="1"/>
+          </p:cNvSpPr>
+          <p:nvPr>
+            <p:ph sz="quarter" idx="10"/>
+          </p:nvPr>
+        </p:nvSpPr>
+        <p:spPr/>
+        <p:txBody>
+          <a:bodyPr/>
+          <a:lstStyle/>
+          <a:p>
+            <a:endParaRPr lang="en-US"/>
+          </a:p>
+        </p:txBody>
+      </p:sp>
+      <p:sp>
+        <p:nvSpPr>
+          <p:cNvPr id="10" name="Picture Placeholder 9"/>
+          <p:cNvSpPr>
+            <a:spLocks noGrp="1"/>
+          </p:cNvSpPr>
+          <p:nvPr>
+            <p:ph type="pic" sz="quarter" idx="11"/>
+          </p:nvPr>
+        </p:nvSpPr>
+        <p:spPr/>
+      </p:sp>
+      <p:sp>
+        <p:nvSpPr>
+          <p:cNvPr id="11" name="Text Placeholder 10"/>
+          <p:cNvSpPr>
+            <a:spLocks noGrp="1"/>
+          </p:cNvSpPr>
+          <p:nvPr>
+            <p:ph type="body" sz="quarter" idx="12"/>
+          </p:nvPr>
+        </p:nvSpPr>
+        <p:spPr/>
+        <p:txBody>
+          <a:bodyPr/>
+          <a:lstStyle/>
+          <a:p>
+            <a:endParaRPr lang="en-US"/>
+          </a:p>
+        </p:txBody>
+      </p:sp>
+      <p:sp>
+        <p:nvSpPr>
+          <p:cNvPr id="5" name="Slide Number Placeholder 4">
+            <a:extLst>
+              <a:ext uri="{FF2B5EF4-FFF2-40B4-BE49-F238E27FC236}">
+                <a16:creationId xmlns:a16="http://schemas.microsoft.com/office/drawing/2014/main" id="{67800160-BC63-054B-87DD-D877764D4BC8}"/>
+              </a:ext>
+            </a:extLst>
+          </p:cNvPr>
+          <p:cNvSpPr>
+            <a:spLocks noGrp="1"/>
+          </p:cNvSpPr>
+          <p:nvPr>
+            <p:ph type="sldNum" sz="quarter" idx="4"/>
+          </p:nvPr>
+        </p:nvSpPr>
+        <p:spPr/>
+        <p:txBody>
+          <a:bodyPr/>
+          <a:lstStyle/>
+          <a:p>
+            <a:fld id="{3A707DD9-E92B-45E8-BE0A-E6B2EDF345EB}" type="slidenum">
+              <a:rPr lang="en-US" smtClean="0"/>
+              <a:pPr/>
+              <a:t>42</a:t>
+            </a:fld>
+            <a:endParaRPr lang="en-US" dirty="0"/>
+          </a:p>
+        </p:txBody>
+      </p:sp>
+    </p:spTree>
+    <p:extLst>
+      <p:ext uri="{BB962C8B-B14F-4D97-AF65-F5344CB8AC3E}">
+        <p14:creationId xmlns:p14="http://schemas.microsoft.com/office/powerpoint/2010/main" val="3499599598"/>
+      </p:ext>
+    </p:extLst>
+  </p:cSld>
+  <p:clrMapOvr>
+    <a:masterClrMapping/>
+  </p:clrMapOvr>
+</p:sld>
+</file>
+
+<file path=ppt/slides/slide43.xml><?xml version="1.0" encoding="utf-8"?>
+<p:sld xmlns:a="http://schemas.openxmlformats.org/drawingml/2006/main" xmlns:r="http://schemas.openxmlformats.org/officeDocument/2006/relationships" xmlns:p="http://schemas.openxmlformats.org/presentationml/2006/main">
+  <p:cSld>
+    <p:spTree>
+      <p:nvGrpSpPr>
+        <p:cNvPr id="1" name=""/>
+        <p:cNvGrpSpPr/>
+        <p:nvPr/>
+      </p:nvGrpSpPr>
+      <p:grpSpPr>
+        <a:xfrm>
+          <a:off x="0" y="0"/>
+          <a:ext cx="0" cy="0"/>
+          <a:chOff x="0" y="0"/>
+          <a:chExt cx="0" cy="0"/>
+        </a:xfrm>
+      </p:grpSpPr>
+      <p:sp>
+        <p:nvSpPr>
+          <p:cNvPr id="3" name="Title 2"/>
+          <p:cNvSpPr>
+            <a:spLocks noGrp="1"/>
+          </p:cNvSpPr>
+          <p:nvPr>
+            <p:ph type="title"/>
+          </p:nvPr>
+        </p:nvSpPr>
+        <p:spPr/>
+        <p:txBody>
+          <a:bodyPr/>
+          <a:lstStyle/>
+          <a:p>
+            <a:endParaRPr lang="en-US"/>
+          </a:p>
+        </p:txBody>
+      </p:sp>
+      <p:sp>
+        <p:nvSpPr>
+          <p:cNvPr id="4" name="Picture Placeholder 3"/>
+          <p:cNvSpPr>
+            <a:spLocks noGrp="1"/>
+          </p:cNvSpPr>
+          <p:nvPr>
+            <p:ph type="pic" sz="quarter" idx="11"/>
+          </p:nvPr>
+        </p:nvSpPr>
+        <p:spPr/>
+      </p:sp>
+      <p:sp>
+        <p:nvSpPr>
+          <p:cNvPr id="5" name="Text Placeholder 4"/>
+          <p:cNvSpPr>
+            <a:spLocks noGrp="1"/>
+          </p:cNvSpPr>
+          <p:nvPr>
+            <p:ph type="body" sz="quarter" idx="12"/>
+          </p:nvPr>
+        </p:nvSpPr>
+        <p:spPr/>
+        <p:txBody>
+          <a:bodyPr/>
+          <a:lstStyle/>
+          <a:p>
+            <a:endParaRPr lang="en-US"/>
+          </a:p>
+        </p:txBody>
+      </p:sp>
+      <p:sp>
+        <p:nvSpPr>
+          <p:cNvPr id="21" name="Text Placeholder 20"/>
+          <p:cNvSpPr>
+            <a:spLocks noGrp="1"/>
+          </p:cNvSpPr>
+          <p:nvPr>
+            <p:ph type="body" sz="quarter" idx="13"/>
+          </p:nvPr>
+        </p:nvSpPr>
+        <p:spPr/>
+        <p:txBody>
+          <a:bodyPr/>
+          <a:lstStyle/>
+          <a:p>
+            <a:endParaRPr lang="en-US"/>
+          </a:p>
+        </p:txBody>
+      </p:sp>
+      <p:sp>
+        <p:nvSpPr>
+          <p:cNvPr id="22" name="Text Placeholder 21"/>
+          <p:cNvSpPr>
+            <a:spLocks noGrp="1"/>
+          </p:cNvSpPr>
+          <p:nvPr>
+            <p:ph type="body" sz="quarter" idx="14"/>
+          </p:nvPr>
+        </p:nvSpPr>
+        <p:spPr/>
+        <p:txBody>
+          <a:bodyPr/>
+          <a:lstStyle/>
+          <a:p>
+            <a:endParaRPr lang="en-US"/>
+          </a:p>
+        </p:txBody>
+      </p:sp>
+      <p:sp>
+        <p:nvSpPr>
+          <p:cNvPr id="23" name="Text Placeholder 22"/>
+          <p:cNvSpPr>
+            <a:spLocks noGrp="1"/>
+          </p:cNvSpPr>
+          <p:nvPr>
+            <p:ph type="body" sz="quarter" idx="15"/>
+          </p:nvPr>
+        </p:nvSpPr>
+        <p:spPr/>
+        <p:txBody>
+          <a:bodyPr/>
+          <a:lstStyle/>
+          <a:p>
+            <a:endParaRPr lang="en-US"/>
+          </a:p>
+        </p:txBody>
+      </p:sp>
+      <p:sp>
+        <p:nvSpPr>
+          <p:cNvPr id="24" name="Text Placeholder 23"/>
+          <p:cNvSpPr>
+            <a:spLocks noGrp="1"/>
+          </p:cNvSpPr>
+          <p:nvPr>
+            <p:ph type="body" sz="quarter" idx="16"/>
+          </p:nvPr>
+        </p:nvSpPr>
+        <p:spPr/>
+        <p:txBody>
+          <a:bodyPr/>
+          <a:lstStyle/>
+          <a:p>
+            <a:endParaRPr lang="en-US"/>
+          </a:p>
+        </p:txBody>
+      </p:sp>
+      <p:sp>
+        <p:nvSpPr>
+          <p:cNvPr id="25" name="Text Placeholder 24"/>
+          <p:cNvSpPr>
+            <a:spLocks noGrp="1"/>
+          </p:cNvSpPr>
+          <p:nvPr>
+            <p:ph type="body" sz="quarter" idx="17"/>
+          </p:nvPr>
+        </p:nvSpPr>
+        <p:spPr/>
+        <p:txBody>
+          <a:bodyPr/>
+          <a:lstStyle/>
+          <a:p>
+            <a:endParaRPr lang="en-US"/>
+          </a:p>
+        </p:txBody>
+      </p:sp>
+      <p:sp>
+        <p:nvSpPr>
+          <p:cNvPr id="26" name="Text Placeholder 25"/>
+          <p:cNvSpPr>
+            <a:spLocks noGrp="1"/>
+          </p:cNvSpPr>
+          <p:nvPr>
+            <p:ph type="body" sz="quarter" idx="18"/>
+          </p:nvPr>
+        </p:nvSpPr>
+        <p:spPr/>
+        <p:txBody>
+          <a:bodyPr/>
+          <a:lstStyle/>
+          <a:p>
+            <a:endParaRPr lang="en-US"/>
+          </a:p>
+        </p:txBody>
+      </p:sp>
+      <p:sp>
+        <p:nvSpPr>
+          <p:cNvPr id="27" name="Text Placeholder 26"/>
+          <p:cNvSpPr>
+            <a:spLocks noGrp="1"/>
+          </p:cNvSpPr>
+          <p:nvPr>
+            <p:ph type="body" sz="quarter" idx="19"/>
+          </p:nvPr>
+        </p:nvSpPr>
+        <p:spPr/>
+        <p:txBody>
+          <a:bodyPr/>
+          <a:lstStyle/>
+          <a:p>
+            <a:endParaRPr lang="en-US"/>
+          </a:p>
+        </p:txBody>
+      </p:sp>
+      <p:sp>
+        <p:nvSpPr>
+          <p:cNvPr id="28" name="Text Placeholder 27"/>
+          <p:cNvSpPr>
+            <a:spLocks noGrp="1"/>
+          </p:cNvSpPr>
+          <p:nvPr>
+            <p:ph type="body" sz="quarter" idx="20"/>
+          </p:nvPr>
+        </p:nvSpPr>
+        <p:spPr/>
+        <p:txBody>
+          <a:bodyPr/>
+          <a:lstStyle/>
+          <a:p>
+            <a:endParaRPr lang="en-US"/>
+          </a:p>
+        </p:txBody>
+      </p:sp>
+      <p:sp>
+        <p:nvSpPr>
+          <p:cNvPr id="29" name="Text Placeholder 28"/>
+          <p:cNvSpPr>
+            <a:spLocks noGrp="1"/>
+          </p:cNvSpPr>
+          <p:nvPr>
+            <p:ph type="body" sz="quarter" idx="21"/>
+          </p:nvPr>
+        </p:nvSpPr>
+        <p:spPr/>
+        <p:txBody>
+          <a:bodyPr/>
+          <a:lstStyle/>
+          <a:p>
+            <a:endParaRPr lang="en-US"/>
+          </a:p>
+        </p:txBody>
+      </p:sp>
+      <p:sp>
+        <p:nvSpPr>
+          <p:cNvPr id="30" name="Text Placeholder 29"/>
+          <p:cNvSpPr>
+            <a:spLocks noGrp="1"/>
+          </p:cNvSpPr>
+          <p:nvPr>
+            <p:ph type="body" sz="quarter" idx="22"/>
+          </p:nvPr>
+        </p:nvSpPr>
+        <p:spPr/>
+        <p:txBody>
+          <a:bodyPr/>
+          <a:lstStyle/>
+          <a:p>
+            <a:endParaRPr lang="en-US"/>
+          </a:p>
+        </p:txBody>
+      </p:sp>
+      <p:sp>
+        <p:nvSpPr>
+          <p:cNvPr id="31" name="Text Placeholder 30"/>
+          <p:cNvSpPr>
+            <a:spLocks noGrp="1"/>
+          </p:cNvSpPr>
+          <p:nvPr>
+            <p:ph type="body" sz="quarter" idx="23"/>
+          </p:nvPr>
+        </p:nvSpPr>
+        <p:spPr/>
+        <p:txBody>
+          <a:bodyPr/>
+          <a:lstStyle/>
+          <a:p>
+            <a:endParaRPr lang="en-US"/>
+          </a:p>
+        </p:txBody>
+      </p:sp>
+      <p:sp>
+        <p:nvSpPr>
+          <p:cNvPr id="6" name="Slide Number Placeholder 5">
+            <a:extLst>
+              <a:ext uri="{FF2B5EF4-FFF2-40B4-BE49-F238E27FC236}">
+                <a16:creationId xmlns:a16="http://schemas.microsoft.com/office/drawing/2014/main" id="{EB11C89A-3E1B-FF47-B76F-3E8ED7756FCF}"/>
+              </a:ext>
+            </a:extLst>
+          </p:cNvPr>
+          <p:cNvSpPr>
+            <a:spLocks noGrp="1"/>
+          </p:cNvSpPr>
+          <p:nvPr>
+            <p:ph type="sldNum" sz="quarter" idx="4"/>
+          </p:nvPr>
+        </p:nvSpPr>
+        <p:spPr/>
+        <p:txBody>
+          <a:bodyPr/>
+          <a:lstStyle/>
+          <a:p>
+            <a:fld id="{3A707DD9-E92B-45E8-BE0A-E6B2EDF345EB}" type="slidenum">
+              <a:rPr lang="en-US" smtClean="0"/>
+              <a:pPr/>
+              <a:t>43</a:t>
+            </a:fld>
+            <a:endParaRPr lang="en-US" dirty="0"/>
+          </a:p>
+        </p:txBody>
+      </p:sp>
+    </p:spTree>
+    <p:extLst>
+      <p:ext uri="{BB962C8B-B14F-4D97-AF65-F5344CB8AC3E}">
+        <p14:creationId xmlns:p14="http://schemas.microsoft.com/office/powerpoint/2010/main" val="3568211985"/>
+      </p:ext>
+    </p:extLst>
+  </p:cSld>
+  <p:clrMapOvr>
+    <a:masterClrMapping/>
+  </p:clrMapOvr>
+</p:sld>
+</file>
+
+<file path=ppt/slides/slide44.xml><?xml version="1.0" encoding="utf-8"?>
+<p:sld xmlns:a="http://schemas.openxmlformats.org/drawingml/2006/main" xmlns:r="http://schemas.openxmlformats.org/officeDocument/2006/relationships" xmlns:p="http://schemas.openxmlformats.org/presentationml/2006/main">
+  <p:cSld>
+    <p:spTree>
+      <p:nvGrpSpPr>
+        <p:cNvPr id="1" name=""/>
+        <p:cNvGrpSpPr/>
+        <p:nvPr/>
+      </p:nvGrpSpPr>
+      <p:grpSpPr>
+        <a:xfrm>
+          <a:off x="0" y="0"/>
+          <a:ext cx="0" cy="0"/>
+          <a:chOff x="0" y="0"/>
+          <a:chExt cx="0" cy="0"/>
+        </a:xfrm>
+      </p:grpSpPr>
+      <p:sp>
+        <p:nvSpPr>
+          <p:cNvPr id="3" name="Content Placeholder 2"/>
+          <p:cNvSpPr>
+            <a:spLocks noGrp="1"/>
+          </p:cNvSpPr>
+          <p:nvPr>
+            <p:ph sz="quarter" idx="10"/>
+          </p:nvPr>
+        </p:nvSpPr>
+        <p:spPr/>
+        <p:txBody>
+          <a:bodyPr/>
+          <a:lstStyle/>
+          <a:p>
+            <a:endParaRPr lang="en-US"/>
+          </a:p>
+        </p:txBody>
+      </p:sp>
+      <p:sp>
+        <p:nvSpPr>
+          <p:cNvPr id="4" name="Text Placeholder 3"/>
+          <p:cNvSpPr>
+            <a:spLocks noGrp="1"/>
+          </p:cNvSpPr>
+          <p:nvPr>
+            <p:ph type="body" sz="quarter" idx="12"/>
+          </p:nvPr>
+        </p:nvSpPr>
+        <p:spPr/>
+        <p:txBody>
+          <a:bodyPr/>
+          <a:lstStyle/>
+          <a:p>
+            <a:endParaRPr lang="en-US"/>
+          </a:p>
+        </p:txBody>
+      </p:sp>
+      <p:sp>
+        <p:nvSpPr>
+          <p:cNvPr id="16" name="Slide Number Placeholder 15">
+            <a:extLst>
+              <a:ext uri="{FF2B5EF4-FFF2-40B4-BE49-F238E27FC236}">
+                <a16:creationId xmlns:a16="http://schemas.microsoft.com/office/drawing/2014/main" id="{4EC5A070-E99C-6143-B73A-CC95BE86F528}"/>
+              </a:ext>
+            </a:extLst>
+          </p:cNvPr>
+          <p:cNvSpPr>
+            <a:spLocks noGrp="1"/>
+          </p:cNvSpPr>
+          <p:nvPr>
+            <p:ph type="sldNum" sz="quarter" idx="4"/>
+          </p:nvPr>
+        </p:nvSpPr>
+        <p:spPr/>
+        <p:txBody>
+          <a:bodyPr/>
+          <a:lstStyle/>
+          <a:p>
+            <a:fld id="{3A707DD9-E92B-45E8-BE0A-E6B2EDF345EB}" type="slidenum">
+              <a:rPr lang="en-US" smtClean="0"/>
+              <a:pPr/>
+              <a:t>44</a:t>
+            </a:fld>
+            <a:endParaRPr lang="en-US" dirty="0"/>
+          </a:p>
+        </p:txBody>
+      </p:sp>
+      <p:sp>
+        <p:nvSpPr>
+          <p:cNvPr id="6" name="Text Placeholder 5"/>
+          <p:cNvSpPr>
+            <a:spLocks noGrp="1"/>
+          </p:cNvSpPr>
+          <p:nvPr>
+            <p:ph type="body" sz="quarter" idx="15"/>
+          </p:nvPr>
+        </p:nvSpPr>
+        <p:spPr/>
+        <p:txBody>
+          <a:bodyPr/>
+          <a:lstStyle/>
+          <a:p>
+            <a:endParaRPr lang="en-US"/>
+          </a:p>
+        </p:txBody>
+      </p:sp>
+      <p:sp>
+        <p:nvSpPr>
+          <p:cNvPr id="5" name="Picture Placeholder 4"/>
+          <p:cNvSpPr>
+            <a:spLocks noGrp="1"/>
+          </p:cNvSpPr>
+          <p:nvPr>
+            <p:ph type="pic" sz="quarter" idx="14"/>
+          </p:nvPr>
+        </p:nvSpPr>
+        <p:spPr/>
+      </p:sp>
+    </p:spTree>
+    <p:extLst>
+      <p:ext uri="{BB962C8B-B14F-4D97-AF65-F5344CB8AC3E}">
+        <p14:creationId xmlns:p14="http://schemas.microsoft.com/office/powerpoint/2010/main" val="3023122545"/>
+      </p:ext>
+    </p:extLst>
+  </p:cSld>
+  <p:clrMapOvr>
+    <a:masterClrMapping/>
+  </p:clrMapOvr>
+</p:sld>
+</file>
+
+<file path=ppt/slides/slide45.xml><?xml version="1.0" encoding="utf-8"?>
+<p:sld xmlns:a="http://schemas.openxmlformats.org/drawingml/2006/main" xmlns:r="http://schemas.openxmlformats.org/officeDocument/2006/relationships" xmlns:p="http://schemas.openxmlformats.org/presentationml/2006/main">
+  <p:cSld>
+    <p:spTree>
+      <p:nvGrpSpPr>
+        <p:cNvPr id="1" name=""/>
+        <p:cNvGrpSpPr/>
+        <p:nvPr/>
+      </p:nvGrpSpPr>
+      <p:grpSpPr>
+        <a:xfrm>
+          <a:off x="0" y="0"/>
+          <a:ext cx="0" cy="0"/>
+          <a:chOff x="0" y="0"/>
+          <a:chExt cx="0" cy="0"/>
+        </a:xfrm>
+      </p:grpSpPr>
+      <p:sp>
+        <p:nvSpPr>
+          <p:cNvPr id="3" name="Content Placeholder 2"/>
+          <p:cNvSpPr>
+            <a:spLocks noGrp="1"/>
+          </p:cNvSpPr>
+          <p:nvPr>
+            <p:ph sz="quarter" idx="12"/>
+          </p:nvPr>
+        </p:nvSpPr>
+        <p:spPr/>
+        <p:txBody>
+          <a:bodyPr/>
+          <a:lstStyle/>
+          <a:p>
+            <a:endParaRPr lang="en-US"/>
+          </a:p>
+        </p:txBody>
+      </p:sp>
+      <p:sp>
+        <p:nvSpPr>
+          <p:cNvPr id="5" name="Text Placeholder 4"/>
+          <p:cNvSpPr>
+            <a:spLocks noGrp="1"/>
+          </p:cNvSpPr>
+          <p:nvPr>
+            <p:ph type="body" sz="quarter" idx="13"/>
+          </p:nvPr>
+        </p:nvSpPr>
+        <p:spPr/>
+        <p:txBody>
+          <a:bodyPr/>
+          <a:lstStyle/>
+          <a:p>
+            <a:endParaRPr lang="en-US"/>
+          </a:p>
+        </p:txBody>
+      </p:sp>
+      <p:sp>
+        <p:nvSpPr>
+          <p:cNvPr id="6" name="Picture Placeholder 5"/>
+          <p:cNvSpPr>
+            <a:spLocks noGrp="1"/>
+          </p:cNvSpPr>
+          <p:nvPr>
+            <p:ph type="pic" sz="quarter" idx="14"/>
+          </p:nvPr>
+        </p:nvSpPr>
+        <p:spPr/>
+      </p:sp>
+      <p:sp>
+        <p:nvSpPr>
+          <p:cNvPr id="11" name="Text Placeholder 10"/>
+          <p:cNvSpPr>
+            <a:spLocks noGrp="1"/>
+          </p:cNvSpPr>
+          <p:nvPr>
+            <p:ph type="body" sz="quarter" idx="15"/>
+          </p:nvPr>
+        </p:nvSpPr>
+        <p:spPr/>
+        <p:txBody>
+          <a:bodyPr/>
+          <a:lstStyle/>
+          <a:p>
+            <a:endParaRPr lang="en-US"/>
+          </a:p>
+        </p:txBody>
+      </p:sp>
+      <p:sp>
+        <p:nvSpPr>
+          <p:cNvPr id="4" name="Slide Number Placeholder 3">
+            <a:extLst>
+              <a:ext uri="{FF2B5EF4-FFF2-40B4-BE49-F238E27FC236}">
+                <a16:creationId xmlns:a16="http://schemas.microsoft.com/office/drawing/2014/main" id="{CAD771C0-F829-7149-B81C-0B9C21F15936}"/>
+              </a:ext>
+            </a:extLst>
+          </p:cNvPr>
+          <p:cNvSpPr>
+            <a:spLocks noGrp="1"/>
+          </p:cNvSpPr>
+          <p:nvPr>
+            <p:ph type="sldNum" sz="quarter" idx="4"/>
+          </p:nvPr>
+        </p:nvSpPr>
+        <p:spPr/>
+        <p:txBody>
+          <a:bodyPr/>
+          <a:lstStyle/>
+          <a:p>
+            <a:fld id="{3A707DD9-E92B-45E8-BE0A-E6B2EDF345EB}" type="slidenum">
+              <a:rPr lang="en-US" smtClean="0"/>
+              <a:pPr/>
+              <a:t>45</a:t>
+            </a:fld>
+            <a:endParaRPr lang="en-US" dirty="0"/>
+          </a:p>
+        </p:txBody>
+      </p:sp>
+    </p:spTree>
+    <p:extLst>
+      <p:ext uri="{BB962C8B-B14F-4D97-AF65-F5344CB8AC3E}">
+        <p14:creationId xmlns:p14="http://schemas.microsoft.com/office/powerpoint/2010/main" val="972541921"/>
+      </p:ext>
+    </p:extLst>
+  </p:cSld>
+  <p:clrMapOvr>
+    <a:masterClrMapping/>
+  </p:clrMapOvr>
+</p:sld>
+</file>
+
+<file path=ppt/slides/slide46.xml><?xml version="1.0" encoding="utf-8"?>
+<p:sld xmlns:a="http://schemas.openxmlformats.org/drawingml/2006/main" xmlns:r="http://schemas.openxmlformats.org/officeDocument/2006/relationships" xmlns:p="http://schemas.openxmlformats.org/presentationml/2006/main">
+  <p:cSld>
+    <p:spTree>
+      <p:nvGrpSpPr>
+        <p:cNvPr id="1" name=""/>
+        <p:cNvGrpSpPr/>
+        <p:nvPr/>
+      </p:nvGrpSpPr>
+      <p:grpSpPr>
+        <a:xfrm>
+          <a:off x="0" y="0"/>
+          <a:ext cx="0" cy="0"/>
+          <a:chOff x="0" y="0"/>
+          <a:chExt cx="0" cy="0"/>
+        </a:xfrm>
+      </p:grpSpPr>
+      <p:sp>
+        <p:nvSpPr>
+          <p:cNvPr id="3" name="Title 2"/>
+          <p:cNvSpPr>
+            <a:spLocks noGrp="1"/>
+          </p:cNvSpPr>
+          <p:nvPr>
+            <p:ph type="title"/>
+          </p:nvPr>
+        </p:nvSpPr>
+        <p:spPr/>
+        <p:txBody>
+          <a:bodyPr/>
+          <a:lstStyle/>
+          <a:p>
+            <a:endParaRPr lang="en-US"/>
+          </a:p>
+        </p:txBody>
+      </p:sp>
+      <p:sp>
+        <p:nvSpPr>
+          <p:cNvPr id="4" name="Content Placeholder 3"/>
+          <p:cNvSpPr>
+            <a:spLocks noGrp="1"/>
+          </p:cNvSpPr>
+          <p:nvPr>
+            <p:ph sz="quarter" idx="10"/>
+          </p:nvPr>
+        </p:nvSpPr>
+        <p:spPr/>
+        <p:txBody>
+          <a:bodyPr/>
+          <a:lstStyle/>
+          <a:p>
+            <a:endParaRPr lang="en-US"/>
+          </a:p>
+        </p:txBody>
+      </p:sp>
+      <p:sp>
+        <p:nvSpPr>
+          <p:cNvPr id="6" name="Slide Number Placeholder 5">
+            <a:extLst>
+              <a:ext uri="{FF2B5EF4-FFF2-40B4-BE49-F238E27FC236}">
+                <a16:creationId xmlns:a16="http://schemas.microsoft.com/office/drawing/2014/main" id="{FCA44C15-9EEF-5141-AFEA-8C8C2A1AEB36}"/>
+              </a:ext>
+            </a:extLst>
+          </p:cNvPr>
+          <p:cNvSpPr>
+            <a:spLocks noGrp="1"/>
+          </p:cNvSpPr>
+          <p:nvPr>
+            <p:ph type="sldNum" sz="quarter" idx="4"/>
+          </p:nvPr>
+        </p:nvSpPr>
+        <p:spPr/>
+        <p:txBody>
+          <a:bodyPr/>
+          <a:lstStyle/>
+          <a:p>
+            <a:fld id="{3A707DD9-E92B-45E8-BE0A-E6B2EDF345EB}" type="slidenum">
+              <a:rPr lang="en-US" smtClean="0"/>
+              <a:pPr/>
+              <a:t>46</a:t>
+            </a:fld>
+            <a:endParaRPr lang="en-US" dirty="0"/>
+          </a:p>
+        </p:txBody>
+      </p:sp>
+    </p:spTree>
+    <p:extLst>
+      <p:ext uri="{BB962C8B-B14F-4D97-AF65-F5344CB8AC3E}">
+        <p14:creationId xmlns:p14="http://schemas.microsoft.com/office/powerpoint/2010/main" val="3401797348"/>
+      </p:ext>
+    </p:extLst>
+  </p:cSld>
+  <p:clrMapOvr>
+    <a:masterClrMapping/>
+  </p:clrMapOvr>
+</p:sld>
+</file>
+
+<file path=ppt/slides/slide47.xml><?xml version="1.0" encoding="utf-8"?>
+<p:sld xmlns:a="http://schemas.openxmlformats.org/drawingml/2006/main" xmlns:r="http://schemas.openxmlformats.org/officeDocument/2006/relationships" xmlns:p="http://schemas.openxmlformats.org/presentationml/2006/main">
+  <p:cSld>
+    <p:spTree>
+      <p:nvGrpSpPr>
+        <p:cNvPr id="1" name=""/>
+        <p:cNvGrpSpPr/>
+        <p:nvPr/>
+      </p:nvGrpSpPr>
+      <p:grpSpPr>
+        <a:xfrm>
+          <a:off x="0" y="0"/>
+          <a:ext cx="0" cy="0"/>
+          <a:chOff x="0" y="0"/>
+          <a:chExt cx="0" cy="0"/>
+        </a:xfrm>
+      </p:grpSpPr>
+      <p:sp>
+        <p:nvSpPr>
+          <p:cNvPr id="6" name="Title 5"/>
+          <p:cNvSpPr>
+            <a:spLocks noGrp="1"/>
+          </p:cNvSpPr>
+          <p:nvPr>
+            <p:ph type="title"/>
+          </p:nvPr>
+        </p:nvSpPr>
+        <p:spPr/>
+        <p:txBody>
+          <a:bodyPr/>
+          <a:lstStyle/>
+          <a:p>
+            <a:endParaRPr lang="en-US"/>
+          </a:p>
+        </p:txBody>
+      </p:sp>
+      <p:sp>
+        <p:nvSpPr>
+          <p:cNvPr id="7" name="Text Placeholder 6"/>
+          <p:cNvSpPr>
+            <a:spLocks noGrp="1"/>
+          </p:cNvSpPr>
+          <p:nvPr>
+            <p:ph type="body" sz="quarter" idx="11"/>
+          </p:nvPr>
+        </p:nvSpPr>
+        <p:spPr/>
+        <p:txBody>
+          <a:bodyPr/>
+          <a:lstStyle/>
+          <a:p>
+            <a:endParaRPr lang="en-US"/>
+          </a:p>
+        </p:txBody>
+      </p:sp>
+      <p:sp>
+        <p:nvSpPr>
+          <p:cNvPr id="8" name="Picture Placeholder 7"/>
+          <p:cNvSpPr>
+            <a:spLocks noGrp="1"/>
+          </p:cNvSpPr>
+          <p:nvPr>
+            <p:ph type="pic" sz="quarter" idx="12"/>
+          </p:nvPr>
+        </p:nvSpPr>
+        <p:spPr/>
+      </p:sp>
+      <p:sp>
+        <p:nvSpPr>
+          <p:cNvPr id="9" name="Text Placeholder 8"/>
+          <p:cNvSpPr>
+            <a:spLocks noGrp="1"/>
+          </p:cNvSpPr>
+          <p:nvPr>
+            <p:ph type="body" sz="quarter" idx="13"/>
+          </p:nvPr>
+        </p:nvSpPr>
+        <p:spPr/>
+        <p:txBody>
+          <a:bodyPr/>
+          <a:lstStyle/>
+          <a:p>
+            <a:endParaRPr lang="en-US"/>
+          </a:p>
+        </p:txBody>
+      </p:sp>
+    </p:spTree>
+    <p:extLst>
+      <p:ext uri="{BB962C8B-B14F-4D97-AF65-F5344CB8AC3E}">
+        <p14:creationId xmlns:p14="http://schemas.microsoft.com/office/powerpoint/2010/main" val="2625936162"/>
+      </p:ext>
+    </p:extLst>
+  </p:cSld>
+  <p:clrMapOvr>
+    <a:masterClrMapping/>
+  </p:clrMapOvr>
+</p:sld>
+</file>
+
+<file path=ppt/slides/slide48.xml><?xml version="1.0" encoding="utf-8"?>
+<p:sld xmlns:a="http://schemas.openxmlformats.org/drawingml/2006/main" xmlns:r="http://schemas.openxmlformats.org/officeDocument/2006/relationships" xmlns:p="http://schemas.openxmlformats.org/presentationml/2006/main">
+  <p:cSld>
+    <p:spTree>
+      <p:nvGrpSpPr>
+        <p:cNvPr id="1" name=""/>
+        <p:cNvGrpSpPr/>
+        <p:nvPr/>
+      </p:nvGrpSpPr>
+      <p:grpSpPr>
+        <a:xfrm>
+          <a:off x="0" y="0"/>
+          <a:ext cx="0" cy="0"/>
+          <a:chOff x="0" y="0"/>
+          <a:chExt cx="0" cy="0"/>
+        </a:xfrm>
+      </p:grpSpPr>
+      <p:sp>
+        <p:nvSpPr>
+          <p:cNvPr id="7" name="Content Placeholder 6"/>
+          <p:cNvSpPr>
+            <a:spLocks noGrp="1"/>
+          </p:cNvSpPr>
+          <p:nvPr>
+            <p:ph sz="quarter" idx="16"/>
+          </p:nvPr>
+        </p:nvSpPr>
+        <p:spPr/>
+        <p:txBody>
+          <a:bodyPr/>
+          <a:lstStyle/>
+          <a:p>
+            <a:endParaRPr lang="en-US"/>
+          </a:p>
+        </p:txBody>
+      </p:sp>
+      <p:sp>
+        <p:nvSpPr>
+          <p:cNvPr id="5" name="Text Placeholder 4"/>
+          <p:cNvSpPr>
+            <a:spLocks noGrp="1"/>
+          </p:cNvSpPr>
+          <p:nvPr>
+            <p:ph type="body" sz="quarter" idx="11"/>
+          </p:nvPr>
+        </p:nvSpPr>
+        <p:spPr/>
+        <p:txBody>
+          <a:bodyPr/>
+          <a:lstStyle/>
+          <a:p>
+            <a:endParaRPr lang="en-US"/>
+          </a:p>
+        </p:txBody>
+      </p:sp>
+      <p:sp>
+        <p:nvSpPr>
+          <p:cNvPr id="3" name="Text Placeholder 2"/>
+          <p:cNvSpPr>
+            <a:spLocks noGrp="1"/>
+          </p:cNvSpPr>
+          <p:nvPr>
+            <p:ph type="body" sz="quarter" idx="10"/>
+          </p:nvPr>
+        </p:nvSpPr>
+        <p:spPr/>
+        <p:txBody>
+          <a:bodyPr/>
+          <a:lstStyle/>
+          <a:p>
+            <a:endParaRPr lang="en-US"/>
+          </a:p>
+        </p:txBody>
+      </p:sp>
+      <p:sp>
+        <p:nvSpPr>
+          <p:cNvPr id="6" name="Text Placeholder 5"/>
+          <p:cNvSpPr>
+            <a:spLocks noGrp="1"/>
+          </p:cNvSpPr>
+          <p:nvPr>
+            <p:ph type="body" sz="quarter" idx="12"/>
+          </p:nvPr>
+        </p:nvSpPr>
+        <p:spPr/>
+        <p:txBody>
+          <a:bodyPr/>
+          <a:lstStyle/>
+          <a:p>
+            <a:endParaRPr lang="en-US"/>
+          </a:p>
+        </p:txBody>
+      </p:sp>
+      <p:sp>
+        <p:nvSpPr>
+          <p:cNvPr id="4" name="Slide Number Placeholder 3">
+            <a:extLst>
+              <a:ext uri="{FF2B5EF4-FFF2-40B4-BE49-F238E27FC236}">
+                <a16:creationId xmlns:a16="http://schemas.microsoft.com/office/drawing/2014/main" id="{5CAD3D4B-614D-8845-BDC7-BFBDEFC5BEC3}"/>
+              </a:ext>
+            </a:extLst>
+          </p:cNvPr>
+          <p:cNvSpPr>
+            <a:spLocks noGrp="1"/>
+          </p:cNvSpPr>
+          <p:nvPr>
+            <p:ph type="sldNum" sz="quarter" idx="4"/>
+          </p:nvPr>
+        </p:nvSpPr>
+        <p:spPr/>
+        <p:txBody>
+          <a:bodyPr/>
+          <a:lstStyle/>
+          <a:p>
+            <a:fld id="{3A707DD9-E92B-45E8-BE0A-E6B2EDF345EB}" type="slidenum">
+              <a:rPr lang="en-US" smtClean="0"/>
+              <a:pPr/>
+              <a:t>48</a:t>
+            </a:fld>
+            <a:endParaRPr lang="en-US" dirty="0"/>
+          </a:p>
+        </p:txBody>
+      </p:sp>
+      <p:sp>
+        <p:nvSpPr>
+          <p:cNvPr id="8" name="Content Placeholder 7"/>
+          <p:cNvSpPr>
+            <a:spLocks noGrp="1"/>
+          </p:cNvSpPr>
+          <p:nvPr>
+            <p:ph sz="quarter" idx="17"/>
+          </p:nvPr>
+        </p:nvSpPr>
+        <p:spPr/>
+        <p:txBody>
+          <a:bodyPr/>
+          <a:lstStyle/>
+          <a:p>
+            <a:endParaRPr lang="en-US"/>
+          </a:p>
+        </p:txBody>
+      </p:sp>
+      <p:sp>
+        <p:nvSpPr>
+          <p:cNvPr id="9" name="Content Placeholder 8"/>
+          <p:cNvSpPr>
+            <a:spLocks noGrp="1"/>
+          </p:cNvSpPr>
+          <p:nvPr>
+            <p:ph sz="quarter" idx="18"/>
+          </p:nvPr>
+        </p:nvSpPr>
+        <p:spPr/>
+        <p:txBody>
+          <a:bodyPr/>
+          <a:lstStyle/>
+          <a:p>
+            <a:endParaRPr lang="en-US"/>
+          </a:p>
+        </p:txBody>
+      </p:sp>
+    </p:spTree>
+    <p:extLst>
+      <p:ext uri="{BB962C8B-B14F-4D97-AF65-F5344CB8AC3E}">
+        <p14:creationId xmlns:p14="http://schemas.microsoft.com/office/powerpoint/2010/main" val="1366484841"/>
+      </p:ext>
+    </p:extLst>
+  </p:cSld>
+  <p:clrMapOvr>
+    <a:masterClrMapping/>
+  </p:clrMapOvr>
+</p:sld>
+</file>
+
+<file path=ppt/slides/slide49.xml><?xml version="1.0" encoding="utf-8"?>
+<p:sld xmlns:a="http://schemas.openxmlformats.org/drawingml/2006/main" xmlns:r="http://schemas.openxmlformats.org/officeDocument/2006/relationships" xmlns:p="http://schemas.openxmlformats.org/presentationml/2006/main">
+  <p:cSld>
+    <p:spTree>
+      <p:nvGrpSpPr>
+        <p:cNvPr id="1" name=""/>
+        <p:cNvGrpSpPr/>
+        <p:nvPr/>
+      </p:nvGrpSpPr>
+      <p:grpSpPr>
+        <a:xfrm>
+          <a:off x="0" y="0"/>
+          <a:ext cx="0" cy="0"/>
+          <a:chOff x="0" y="0"/>
+          <a:chExt cx="0" cy="0"/>
+        </a:xfrm>
+      </p:grpSpPr>
+      <p:sp>
+        <p:nvSpPr>
+          <p:cNvPr id="9" name="Text Placeholder 8">
+            <a:extLst>
+              <a:ext uri="{FF2B5EF4-FFF2-40B4-BE49-F238E27FC236}">
+                <a16:creationId xmlns:a16="http://schemas.microsoft.com/office/drawing/2014/main" id="{BEE242FE-397E-B24B-9BF6-C1D241790A8C}"/>
+              </a:ext>
+            </a:extLst>
+          </p:cNvPr>
+          <p:cNvSpPr>
+            <a:spLocks noGrp="1"/>
+          </p:cNvSpPr>
+          <p:nvPr>
+            <p:ph type="body" sz="quarter" idx="10"/>
+          </p:nvPr>
+        </p:nvSpPr>
+        <p:spPr/>
+        <p:txBody>
+          <a:bodyPr/>
+          <a:lstStyle/>
+          <a:p>
+            <a:endParaRPr lang="en-US"/>
+          </a:p>
+        </p:txBody>
+      </p:sp>
+      <p:sp>
+        <p:nvSpPr>
+          <p:cNvPr id="6" name="Slide Number Placeholder 5">
+            <a:extLst>
+              <a:ext uri="{FF2B5EF4-FFF2-40B4-BE49-F238E27FC236}">
+                <a16:creationId xmlns:a16="http://schemas.microsoft.com/office/drawing/2014/main" id="{F6F5CD8A-D8EB-5F48-A66F-EC4909EEBF89}"/>
+              </a:ext>
+            </a:extLst>
+          </p:cNvPr>
+          <p:cNvSpPr>
+            <a:spLocks noGrp="1"/>
+          </p:cNvSpPr>
+          <p:nvPr>
+            <p:ph type="sldNum" sz="quarter" idx="4"/>
+          </p:nvPr>
+        </p:nvSpPr>
+        <p:spPr/>
+        <p:txBody>
+          <a:bodyPr/>
+          <a:lstStyle/>
+          <a:p>
+            <a:fld id="{3A707DD9-E92B-45E8-BE0A-E6B2EDF345EB}" type="slidenum">
+              <a:rPr lang="en-US" smtClean="0"/>
+              <a:pPr/>
+              <a:t>49</a:t>
+            </a:fld>
+            <a:endParaRPr lang="en-US" dirty="0"/>
+          </a:p>
+        </p:txBody>
+      </p:sp>
+    </p:spTree>
+    <p:extLst>
+      <p:ext uri="{BB962C8B-B14F-4D97-AF65-F5344CB8AC3E}">
+        <p14:creationId xmlns:p14="http://schemas.microsoft.com/office/powerpoint/2010/main" val="3390816649"/>
       </p:ext>
     </p:extLst>
   </p:cSld>
@@ -25757,39 +28435,9 @@
           <a:lstStyle/>
           <a:p>
             <a:r>
-              <a:rPr lang="en-US" dirty="0"/>
+              <a:rPr lang="en-US" b="1" dirty="0"/>
               <a:t>Performance Practices</a:t>
             </a:r>
-          </a:p>
-        </p:txBody>
-      </p:sp>
-      <p:sp>
-        <p:nvSpPr>
-          <p:cNvPr id="9" name="Text Placeholder 8"/>
-          <p:cNvSpPr>
-            <a:spLocks noGrp="1"/>
-          </p:cNvSpPr>
-          <p:nvPr>
-            <p:ph type="body" sz="quarter" idx="11"/>
-          </p:nvPr>
-        </p:nvSpPr>
-        <p:spPr>
-          <a:xfrm>
-            <a:off x="360364" y="1079500"/>
-            <a:ext cx="8426449" cy="342900"/>
-          </a:xfrm>
-        </p:spPr>
-        <p:txBody>
-          <a:bodyPr/>
-          <a:lstStyle/>
-          <a:p>
-            <a:r>
-              <a:rPr lang="en-US" dirty="0"/>
-              <a:t>1. Pagination</a:t>
-            </a:r>
-          </a:p>
-          <a:p>
-            <a:endParaRPr lang="en-US" dirty="0"/>
           </a:p>
         </p:txBody>
       </p:sp>
@@ -25823,10 +28471,601 @@
           </a:p>
         </p:txBody>
       </p:sp>
+      <p:sp>
+        <p:nvSpPr>
+          <p:cNvPr id="6" name="Rectangle 5">
+            <a:extLst>
+              <a:ext uri="{FF2B5EF4-FFF2-40B4-BE49-F238E27FC236}">
+                <a16:creationId xmlns:a16="http://schemas.microsoft.com/office/drawing/2014/main" id="{3BF2ED19-5202-443D-B93A-CF0F28C8787A}"/>
+              </a:ext>
+            </a:extLst>
+          </p:cNvPr>
+          <p:cNvSpPr/>
+          <p:nvPr/>
+        </p:nvSpPr>
+        <p:spPr>
+          <a:xfrm>
+            <a:off x="3159434" y="1740753"/>
+            <a:ext cx="2825132" cy="830997"/>
+          </a:xfrm>
+          <a:prstGeom prst="rect">
+            <a:avLst/>
+          </a:prstGeom>
+        </p:spPr>
+        <p:txBody>
+          <a:bodyPr wrap="none">
+            <a:spAutoFit/>
+          </a:bodyPr>
+          <a:lstStyle/>
+          <a:p>
+            <a:r>
+              <a:rPr lang="en-US" sz="4800" dirty="0"/>
+              <a:t>Pagination</a:t>
+            </a:r>
+          </a:p>
+        </p:txBody>
+      </p:sp>
     </p:spTree>
     <p:extLst>
       <p:ext uri="{BB962C8B-B14F-4D97-AF65-F5344CB8AC3E}">
         <p14:creationId xmlns:p14="http://schemas.microsoft.com/office/powerpoint/2010/main" val="3627050181"/>
+      </p:ext>
+    </p:extLst>
+  </p:cSld>
+  <p:clrMapOvr>
+    <a:masterClrMapping/>
+  </p:clrMapOvr>
+</p:sld>
+</file>
+
+<file path=ppt/slides/slide50.xml><?xml version="1.0" encoding="utf-8"?>
+<p:sld xmlns:a="http://schemas.openxmlformats.org/drawingml/2006/main" xmlns:r="http://schemas.openxmlformats.org/officeDocument/2006/relationships" xmlns:p="http://schemas.openxmlformats.org/presentationml/2006/main">
+  <p:cSld>
+    <p:spTree>
+      <p:nvGrpSpPr>
+        <p:cNvPr id="1" name=""/>
+        <p:cNvGrpSpPr/>
+        <p:nvPr/>
+      </p:nvGrpSpPr>
+      <p:grpSpPr>
+        <a:xfrm>
+          <a:off x="0" y="0"/>
+          <a:ext cx="0" cy="0"/>
+          <a:chOff x="0" y="0"/>
+          <a:chExt cx="0" cy="0"/>
+        </a:xfrm>
+      </p:grpSpPr>
+      <p:sp>
+        <p:nvSpPr>
+          <p:cNvPr id="4" name="Title 3">
+            <a:extLst>
+              <a:ext uri="{FF2B5EF4-FFF2-40B4-BE49-F238E27FC236}">
+                <a16:creationId xmlns:a16="http://schemas.microsoft.com/office/drawing/2014/main" id="{70275389-5E44-E748-BC5C-0BA447743FAF}"/>
+              </a:ext>
+            </a:extLst>
+          </p:cNvPr>
+          <p:cNvSpPr>
+            <a:spLocks noGrp="1"/>
+          </p:cNvSpPr>
+          <p:nvPr>
+            <p:ph type="title"/>
+          </p:nvPr>
+        </p:nvSpPr>
+        <p:spPr/>
+        <p:txBody>
+          <a:bodyPr/>
+          <a:lstStyle/>
+          <a:p>
+            <a:endParaRPr lang="en-US"/>
+          </a:p>
+        </p:txBody>
+      </p:sp>
+      <p:sp>
+        <p:nvSpPr>
+          <p:cNvPr id="3" name="Slide Number Placeholder 2">
+            <a:extLst>
+              <a:ext uri="{FF2B5EF4-FFF2-40B4-BE49-F238E27FC236}">
+                <a16:creationId xmlns:a16="http://schemas.microsoft.com/office/drawing/2014/main" id="{E3D0DB79-90AF-F04D-8589-25CCBFBF8B96}"/>
+              </a:ext>
+            </a:extLst>
+          </p:cNvPr>
+          <p:cNvSpPr>
+            <a:spLocks noGrp="1"/>
+          </p:cNvSpPr>
+          <p:nvPr>
+            <p:ph type="sldNum" sz="quarter" idx="4"/>
+          </p:nvPr>
+        </p:nvSpPr>
+        <p:spPr/>
+        <p:txBody>
+          <a:bodyPr/>
+          <a:lstStyle/>
+          <a:p>
+            <a:fld id="{3A707DD9-E92B-45E8-BE0A-E6B2EDF345EB}" type="slidenum">
+              <a:rPr lang="en-US" smtClean="0"/>
+              <a:pPr/>
+              <a:t>50</a:t>
+            </a:fld>
+            <a:endParaRPr lang="en-US" dirty="0"/>
+          </a:p>
+        </p:txBody>
+      </p:sp>
+    </p:spTree>
+    <p:extLst>
+      <p:ext uri="{BB962C8B-B14F-4D97-AF65-F5344CB8AC3E}">
+        <p14:creationId xmlns:p14="http://schemas.microsoft.com/office/powerpoint/2010/main" val="1017595494"/>
+      </p:ext>
+    </p:extLst>
+  </p:cSld>
+  <p:clrMapOvr>
+    <a:masterClrMapping/>
+  </p:clrMapOvr>
+</p:sld>
+</file>
+
+<file path=ppt/slides/slide51.xml><?xml version="1.0" encoding="utf-8"?>
+<p:sld xmlns:a="http://schemas.openxmlformats.org/drawingml/2006/main" xmlns:r="http://schemas.openxmlformats.org/officeDocument/2006/relationships" xmlns:p="http://schemas.openxmlformats.org/presentationml/2006/main">
+  <p:cSld>
+    <p:spTree>
+      <p:nvGrpSpPr>
+        <p:cNvPr id="1" name=""/>
+        <p:cNvGrpSpPr/>
+        <p:nvPr/>
+      </p:nvGrpSpPr>
+      <p:grpSpPr>
+        <a:xfrm>
+          <a:off x="0" y="0"/>
+          <a:ext cx="0" cy="0"/>
+          <a:chOff x="0" y="0"/>
+          <a:chExt cx="0" cy="0"/>
+        </a:xfrm>
+      </p:grpSpPr>
+      <p:sp>
+        <p:nvSpPr>
+          <p:cNvPr id="3" name="Slide Number Placeholder 2">
+            <a:extLst>
+              <a:ext uri="{FF2B5EF4-FFF2-40B4-BE49-F238E27FC236}">
+                <a16:creationId xmlns:a16="http://schemas.microsoft.com/office/drawing/2014/main" id="{396EA3AA-6BA8-1E40-8C5F-C94BB7D22261}"/>
+              </a:ext>
+            </a:extLst>
+          </p:cNvPr>
+          <p:cNvSpPr>
+            <a:spLocks noGrp="1"/>
+          </p:cNvSpPr>
+          <p:nvPr>
+            <p:ph type="sldNum" sz="quarter" idx="4"/>
+          </p:nvPr>
+        </p:nvSpPr>
+        <p:spPr/>
+        <p:txBody>
+          <a:bodyPr/>
+          <a:lstStyle/>
+          <a:p>
+            <a:fld id="{3A707DD9-E92B-45E8-BE0A-E6B2EDF345EB}" type="slidenum">
+              <a:rPr lang="en-US" smtClean="0"/>
+              <a:pPr/>
+              <a:t>51</a:t>
+            </a:fld>
+            <a:endParaRPr lang="en-US" dirty="0"/>
+          </a:p>
+        </p:txBody>
+      </p:sp>
+    </p:spTree>
+    <p:extLst>
+      <p:ext uri="{BB962C8B-B14F-4D97-AF65-F5344CB8AC3E}">
+        <p14:creationId xmlns:p14="http://schemas.microsoft.com/office/powerpoint/2010/main" val="246373354"/>
+      </p:ext>
+    </p:extLst>
+  </p:cSld>
+  <p:clrMapOvr>
+    <a:masterClrMapping/>
+  </p:clrMapOvr>
+</p:sld>
+</file>
+
+<file path=ppt/slides/slide52.xml><?xml version="1.0" encoding="utf-8"?>
+<p:sld xmlns:a="http://schemas.openxmlformats.org/drawingml/2006/main" xmlns:r="http://schemas.openxmlformats.org/officeDocument/2006/relationships" xmlns:p="http://schemas.openxmlformats.org/presentationml/2006/main">
+  <p:cSld>
+    <p:spTree>
+      <p:nvGrpSpPr>
+        <p:cNvPr id="1" name=""/>
+        <p:cNvGrpSpPr/>
+        <p:nvPr/>
+      </p:nvGrpSpPr>
+      <p:grpSpPr>
+        <a:xfrm>
+          <a:off x="0" y="0"/>
+          <a:ext cx="0" cy="0"/>
+          <a:chOff x="0" y="0"/>
+          <a:chExt cx="0" cy="0"/>
+        </a:xfrm>
+      </p:grpSpPr>
+      <p:sp>
+        <p:nvSpPr>
+          <p:cNvPr id="3" name="Title 2">
+            <a:extLst>
+              <a:ext uri="{FF2B5EF4-FFF2-40B4-BE49-F238E27FC236}">
+                <a16:creationId xmlns:a16="http://schemas.microsoft.com/office/drawing/2014/main" id="{B69D9CFC-E5C1-3A4E-BCB7-3E1CA8BCBCF4}"/>
+              </a:ext>
+            </a:extLst>
+          </p:cNvPr>
+          <p:cNvSpPr>
+            <a:spLocks noGrp="1"/>
+          </p:cNvSpPr>
+          <p:nvPr>
+            <p:ph type="title"/>
+          </p:nvPr>
+        </p:nvSpPr>
+        <p:spPr/>
+        <p:txBody>
+          <a:bodyPr/>
+          <a:lstStyle/>
+          <a:p>
+            <a:endParaRPr lang="en-US"/>
+          </a:p>
+        </p:txBody>
+      </p:sp>
+      <p:sp>
+        <p:nvSpPr>
+          <p:cNvPr id="2" name="Slide Number Placeholder 1">
+            <a:extLst>
+              <a:ext uri="{FF2B5EF4-FFF2-40B4-BE49-F238E27FC236}">
+                <a16:creationId xmlns:a16="http://schemas.microsoft.com/office/drawing/2014/main" id="{11B382BE-028B-964F-9027-6A1A9DA2E6E7}"/>
+              </a:ext>
+            </a:extLst>
+          </p:cNvPr>
+          <p:cNvSpPr>
+            <a:spLocks noGrp="1"/>
+          </p:cNvSpPr>
+          <p:nvPr>
+            <p:ph type="sldNum" sz="quarter" idx="4"/>
+          </p:nvPr>
+        </p:nvSpPr>
+        <p:spPr/>
+        <p:txBody>
+          <a:bodyPr/>
+          <a:lstStyle/>
+          <a:p>
+            <a:fld id="{3A707DD9-E92B-45E8-BE0A-E6B2EDF345EB}" type="slidenum">
+              <a:rPr lang="en-US" smtClean="0"/>
+              <a:pPr/>
+              <a:t>52</a:t>
+            </a:fld>
+            <a:endParaRPr lang="en-US" dirty="0"/>
+          </a:p>
+        </p:txBody>
+      </p:sp>
+      <p:sp>
+        <p:nvSpPr>
+          <p:cNvPr id="5" name="Picture Placeholder 4">
+            <a:extLst>
+              <a:ext uri="{FF2B5EF4-FFF2-40B4-BE49-F238E27FC236}">
+                <a16:creationId xmlns:a16="http://schemas.microsoft.com/office/drawing/2014/main" id="{192CE039-5644-C647-B0F3-EEB85B25B94D}"/>
+              </a:ext>
+            </a:extLst>
+          </p:cNvPr>
+          <p:cNvSpPr>
+            <a:spLocks noGrp="1"/>
+          </p:cNvSpPr>
+          <p:nvPr>
+            <p:ph type="pic" sz="quarter" idx="11"/>
+          </p:nvPr>
+        </p:nvSpPr>
+        <p:spPr/>
+      </p:sp>
+      <p:sp>
+        <p:nvSpPr>
+          <p:cNvPr id="6" name="Text Placeholder 5">
+            <a:extLst>
+              <a:ext uri="{FF2B5EF4-FFF2-40B4-BE49-F238E27FC236}">
+                <a16:creationId xmlns:a16="http://schemas.microsoft.com/office/drawing/2014/main" id="{FFFE38C7-DF72-A64C-B9B6-DAE753CDED79}"/>
+              </a:ext>
+            </a:extLst>
+          </p:cNvPr>
+          <p:cNvSpPr>
+            <a:spLocks noGrp="1"/>
+          </p:cNvSpPr>
+          <p:nvPr>
+            <p:ph type="body" sz="quarter" idx="12"/>
+          </p:nvPr>
+        </p:nvSpPr>
+        <p:spPr/>
+        <p:txBody>
+          <a:bodyPr/>
+          <a:lstStyle/>
+          <a:p>
+            <a:endParaRPr lang="en-US"/>
+          </a:p>
+        </p:txBody>
+      </p:sp>
+      <p:sp>
+        <p:nvSpPr>
+          <p:cNvPr id="4" name="Content Placeholder 3">
+            <a:extLst>
+              <a:ext uri="{FF2B5EF4-FFF2-40B4-BE49-F238E27FC236}">
+                <a16:creationId xmlns:a16="http://schemas.microsoft.com/office/drawing/2014/main" id="{01301C25-ACB8-2C40-9D88-31F5DECAB2AB}"/>
+              </a:ext>
+            </a:extLst>
+          </p:cNvPr>
+          <p:cNvSpPr>
+            <a:spLocks noGrp="1"/>
+          </p:cNvSpPr>
+          <p:nvPr>
+            <p:ph sz="quarter" idx="10"/>
+          </p:nvPr>
+        </p:nvSpPr>
+        <p:spPr/>
+        <p:txBody>
+          <a:bodyPr/>
+          <a:lstStyle/>
+          <a:p>
+            <a:endParaRPr lang="en-US"/>
+          </a:p>
+        </p:txBody>
+      </p:sp>
+      <p:sp>
+        <p:nvSpPr>
+          <p:cNvPr id="7" name="Text Placeholder 6">
+            <a:extLst>
+              <a:ext uri="{FF2B5EF4-FFF2-40B4-BE49-F238E27FC236}">
+                <a16:creationId xmlns:a16="http://schemas.microsoft.com/office/drawing/2014/main" id="{E3B41482-A6D3-DC4F-A416-B9BFB23215D3}"/>
+              </a:ext>
+            </a:extLst>
+          </p:cNvPr>
+          <p:cNvSpPr>
+            <a:spLocks noGrp="1"/>
+          </p:cNvSpPr>
+          <p:nvPr>
+            <p:ph type="body" sz="quarter" idx="13"/>
+          </p:nvPr>
+        </p:nvSpPr>
+        <p:spPr/>
+        <p:txBody>
+          <a:bodyPr/>
+          <a:lstStyle/>
+          <a:p>
+            <a:endParaRPr lang="en-US"/>
+          </a:p>
+        </p:txBody>
+      </p:sp>
+    </p:spTree>
+    <p:extLst>
+      <p:ext uri="{BB962C8B-B14F-4D97-AF65-F5344CB8AC3E}">
+        <p14:creationId xmlns:p14="http://schemas.microsoft.com/office/powerpoint/2010/main" val="1620209984"/>
+      </p:ext>
+    </p:extLst>
+  </p:cSld>
+  <p:clrMapOvr>
+    <a:masterClrMapping/>
+  </p:clrMapOvr>
+</p:sld>
+</file>
+
+<file path=ppt/slides/slide53.xml><?xml version="1.0" encoding="utf-8"?>
+<p:sld xmlns:a="http://schemas.openxmlformats.org/drawingml/2006/main" xmlns:r="http://schemas.openxmlformats.org/officeDocument/2006/relationships" xmlns:p="http://schemas.openxmlformats.org/presentationml/2006/main">
+  <p:cSld>
+    <p:spTree>
+      <p:nvGrpSpPr>
+        <p:cNvPr id="1" name=""/>
+        <p:cNvGrpSpPr/>
+        <p:nvPr/>
+      </p:nvGrpSpPr>
+      <p:grpSpPr>
+        <a:xfrm>
+          <a:off x="0" y="0"/>
+          <a:ext cx="0" cy="0"/>
+          <a:chOff x="0" y="0"/>
+          <a:chExt cx="0" cy="0"/>
+        </a:xfrm>
+      </p:grpSpPr>
+      <p:sp>
+        <p:nvSpPr>
+          <p:cNvPr id="4" name="Title 3"/>
+          <p:cNvSpPr>
+            <a:spLocks noGrp="1"/>
+          </p:cNvSpPr>
+          <p:nvPr>
+            <p:ph type="title"/>
+          </p:nvPr>
+        </p:nvSpPr>
+        <p:spPr/>
+        <p:txBody>
+          <a:bodyPr/>
+          <a:lstStyle/>
+          <a:p>
+            <a:endParaRPr lang="en-US"/>
+          </a:p>
+        </p:txBody>
+      </p:sp>
+      <p:sp>
+        <p:nvSpPr>
+          <p:cNvPr id="2" name="Slide Number Placeholder 1">
+            <a:extLst>
+              <a:ext uri="{FF2B5EF4-FFF2-40B4-BE49-F238E27FC236}">
+                <a16:creationId xmlns:a16="http://schemas.microsoft.com/office/drawing/2014/main" id="{BD2203D6-46B2-544A-AEDD-86624A2E7DA7}"/>
+              </a:ext>
+            </a:extLst>
+          </p:cNvPr>
+          <p:cNvSpPr>
+            <a:spLocks noGrp="1"/>
+          </p:cNvSpPr>
+          <p:nvPr>
+            <p:ph type="sldNum" sz="quarter" idx="4294967295"/>
+          </p:nvPr>
+        </p:nvSpPr>
+        <p:spPr>
+          <a:xfrm>
+            <a:off x="7770813" y="4826000"/>
+            <a:ext cx="1373187" cy="317500"/>
+          </a:xfrm>
+          <a:prstGeom prst="rect">
+            <a:avLst/>
+          </a:prstGeom>
+        </p:spPr>
+        <p:txBody>
+          <a:bodyPr/>
+          <a:lstStyle/>
+          <a:p>
+            <a:fld id="{3A707DD9-E92B-45E8-BE0A-E6B2EDF345EB}" type="slidenum">
+              <a:rPr lang="en-US" smtClean="0"/>
+              <a:pPr/>
+              <a:t>53</a:t>
+            </a:fld>
+            <a:endParaRPr lang="en-US" dirty="0"/>
+          </a:p>
+        </p:txBody>
+      </p:sp>
+    </p:spTree>
+    <p:extLst>
+      <p:ext uri="{BB962C8B-B14F-4D97-AF65-F5344CB8AC3E}">
+        <p14:creationId xmlns:p14="http://schemas.microsoft.com/office/powerpoint/2010/main" val="1440452983"/>
+      </p:ext>
+    </p:extLst>
+  </p:cSld>
+  <p:clrMapOvr>
+    <a:masterClrMapping/>
+  </p:clrMapOvr>
+</p:sld>
+</file>
+
+<file path=ppt/slides/slide54.xml><?xml version="1.0" encoding="utf-8"?>
+<p:sld xmlns:a="http://schemas.openxmlformats.org/drawingml/2006/main" xmlns:r="http://schemas.openxmlformats.org/officeDocument/2006/relationships" xmlns:p="http://schemas.openxmlformats.org/presentationml/2006/main">
+  <p:cSld>
+    <p:spTree>
+      <p:nvGrpSpPr>
+        <p:cNvPr id="1" name=""/>
+        <p:cNvGrpSpPr/>
+        <p:nvPr/>
+      </p:nvGrpSpPr>
+      <p:grpSpPr>
+        <a:xfrm>
+          <a:off x="0" y="0"/>
+          <a:ext cx="0" cy="0"/>
+          <a:chOff x="0" y="0"/>
+          <a:chExt cx="0" cy="0"/>
+        </a:xfrm>
+      </p:grpSpPr>
+      <p:sp>
+        <p:nvSpPr>
+          <p:cNvPr id="3" name="Title 2"/>
+          <p:cNvSpPr>
+            <a:spLocks noGrp="1"/>
+          </p:cNvSpPr>
+          <p:nvPr>
+            <p:ph type="title"/>
+          </p:nvPr>
+        </p:nvSpPr>
+        <p:spPr/>
+        <p:txBody>
+          <a:bodyPr/>
+          <a:lstStyle/>
+          <a:p>
+            <a:endParaRPr lang="en-US"/>
+          </a:p>
+        </p:txBody>
+      </p:sp>
+    </p:spTree>
+    <p:extLst>
+      <p:ext uri="{BB962C8B-B14F-4D97-AF65-F5344CB8AC3E}">
+        <p14:creationId xmlns:p14="http://schemas.microsoft.com/office/powerpoint/2010/main" val="3773324485"/>
+      </p:ext>
+    </p:extLst>
+  </p:cSld>
+  <p:clrMapOvr>
+    <a:masterClrMapping/>
+  </p:clrMapOvr>
+</p:sld>
+</file>
+
+<file path=ppt/slides/slide55.xml><?xml version="1.0" encoding="utf-8"?>
+<p:sld xmlns:a="http://schemas.openxmlformats.org/drawingml/2006/main" xmlns:r="http://schemas.openxmlformats.org/officeDocument/2006/relationships" xmlns:p="http://schemas.openxmlformats.org/presentationml/2006/main">
+  <p:cSld>
+    <p:spTree>
+      <p:nvGrpSpPr>
+        <p:cNvPr id="1" name=""/>
+        <p:cNvGrpSpPr/>
+        <p:nvPr/>
+      </p:nvGrpSpPr>
+      <p:grpSpPr>
+        <a:xfrm>
+          <a:off x="0" y="0"/>
+          <a:ext cx="0" cy="0"/>
+          <a:chOff x="0" y="0"/>
+          <a:chExt cx="0" cy="0"/>
+        </a:xfrm>
+      </p:grpSpPr>
+      <p:sp>
+        <p:nvSpPr>
+          <p:cNvPr id="2" name="Title 1"/>
+          <p:cNvSpPr>
+            <a:spLocks noGrp="1"/>
+          </p:cNvSpPr>
+          <p:nvPr>
+            <p:ph type="title"/>
+          </p:nvPr>
+        </p:nvSpPr>
+        <p:spPr/>
+        <p:txBody>
+          <a:bodyPr/>
+          <a:lstStyle/>
+          <a:p>
+            <a:endParaRPr lang="en-US"/>
+          </a:p>
+        </p:txBody>
+      </p:sp>
+    </p:spTree>
+    <p:extLst>
+      <p:ext uri="{BB962C8B-B14F-4D97-AF65-F5344CB8AC3E}">
+        <p14:creationId xmlns:p14="http://schemas.microsoft.com/office/powerpoint/2010/main" val="3161395204"/>
+      </p:ext>
+    </p:extLst>
+  </p:cSld>
+  <p:clrMapOvr>
+    <a:masterClrMapping/>
+  </p:clrMapOvr>
+</p:sld>
+</file>
+
+<file path=ppt/slides/slide56.xml><?xml version="1.0" encoding="utf-8"?>
+<p:sld xmlns:a="http://schemas.openxmlformats.org/drawingml/2006/main" xmlns:r="http://schemas.openxmlformats.org/officeDocument/2006/relationships" xmlns:p="http://schemas.openxmlformats.org/presentationml/2006/main">
+  <p:cSld>
+    <p:spTree>
+      <p:nvGrpSpPr>
+        <p:cNvPr id="1" name=""/>
+        <p:cNvGrpSpPr/>
+        <p:nvPr/>
+      </p:nvGrpSpPr>
+      <p:grpSpPr>
+        <a:xfrm>
+          <a:off x="0" y="0"/>
+          <a:ext cx="0" cy="0"/>
+          <a:chOff x="0" y="0"/>
+          <a:chExt cx="0" cy="0"/>
+        </a:xfrm>
+      </p:grpSpPr>
+      <p:sp>
+        <p:nvSpPr>
+          <p:cNvPr id="2" name="Title 1"/>
+          <p:cNvSpPr>
+            <a:spLocks noGrp="1"/>
+          </p:cNvSpPr>
+          <p:nvPr>
+            <p:ph type="title"/>
+          </p:nvPr>
+        </p:nvSpPr>
+        <p:spPr/>
+        <p:txBody>
+          <a:bodyPr/>
+          <a:lstStyle/>
+          <a:p>
+            <a:endParaRPr lang="en-US"/>
+          </a:p>
+        </p:txBody>
+      </p:sp>
+    </p:spTree>
+    <p:extLst>
+      <p:ext uri="{BB962C8B-B14F-4D97-AF65-F5344CB8AC3E}">
+        <p14:creationId xmlns:p14="http://schemas.microsoft.com/office/powerpoint/2010/main" val="1087199906"/>
       </p:ext>
     </p:extLst>
   </p:cSld>
@@ -25869,39 +29108,9 @@
           <a:lstStyle/>
           <a:p>
             <a:r>
-              <a:rPr lang="en-US" dirty="0"/>
-              <a:t>Performance Practices</a:t>
-            </a:r>
-          </a:p>
-        </p:txBody>
-      </p:sp>
-      <p:sp>
-        <p:nvSpPr>
-          <p:cNvPr id="9" name="Text Placeholder 8"/>
-          <p:cNvSpPr>
-            <a:spLocks noGrp="1"/>
-          </p:cNvSpPr>
-          <p:nvPr>
-            <p:ph type="body" sz="quarter" idx="11"/>
-          </p:nvPr>
-        </p:nvSpPr>
-        <p:spPr>
-          <a:xfrm>
-            <a:off x="360364" y="1079500"/>
-            <a:ext cx="8426449" cy="342900"/>
-          </a:xfrm>
-        </p:spPr>
-        <p:txBody>
-          <a:bodyPr/>
-          <a:lstStyle/>
-          <a:p>
-            <a:r>
-              <a:rPr lang="en-US" dirty="0"/>
+              <a:rPr lang="en-US" b="1" dirty="0"/>
               <a:t>1. Pagination</a:t>
             </a:r>
-          </a:p>
-          <a:p>
-            <a:endParaRPr lang="en-US" dirty="0"/>
           </a:p>
         </p:txBody>
       </p:sp>
@@ -26016,42 +29225,9 @@
           <a:lstStyle/>
           <a:p>
             <a:r>
-              <a:rPr lang="en-US" dirty="0"/>
+              <a:rPr lang="en-US" b="1" dirty="0"/>
               <a:t>Performance Practices</a:t>
             </a:r>
-          </a:p>
-        </p:txBody>
-      </p:sp>
-      <p:sp>
-        <p:nvSpPr>
-          <p:cNvPr id="9" name="Text Placeholder 8"/>
-          <p:cNvSpPr>
-            <a:spLocks noGrp="1"/>
-          </p:cNvSpPr>
-          <p:nvPr>
-            <p:ph type="body" sz="quarter" idx="11"/>
-          </p:nvPr>
-        </p:nvSpPr>
-        <p:spPr>
-          <a:xfrm>
-            <a:off x="360364" y="1079500"/>
-            <a:ext cx="8426449" cy="342900"/>
-          </a:xfrm>
-        </p:spPr>
-        <p:txBody>
-          <a:bodyPr/>
-          <a:lstStyle/>
-          <a:p>
-            <a:r>
-              <a:rPr lang="en-US" dirty="0"/>
-              <a:t>2. Avoiding N+1 requests</a:t>
-            </a:r>
-          </a:p>
-          <a:p>
-            <a:endParaRPr lang="en-US" dirty="0"/>
-          </a:p>
-          <a:p>
-            <a:endParaRPr lang="en-US" dirty="0"/>
           </a:p>
         </p:txBody>
       </p:sp>
@@ -26082,6 +29258,40 @@
               <a:t>7</a:t>
             </a:fld>
             <a:endParaRPr lang="en-US" dirty="0"/>
+          </a:p>
+        </p:txBody>
+      </p:sp>
+      <p:sp>
+        <p:nvSpPr>
+          <p:cNvPr id="6" name="Rectangle 5">
+            <a:extLst>
+              <a:ext uri="{FF2B5EF4-FFF2-40B4-BE49-F238E27FC236}">
+                <a16:creationId xmlns:a16="http://schemas.microsoft.com/office/drawing/2014/main" id="{88CADBDB-545D-414A-8CCD-57D2D70F3DB9}"/>
+              </a:ext>
+            </a:extLst>
+          </p:cNvPr>
+          <p:cNvSpPr/>
+          <p:nvPr/>
+        </p:nvSpPr>
+        <p:spPr>
+          <a:xfrm>
+            <a:off x="1677682" y="1740753"/>
+            <a:ext cx="5788636" cy="830997"/>
+          </a:xfrm>
+          <a:prstGeom prst="rect">
+            <a:avLst/>
+          </a:prstGeom>
+        </p:spPr>
+        <p:txBody>
+          <a:bodyPr wrap="none">
+            <a:spAutoFit/>
+          </a:bodyPr>
+          <a:lstStyle/>
+          <a:p>
+            <a:r>
+              <a:rPr lang="en-US" sz="4800" dirty="0"/>
+              <a:t>Avoiding N+1 requests</a:t>
+            </a:r>
           </a:p>
         </p:txBody>
       </p:sp>
@@ -26131,42 +29341,9 @@
           <a:lstStyle/>
           <a:p>
             <a:r>
-              <a:rPr lang="en-US" dirty="0"/>
-              <a:t>Performance Practices</a:t>
-            </a:r>
-          </a:p>
-        </p:txBody>
-      </p:sp>
-      <p:sp>
-        <p:nvSpPr>
-          <p:cNvPr id="9" name="Text Placeholder 8"/>
-          <p:cNvSpPr>
-            <a:spLocks noGrp="1"/>
-          </p:cNvSpPr>
-          <p:nvPr>
-            <p:ph type="body" sz="quarter" idx="11"/>
-          </p:nvPr>
-        </p:nvSpPr>
-        <p:spPr>
-          <a:xfrm>
-            <a:off x="357188" y="1079500"/>
-            <a:ext cx="8429626" cy="342900"/>
-          </a:xfrm>
-        </p:spPr>
-        <p:txBody>
-          <a:bodyPr/>
-          <a:lstStyle/>
-          <a:p>
-            <a:r>
-              <a:rPr lang="en-US" dirty="0"/>
+              <a:rPr lang="en-US" b="1" dirty="0"/>
               <a:t>2. Avoiding N+1 requests</a:t>
             </a:r>
-          </a:p>
-          <a:p>
-            <a:endParaRPr lang="en-US" dirty="0"/>
-          </a:p>
-          <a:p>
-            <a:endParaRPr lang="en-US" dirty="0"/>
           </a:p>
         </p:txBody>
       </p:sp>
@@ -26196,52 +29373,6 @@
               <a:pPr/>
               <a:t>8</a:t>
             </a:fld>
-            <a:endParaRPr lang="en-US" dirty="0"/>
-          </a:p>
-        </p:txBody>
-      </p:sp>
-      <p:sp>
-        <p:nvSpPr>
-          <p:cNvPr id="7" name="Content Placeholder 6">
-            <a:extLst>
-              <a:ext uri="{FF2B5EF4-FFF2-40B4-BE49-F238E27FC236}">
-                <a16:creationId xmlns:a16="http://schemas.microsoft.com/office/drawing/2014/main" id="{04FA93D3-540A-4888-86B7-52F1B594848D}"/>
-              </a:ext>
-            </a:extLst>
-          </p:cNvPr>
-          <p:cNvSpPr>
-            <a:spLocks noGrp="1"/>
-          </p:cNvSpPr>
-          <p:nvPr>
-            <p:ph sz="quarter" idx="10"/>
-          </p:nvPr>
-        </p:nvSpPr>
-        <p:spPr>
-          <a:xfrm>
-            <a:off x="357186" y="1422400"/>
-            <a:ext cx="8429627" cy="3054350"/>
-          </a:xfrm>
-        </p:spPr>
-        <p:txBody>
-          <a:bodyPr/>
-          <a:lstStyle/>
-          <a:p>
-            <a:pPr marL="0" indent="0">
-              <a:lnSpc>
-                <a:spcPct val="100000"/>
-              </a:lnSpc>
-              <a:buNone/>
-            </a:pPr>
-            <a:r>
-              <a:rPr lang="en-US" sz="2000" b="1" dirty="0"/>
-              <a:t>Problem:</a:t>
-            </a:r>
-            <a:br>
-              <a:rPr lang="en-US" dirty="0"/>
-            </a:br>
-            <a:br>
-              <a:rPr lang="en-US" dirty="0"/>
-            </a:br>
             <a:endParaRPr lang="en-US" dirty="0"/>
           </a:p>
         </p:txBody>
@@ -26268,7 +29399,7 @@
         </p:blipFill>
         <p:spPr>
           <a:xfrm>
-            <a:off x="357185" y="2262715"/>
+            <a:off x="357186" y="1990598"/>
             <a:ext cx="2683594" cy="1178985"/>
           </a:xfrm>
           <a:prstGeom prst="rect">
@@ -26298,7 +29429,7 @@
         </p:blipFill>
         <p:spPr>
           <a:xfrm>
-            <a:off x="3862388" y="1990598"/>
+            <a:off x="3862388" y="1624868"/>
             <a:ext cx="4924425" cy="2133600"/>
           </a:xfrm>
           <a:prstGeom prst="rect">
@@ -26320,7 +29451,7 @@
         </p:nvSpPr>
         <p:spPr>
           <a:xfrm>
-            <a:off x="5905500" y="4176668"/>
+            <a:off x="5880100" y="3801286"/>
             <a:ext cx="1110176" cy="300082"/>
           </a:xfrm>
           <a:prstGeom prst="rect">
@@ -26355,7 +29486,7 @@
         </p:nvSpPr>
         <p:spPr>
           <a:xfrm>
-            <a:off x="3232722" y="2691668"/>
+            <a:off x="3214179" y="2318480"/>
             <a:ext cx="474810" cy="523220"/>
           </a:xfrm>
           <a:prstGeom prst="rect">
@@ -26372,6 +29503,34 @@
             <a:r>
               <a:rPr lang="en-US" sz="2800" dirty="0"/>
               <a:t>-&gt;</a:t>
+            </a:r>
+          </a:p>
+        </p:txBody>
+      </p:sp>
+      <p:sp>
+        <p:nvSpPr>
+          <p:cNvPr id="4" name="Text Placeholder 3">
+            <a:extLst>
+              <a:ext uri="{FF2B5EF4-FFF2-40B4-BE49-F238E27FC236}">
+                <a16:creationId xmlns:a16="http://schemas.microsoft.com/office/drawing/2014/main" id="{CEADE6D2-8D3C-4526-9639-B25C6DAE8EED}"/>
+              </a:ext>
+            </a:extLst>
+          </p:cNvPr>
+          <p:cNvSpPr>
+            <a:spLocks noGrp="1"/>
+          </p:cNvSpPr>
+          <p:nvPr>
+            <p:ph type="body" sz="quarter" idx="11"/>
+          </p:nvPr>
+        </p:nvSpPr>
+        <p:spPr/>
+        <p:txBody>
+          <a:bodyPr/>
+          <a:lstStyle/>
+          <a:p>
+            <a:r>
+              <a:rPr lang="en-US" dirty="0"/>
+              <a:t>Problem:</a:t>
             </a:r>
           </a:p>
         </p:txBody>
@@ -26422,42 +29581,9 @@
           <a:lstStyle/>
           <a:p>
             <a:r>
-              <a:rPr lang="en-US" dirty="0"/>
-              <a:t>Performance Practices</a:t>
-            </a:r>
-          </a:p>
-        </p:txBody>
-      </p:sp>
-      <p:sp>
-        <p:nvSpPr>
-          <p:cNvPr id="9" name="Text Placeholder 8"/>
-          <p:cNvSpPr>
-            <a:spLocks noGrp="1"/>
-          </p:cNvSpPr>
-          <p:nvPr>
-            <p:ph type="body" sz="quarter" idx="11"/>
-          </p:nvPr>
-        </p:nvSpPr>
-        <p:spPr>
-          <a:xfrm>
-            <a:off x="357188" y="1079500"/>
-            <a:ext cx="8429626" cy="342900"/>
-          </a:xfrm>
-        </p:spPr>
-        <p:txBody>
-          <a:bodyPr/>
-          <a:lstStyle/>
-          <a:p>
-            <a:r>
-              <a:rPr lang="en-US" dirty="0"/>
+              <a:rPr lang="en-US" b="1" dirty="0"/>
               <a:t>2. Avoiding N+1 requests</a:t>
             </a:r>
-          </a:p>
-          <a:p>
-            <a:endParaRPr lang="en-US" dirty="0"/>
-          </a:p>
-          <a:p>
-            <a:endParaRPr lang="en-US" dirty="0"/>
           </a:p>
         </p:txBody>
       </p:sp>
@@ -26509,7 +29635,7 @@
         </p:nvSpPr>
         <p:spPr>
           <a:xfrm>
-            <a:off x="357186" y="1422400"/>
+            <a:off x="360364" y="1044575"/>
             <a:ext cx="8429627" cy="3054350"/>
           </a:xfrm>
         </p:spPr>
